--- a/Big Mountain Slide Deck (Backup).pptx
+++ b/Big Mountain Slide Deck (Backup).pptx
@@ -10,6 +10,10 @@
     <p:sldId id="258" r:id="rId4"/>
     <p:sldId id="259" r:id="rId5"/>
     <p:sldId id="260" r:id="rId6"/>
+    <p:sldId id="261" r:id="rId7"/>
+    <p:sldId id="262" r:id="rId8"/>
+    <p:sldId id="263" r:id="rId9"/>
+    <p:sldId id="264" r:id="rId10"/>
   </p:sldIdLst>
   <p:sldSz cx="12192000" cy="6858000"/>
   <p:notesSz cx="6858000" cy="9144000"/>
@@ -116,6 +120,750 @@
 </p:presentation>
 </file>
 
+<file path=ppt/revisionInfo.xml><?xml version="1.0" encoding="utf-8"?>
+<p1510:revInfo xmlns:a="http://schemas.openxmlformats.org/drawingml/2006/main" xmlns:r="http://schemas.openxmlformats.org/officeDocument/2006/relationships" xmlns:p1510="http://schemas.microsoft.com/office/powerpoint/2015/10/main">
+  <p1510:revLst>
+    <p1510:client id="{9196C6A7-9F21-446E-ACA7-E40CC5F2CEC9}" v="421" dt="2022-07-27T19:47:42.671"/>
+  </p1510:revLst>
+</p1510:revInfo>
+</file>
+
+<file path=ppt/changesInfos/changesInfo1.xml><?xml version="1.0" encoding="utf-8"?>
+<pc:chgInfo xmlns:a="http://schemas.openxmlformats.org/drawingml/2006/main" xmlns:r="http://schemas.openxmlformats.org/officeDocument/2006/relationships" xmlns:ac="http://schemas.microsoft.com/office/drawing/2013/main/command" xmlns:pc="http://schemas.microsoft.com/office/powerpoint/2013/main/command">
+  <pc:docChgLst>
+    <pc:chgData name="Marc Kolb" userId="66953f295099ff4a" providerId="LiveId" clId="{9196C6A7-9F21-446E-ACA7-E40CC5F2CEC9}"/>
+    <pc:docChg chg="undo custSel addSld modSld">
+      <pc:chgData name="Marc Kolb" userId="66953f295099ff4a" providerId="LiveId" clId="{9196C6A7-9F21-446E-ACA7-E40CC5F2CEC9}" dt="2022-07-27T19:49:43.926" v="1384" actId="403"/>
+      <pc:docMkLst>
+        <pc:docMk/>
+      </pc:docMkLst>
+      <pc:sldChg chg="addSp delSp modSp mod modAnim">
+        <pc:chgData name="Marc Kolb" userId="66953f295099ff4a" providerId="LiveId" clId="{9196C6A7-9F21-446E-ACA7-E40CC5F2CEC9}" dt="2022-07-27T17:47:05.538" v="12"/>
+        <pc:sldMkLst>
+          <pc:docMk/>
+          <pc:sldMk cId="1938374849" sldId="259"/>
+        </pc:sldMkLst>
+        <pc:spChg chg="mod">
+          <ac:chgData name="Marc Kolb" userId="66953f295099ff4a" providerId="LiveId" clId="{9196C6A7-9F21-446E-ACA7-E40CC5F2CEC9}" dt="2022-07-27T17:46:54.245" v="11" actId="20577"/>
+          <ac:spMkLst>
+            <pc:docMk/>
+            <pc:sldMk cId="1938374849" sldId="259"/>
+            <ac:spMk id="11" creationId="{5F18F179-D0B0-0DFF-EB12-879BCBBE4E38}"/>
+          </ac:spMkLst>
+        </pc:spChg>
+        <pc:grpChg chg="del">
+          <ac:chgData name="Marc Kolb" userId="66953f295099ff4a" providerId="LiveId" clId="{9196C6A7-9F21-446E-ACA7-E40CC5F2CEC9}" dt="2022-07-27T17:46:40.479" v="1" actId="478"/>
+          <ac:grpSpMkLst>
+            <pc:docMk/>
+            <pc:sldMk cId="1938374849" sldId="259"/>
+            <ac:grpSpMk id="4" creationId="{77608BE2-F652-1A71-31AF-A253A23404F3}"/>
+          </ac:grpSpMkLst>
+        </pc:grpChg>
+        <pc:grpChg chg="add mod">
+          <ac:chgData name="Marc Kolb" userId="66953f295099ff4a" providerId="LiveId" clId="{9196C6A7-9F21-446E-ACA7-E40CC5F2CEC9}" dt="2022-07-27T17:46:46.502" v="2"/>
+          <ac:grpSpMkLst>
+            <pc:docMk/>
+            <pc:sldMk cId="1938374849" sldId="259"/>
+            <ac:grpSpMk id="9" creationId="{7292A09B-C5A2-F018-E7BA-29DE22E26613}"/>
+          </ac:grpSpMkLst>
+        </pc:grpChg>
+        <pc:grpChg chg="mod">
+          <ac:chgData name="Marc Kolb" userId="66953f295099ff4a" providerId="LiveId" clId="{9196C6A7-9F21-446E-ACA7-E40CC5F2CEC9}" dt="2022-07-27T17:46:46.502" v="2"/>
+          <ac:grpSpMkLst>
+            <pc:docMk/>
+            <pc:sldMk cId="1938374849" sldId="259"/>
+            <ac:grpSpMk id="10" creationId="{15CCA9A9-8B5D-6B24-16B8-B8E9976AF0EC}"/>
+          </ac:grpSpMkLst>
+        </pc:grpChg>
+        <pc:picChg chg="mod">
+          <ac:chgData name="Marc Kolb" userId="66953f295099ff4a" providerId="LiveId" clId="{9196C6A7-9F21-446E-ACA7-E40CC5F2CEC9}" dt="2022-07-27T17:46:46.502" v="2"/>
+          <ac:picMkLst>
+            <pc:docMk/>
+            <pc:sldMk cId="1938374849" sldId="259"/>
+            <ac:picMk id="12" creationId="{A007B7E7-3165-3BF1-B253-878BEDE01D22}"/>
+          </ac:picMkLst>
+        </pc:picChg>
+        <pc:picChg chg="mod">
+          <ac:chgData name="Marc Kolb" userId="66953f295099ff4a" providerId="LiveId" clId="{9196C6A7-9F21-446E-ACA7-E40CC5F2CEC9}" dt="2022-07-27T17:46:46.502" v="2"/>
+          <ac:picMkLst>
+            <pc:docMk/>
+            <pc:sldMk cId="1938374849" sldId="259"/>
+            <ac:picMk id="13" creationId="{B36C2F4E-BD0F-D032-AE91-649C282E54A2}"/>
+          </ac:picMkLst>
+        </pc:picChg>
+      </pc:sldChg>
+      <pc:sldChg chg="addSp delSp modSp mod modAnim">
+        <pc:chgData name="Marc Kolb" userId="66953f295099ff4a" providerId="LiveId" clId="{9196C6A7-9F21-446E-ACA7-E40CC5F2CEC9}" dt="2022-07-27T18:19:01.389" v="267"/>
+        <pc:sldMkLst>
+          <pc:docMk/>
+          <pc:sldMk cId="629273672" sldId="260"/>
+        </pc:sldMkLst>
+        <pc:spChg chg="add mod">
+          <ac:chgData name="Marc Kolb" userId="66953f295099ff4a" providerId="LiveId" clId="{9196C6A7-9F21-446E-ACA7-E40CC5F2CEC9}" dt="2022-07-27T17:48:05.113" v="68" actId="20577"/>
+          <ac:spMkLst>
+            <pc:docMk/>
+            <pc:sldMk cId="629273672" sldId="260"/>
+            <ac:spMk id="2" creationId="{E058DC13-87D2-E648-7334-959C90FAC40D}"/>
+          </ac:spMkLst>
+        </pc:spChg>
+        <pc:spChg chg="add del mod">
+          <ac:chgData name="Marc Kolb" userId="66953f295099ff4a" providerId="LiveId" clId="{9196C6A7-9F21-446E-ACA7-E40CC5F2CEC9}" dt="2022-07-27T17:53:04.273" v="95" actId="478"/>
+          <ac:spMkLst>
+            <pc:docMk/>
+            <pc:sldMk cId="629273672" sldId="260"/>
+            <ac:spMk id="4" creationId="{938AFA34-95F6-CFBA-6C20-E365325B7B71}"/>
+          </ac:spMkLst>
+        </pc:spChg>
+        <pc:spChg chg="add mod">
+          <ac:chgData name="Marc Kolb" userId="66953f295099ff4a" providerId="LiveId" clId="{9196C6A7-9F21-446E-ACA7-E40CC5F2CEC9}" dt="2022-07-27T18:07:44.260" v="163" actId="207"/>
+          <ac:spMkLst>
+            <pc:docMk/>
+            <pc:sldMk cId="629273672" sldId="260"/>
+            <ac:spMk id="5" creationId="{7E499411-FC43-B850-1C74-298FF5C03E3E}"/>
+          </ac:spMkLst>
+        </pc:spChg>
+        <pc:spChg chg="mod">
+          <ac:chgData name="Marc Kolb" userId="66953f295099ff4a" providerId="LiveId" clId="{9196C6A7-9F21-446E-ACA7-E40CC5F2CEC9}" dt="2022-07-27T18:07:57.218" v="165" actId="1076"/>
+          <ac:spMkLst>
+            <pc:docMk/>
+            <pc:sldMk cId="629273672" sldId="260"/>
+            <ac:spMk id="11" creationId="{C8CB0050-33B7-D33E-B71F-8970F597A62F}"/>
+          </ac:spMkLst>
+        </pc:spChg>
+        <pc:spChg chg="mod">
+          <ac:chgData name="Marc Kolb" userId="66953f295099ff4a" providerId="LiveId" clId="{9196C6A7-9F21-446E-ACA7-E40CC5F2CEC9}" dt="2022-07-27T18:15:53.037" v="241" actId="1076"/>
+          <ac:spMkLst>
+            <pc:docMk/>
+            <pc:sldMk cId="629273672" sldId="260"/>
+            <ac:spMk id="14" creationId="{A3AA2A08-A6F1-6A2F-89D1-EDDC96304A59}"/>
+          </ac:spMkLst>
+        </pc:spChg>
+        <pc:spChg chg="mod">
+          <ac:chgData name="Marc Kolb" userId="66953f295099ff4a" providerId="LiveId" clId="{9196C6A7-9F21-446E-ACA7-E40CC5F2CEC9}" dt="2022-07-27T18:15:02.976" v="232" actId="1076"/>
+          <ac:spMkLst>
+            <pc:docMk/>
+            <pc:sldMk cId="629273672" sldId="260"/>
+            <ac:spMk id="17" creationId="{7445DBE9-EC3D-CCE5-7F35-E06CC6EA704E}"/>
+          </ac:spMkLst>
+        </pc:spChg>
+        <pc:spChg chg="mod">
+          <ac:chgData name="Marc Kolb" userId="66953f295099ff4a" providerId="LiveId" clId="{9196C6A7-9F21-446E-ACA7-E40CC5F2CEC9}" dt="2022-07-27T18:16:02.306" v="245" actId="1076"/>
+          <ac:spMkLst>
+            <pc:docMk/>
+            <pc:sldMk cId="629273672" sldId="260"/>
+            <ac:spMk id="20" creationId="{70CA2B05-C94F-78D3-CF3D-64D47CBD3F39}"/>
+          </ac:spMkLst>
+        </pc:spChg>
+        <pc:spChg chg="mod">
+          <ac:chgData name="Marc Kolb" userId="66953f295099ff4a" providerId="LiveId" clId="{9196C6A7-9F21-446E-ACA7-E40CC5F2CEC9}" dt="2022-07-27T18:14:50.820" v="231" actId="1076"/>
+          <ac:spMkLst>
+            <pc:docMk/>
+            <pc:sldMk cId="629273672" sldId="260"/>
+            <ac:spMk id="23" creationId="{B59E45EC-0ED3-4D87-9709-9BE0EDFAE3E1}"/>
+          </ac:spMkLst>
+        </pc:spChg>
+        <pc:grpChg chg="add mod">
+          <ac:chgData name="Marc Kolb" userId="66953f295099ff4a" providerId="LiveId" clId="{9196C6A7-9F21-446E-ACA7-E40CC5F2CEC9}" dt="2022-07-27T18:06:48.832" v="132" actId="1076"/>
+          <ac:grpSpMkLst>
+            <pc:docMk/>
+            <pc:sldMk cId="629273672" sldId="260"/>
+            <ac:grpSpMk id="6" creationId="{FC3B7AC9-8BB9-7B28-68AD-012271A755A5}"/>
+          </ac:grpSpMkLst>
+        </pc:grpChg>
+        <pc:grpChg chg="add mod">
+          <ac:chgData name="Marc Kolb" userId="66953f295099ff4a" providerId="LiveId" clId="{9196C6A7-9F21-446E-ACA7-E40CC5F2CEC9}" dt="2022-07-27T18:06:57.017" v="134" actId="1076"/>
+          <ac:grpSpMkLst>
+            <pc:docMk/>
+            <pc:sldMk cId="629273672" sldId="260"/>
+            <ac:grpSpMk id="9" creationId="{5F7CD0FF-4A0A-61E1-8D3E-104925D007F5}"/>
+          </ac:grpSpMkLst>
+        </pc:grpChg>
+        <pc:grpChg chg="add mod">
+          <ac:chgData name="Marc Kolb" userId="66953f295099ff4a" providerId="LiveId" clId="{9196C6A7-9F21-446E-ACA7-E40CC5F2CEC9}" dt="2022-07-27T18:15:53.037" v="241" actId="1076"/>
+          <ac:grpSpMkLst>
+            <pc:docMk/>
+            <pc:sldMk cId="629273672" sldId="260"/>
+            <ac:grpSpMk id="12" creationId="{E6E9CD18-79BC-6B14-CFB6-91D729E7647A}"/>
+          </ac:grpSpMkLst>
+        </pc:grpChg>
+        <pc:grpChg chg="add mod">
+          <ac:chgData name="Marc Kolb" userId="66953f295099ff4a" providerId="LiveId" clId="{9196C6A7-9F21-446E-ACA7-E40CC5F2CEC9}" dt="2022-07-27T18:15:02.976" v="232" actId="1076"/>
+          <ac:grpSpMkLst>
+            <pc:docMk/>
+            <pc:sldMk cId="629273672" sldId="260"/>
+            <ac:grpSpMk id="15" creationId="{8A3CFCC3-7F47-97CD-DF69-4610C3BF68EC}"/>
+          </ac:grpSpMkLst>
+        </pc:grpChg>
+        <pc:grpChg chg="add mod">
+          <ac:chgData name="Marc Kolb" userId="66953f295099ff4a" providerId="LiveId" clId="{9196C6A7-9F21-446E-ACA7-E40CC5F2CEC9}" dt="2022-07-27T18:16:02.306" v="245" actId="1076"/>
+          <ac:grpSpMkLst>
+            <pc:docMk/>
+            <pc:sldMk cId="629273672" sldId="260"/>
+            <ac:grpSpMk id="18" creationId="{2667FC00-9974-0163-32CF-E05727E97827}"/>
+          </ac:grpSpMkLst>
+        </pc:grpChg>
+        <pc:grpChg chg="add mod">
+          <ac:chgData name="Marc Kolb" userId="66953f295099ff4a" providerId="LiveId" clId="{9196C6A7-9F21-446E-ACA7-E40CC5F2CEC9}" dt="2022-07-27T18:14:50.820" v="231" actId="1076"/>
+          <ac:grpSpMkLst>
+            <pc:docMk/>
+            <pc:sldMk cId="629273672" sldId="260"/>
+            <ac:grpSpMk id="21" creationId="{68C13B90-E3B7-E5A6-2A58-101EEE978F1D}"/>
+          </ac:grpSpMkLst>
+        </pc:grpChg>
+        <pc:picChg chg="add mod">
+          <ac:chgData name="Marc Kolb" userId="66953f295099ff4a" providerId="LiveId" clId="{9196C6A7-9F21-446E-ACA7-E40CC5F2CEC9}" dt="2022-07-27T17:46:34.441" v="0"/>
+          <ac:picMkLst>
+            <pc:docMk/>
+            <pc:sldMk cId="629273672" sldId="260"/>
+            <ac:picMk id="3" creationId="{96AD1514-2334-AB73-279C-5AA2FD568F7C}"/>
+          </ac:picMkLst>
+        </pc:picChg>
+        <pc:picChg chg="mod">
+          <ac:chgData name="Marc Kolb" userId="66953f295099ff4a" providerId="LiveId" clId="{9196C6A7-9F21-446E-ACA7-E40CC5F2CEC9}" dt="2022-07-27T18:06:57.017" v="134" actId="1076"/>
+          <ac:picMkLst>
+            <pc:docMk/>
+            <pc:sldMk cId="629273672" sldId="260"/>
+            <ac:picMk id="10" creationId="{40C8B173-ED7E-9FD2-78C5-6649A501522B}"/>
+          </ac:picMkLst>
+        </pc:picChg>
+        <pc:picChg chg="mod">
+          <ac:chgData name="Marc Kolb" userId="66953f295099ff4a" providerId="LiveId" clId="{9196C6A7-9F21-446E-ACA7-E40CC5F2CEC9}" dt="2022-07-27T18:15:53.037" v="241" actId="1076"/>
+          <ac:picMkLst>
+            <pc:docMk/>
+            <pc:sldMk cId="629273672" sldId="260"/>
+            <ac:picMk id="13" creationId="{8334769D-D91C-94CE-7305-24943794840B}"/>
+          </ac:picMkLst>
+        </pc:picChg>
+        <pc:picChg chg="mod">
+          <ac:chgData name="Marc Kolb" userId="66953f295099ff4a" providerId="LiveId" clId="{9196C6A7-9F21-446E-ACA7-E40CC5F2CEC9}" dt="2022-07-27T18:15:02.976" v="232" actId="1076"/>
+          <ac:picMkLst>
+            <pc:docMk/>
+            <pc:sldMk cId="629273672" sldId="260"/>
+            <ac:picMk id="16" creationId="{D791B09A-3B0C-71EB-F882-258875BDB028}"/>
+          </ac:picMkLst>
+        </pc:picChg>
+        <pc:picChg chg="mod">
+          <ac:chgData name="Marc Kolb" userId="66953f295099ff4a" providerId="LiveId" clId="{9196C6A7-9F21-446E-ACA7-E40CC5F2CEC9}" dt="2022-07-27T18:16:02.306" v="245" actId="1076"/>
+          <ac:picMkLst>
+            <pc:docMk/>
+            <pc:sldMk cId="629273672" sldId="260"/>
+            <ac:picMk id="19" creationId="{9EDBD147-798D-2731-7E3F-181D98DA8F98}"/>
+          </ac:picMkLst>
+        </pc:picChg>
+        <pc:picChg chg="mod">
+          <ac:chgData name="Marc Kolb" userId="66953f295099ff4a" providerId="LiveId" clId="{9196C6A7-9F21-446E-ACA7-E40CC5F2CEC9}" dt="2022-07-27T18:14:50.820" v="231" actId="1076"/>
+          <ac:picMkLst>
+            <pc:docMk/>
+            <pc:sldMk cId="629273672" sldId="260"/>
+            <ac:picMk id="22" creationId="{110EF271-1C8F-701F-3545-8B90CE3DD02D}"/>
+          </ac:picMkLst>
+        </pc:picChg>
+        <pc:picChg chg="add del mod">
+          <ac:chgData name="Marc Kolb" userId="66953f295099ff4a" providerId="LiveId" clId="{9196C6A7-9F21-446E-ACA7-E40CC5F2CEC9}" dt="2022-07-27T17:53:06.285" v="96" actId="478"/>
+          <ac:picMkLst>
+            <pc:docMk/>
+            <pc:sldMk cId="629273672" sldId="260"/>
+            <ac:picMk id="1026" creationId="{D33C7716-272D-1D3D-21FB-A12B1988E96E}"/>
+          </ac:picMkLst>
+        </pc:picChg>
+        <pc:picChg chg="add mod">
+          <ac:chgData name="Marc Kolb" userId="66953f295099ff4a" providerId="LiveId" clId="{9196C6A7-9F21-446E-ACA7-E40CC5F2CEC9}" dt="2022-07-27T18:06:48.832" v="132" actId="1076"/>
+          <ac:picMkLst>
+            <pc:docMk/>
+            <pc:sldMk cId="629273672" sldId="260"/>
+            <ac:picMk id="1028" creationId="{CA46DEE8-14B2-5F4A-8236-47AE221D6BB6}"/>
+          </ac:picMkLst>
+        </pc:picChg>
+        <pc:cxnChg chg="add del mod">
+          <ac:chgData name="Marc Kolb" userId="66953f295099ff4a" providerId="LiveId" clId="{9196C6A7-9F21-446E-ACA7-E40CC5F2CEC9}" dt="2022-07-27T18:15:53.924" v="244" actId="11529"/>
+          <ac:cxnSpMkLst>
+            <pc:docMk/>
+            <pc:sldMk cId="629273672" sldId="260"/>
+            <ac:cxnSpMk id="8" creationId="{8C7AD8CB-4B30-6A99-7FC3-8DC6032CFC91}"/>
+          </ac:cxnSpMkLst>
+        </pc:cxnChg>
+        <pc:cxnChg chg="add mod">
+          <ac:chgData name="Marc Kolb" userId="66953f295099ff4a" providerId="LiveId" clId="{9196C6A7-9F21-446E-ACA7-E40CC5F2CEC9}" dt="2022-07-27T18:16:27.872" v="248" actId="1582"/>
+          <ac:cxnSpMkLst>
+            <pc:docMk/>
+            <pc:sldMk cId="629273672" sldId="260"/>
+            <ac:cxnSpMk id="28" creationId="{68D1142C-50BD-04E1-C77B-B6224131D0F5}"/>
+          </ac:cxnSpMkLst>
+        </pc:cxnChg>
+        <pc:cxnChg chg="add mod">
+          <ac:chgData name="Marc Kolb" userId="66953f295099ff4a" providerId="LiveId" clId="{9196C6A7-9F21-446E-ACA7-E40CC5F2CEC9}" dt="2022-07-27T18:17:40.796" v="256" actId="14100"/>
+          <ac:cxnSpMkLst>
+            <pc:docMk/>
+            <pc:sldMk cId="629273672" sldId="260"/>
+            <ac:cxnSpMk id="30" creationId="{4EC92404-44BC-D47F-A918-C940FADF111A}"/>
+          </ac:cxnSpMkLst>
+        </pc:cxnChg>
+        <pc:cxnChg chg="add mod">
+          <ac:chgData name="Marc Kolb" userId="66953f295099ff4a" providerId="LiveId" clId="{9196C6A7-9F21-446E-ACA7-E40CC5F2CEC9}" dt="2022-07-27T18:17:30.814" v="255" actId="14100"/>
+          <ac:cxnSpMkLst>
+            <pc:docMk/>
+            <pc:sldMk cId="629273672" sldId="260"/>
+            <ac:cxnSpMk id="33" creationId="{45C21586-5799-E36B-FEA2-C3D46A6D6CF7}"/>
+          </ac:cxnSpMkLst>
+        </pc:cxnChg>
+        <pc:cxnChg chg="add mod">
+          <ac:chgData name="Marc Kolb" userId="66953f295099ff4a" providerId="LiveId" clId="{9196C6A7-9F21-446E-ACA7-E40CC5F2CEC9}" dt="2022-07-27T18:18:01.983" v="260" actId="14100"/>
+          <ac:cxnSpMkLst>
+            <pc:docMk/>
+            <pc:sldMk cId="629273672" sldId="260"/>
+            <ac:cxnSpMk id="38" creationId="{F1AA5850-594A-9A57-C970-123F8CB92880}"/>
+          </ac:cxnSpMkLst>
+        </pc:cxnChg>
+        <pc:cxnChg chg="add mod">
+          <ac:chgData name="Marc Kolb" userId="66953f295099ff4a" providerId="LiveId" clId="{9196C6A7-9F21-446E-ACA7-E40CC5F2CEC9}" dt="2022-07-27T18:18:18.770" v="263" actId="14100"/>
+          <ac:cxnSpMkLst>
+            <pc:docMk/>
+            <pc:sldMk cId="629273672" sldId="260"/>
+            <ac:cxnSpMk id="41" creationId="{2766A180-1871-1951-54CF-5E6128DF7BE8}"/>
+          </ac:cxnSpMkLst>
+        </pc:cxnChg>
+      </pc:sldChg>
+      <pc:sldChg chg="addSp delSp modSp new mod modAnim">
+        <pc:chgData name="Marc Kolb" userId="66953f295099ff4a" providerId="LiveId" clId="{9196C6A7-9F21-446E-ACA7-E40CC5F2CEC9}" dt="2022-07-27T19:10:22.937" v="1116"/>
+        <pc:sldMkLst>
+          <pc:docMk/>
+          <pc:sldMk cId="1139486170" sldId="261"/>
+        </pc:sldMkLst>
+        <pc:spChg chg="add mod">
+          <ac:chgData name="Marc Kolb" userId="66953f295099ff4a" providerId="LiveId" clId="{9196C6A7-9F21-446E-ACA7-E40CC5F2CEC9}" dt="2022-07-27T18:29:21.623" v="350" actId="20577"/>
+          <ac:spMkLst>
+            <pc:docMk/>
+            <pc:sldMk cId="1139486170" sldId="261"/>
+            <ac:spMk id="2" creationId="{AEFE53F4-032D-4A7E-7F95-17EDC848C711}"/>
+          </ac:spMkLst>
+        </pc:spChg>
+        <pc:spChg chg="add mod">
+          <ac:chgData name="Marc Kolb" userId="66953f295099ff4a" providerId="LiveId" clId="{9196C6A7-9F21-446E-ACA7-E40CC5F2CEC9}" dt="2022-07-27T18:26:57.316" v="335" actId="14100"/>
+          <ac:spMkLst>
+            <pc:docMk/>
+            <pc:sldMk cId="1139486170" sldId="261"/>
+            <ac:spMk id="4" creationId="{29002CFD-9518-C66E-EB53-A91271B19EC9}"/>
+          </ac:spMkLst>
+        </pc:spChg>
+        <pc:spChg chg="add mod">
+          <ac:chgData name="Marc Kolb" userId="66953f295099ff4a" providerId="LiveId" clId="{9196C6A7-9F21-446E-ACA7-E40CC5F2CEC9}" dt="2022-07-27T18:37:21.877" v="376" actId="1076"/>
+          <ac:spMkLst>
+            <pc:docMk/>
+            <pc:sldMk cId="1139486170" sldId="261"/>
+            <ac:spMk id="5" creationId="{DAF198C0-D22C-220A-08D0-F6CA784F3F10}"/>
+          </ac:spMkLst>
+        </pc:spChg>
+        <pc:spChg chg="add mod">
+          <ac:chgData name="Marc Kolb" userId="66953f295099ff4a" providerId="LiveId" clId="{9196C6A7-9F21-446E-ACA7-E40CC5F2CEC9}" dt="2022-07-27T18:33:07.548" v="355" actId="1582"/>
+          <ac:spMkLst>
+            <pc:docMk/>
+            <pc:sldMk cId="1139486170" sldId="261"/>
+            <ac:spMk id="7" creationId="{1675B731-5855-E275-4D84-BFF86D4AA120}"/>
+          </ac:spMkLst>
+        </pc:spChg>
+        <pc:spChg chg="add mod">
+          <ac:chgData name="Marc Kolb" userId="66953f295099ff4a" providerId="LiveId" clId="{9196C6A7-9F21-446E-ACA7-E40CC5F2CEC9}" dt="2022-07-27T18:46:19.657" v="744" actId="403"/>
+          <ac:spMkLst>
+            <pc:docMk/>
+            <pc:sldMk cId="1139486170" sldId="261"/>
+            <ac:spMk id="8" creationId="{38610794-D07B-6E2E-5EA9-C6E58B711455}"/>
+          </ac:spMkLst>
+        </pc:spChg>
+        <pc:spChg chg="add mod">
+          <ac:chgData name="Marc Kolb" userId="66953f295099ff4a" providerId="LiveId" clId="{9196C6A7-9F21-446E-ACA7-E40CC5F2CEC9}" dt="2022-07-27T18:35:22.243" v="359" actId="1076"/>
+          <ac:spMkLst>
+            <pc:docMk/>
+            <pc:sldMk cId="1139486170" sldId="261"/>
+            <ac:spMk id="9" creationId="{75A124E4-E27B-5F2A-DD4C-502AD2E30722}"/>
+          </ac:spMkLst>
+        </pc:spChg>
+        <pc:spChg chg="add mod">
+          <ac:chgData name="Marc Kolb" userId="66953f295099ff4a" providerId="LiveId" clId="{9196C6A7-9F21-446E-ACA7-E40CC5F2CEC9}" dt="2022-07-27T18:35:33.309" v="361" actId="1076"/>
+          <ac:spMkLst>
+            <pc:docMk/>
+            <pc:sldMk cId="1139486170" sldId="261"/>
+            <ac:spMk id="10" creationId="{4E61882D-3827-8ADB-54B3-867EBA2F010C}"/>
+          </ac:spMkLst>
+        </pc:spChg>
+        <pc:spChg chg="add mod">
+          <ac:chgData name="Marc Kolb" userId="66953f295099ff4a" providerId="LiveId" clId="{9196C6A7-9F21-446E-ACA7-E40CC5F2CEC9}" dt="2022-07-27T18:35:45.609" v="363" actId="1076"/>
+          <ac:spMkLst>
+            <pc:docMk/>
+            <pc:sldMk cId="1139486170" sldId="261"/>
+            <ac:spMk id="11" creationId="{F1B40100-74F3-29CF-51CD-A6BF2002345C}"/>
+          </ac:spMkLst>
+        </pc:spChg>
+        <pc:spChg chg="add mod">
+          <ac:chgData name="Marc Kolb" userId="66953f295099ff4a" providerId="LiveId" clId="{9196C6A7-9F21-446E-ACA7-E40CC5F2CEC9}" dt="2022-07-27T18:36:10.438" v="365" actId="1076"/>
+          <ac:spMkLst>
+            <pc:docMk/>
+            <pc:sldMk cId="1139486170" sldId="261"/>
+            <ac:spMk id="12" creationId="{2C2178BE-4BA7-722E-A96A-BE973FE37264}"/>
+          </ac:spMkLst>
+        </pc:spChg>
+        <pc:spChg chg="add mod">
+          <ac:chgData name="Marc Kolb" userId="66953f295099ff4a" providerId="LiveId" clId="{9196C6A7-9F21-446E-ACA7-E40CC5F2CEC9}" dt="2022-07-27T18:37:09.930" v="374" actId="1076"/>
+          <ac:spMkLst>
+            <pc:docMk/>
+            <pc:sldMk cId="1139486170" sldId="261"/>
+            <ac:spMk id="13" creationId="{36F20E96-A474-FD41-8F7C-812175DBAB1B}"/>
+          </ac:spMkLst>
+        </pc:spChg>
+        <pc:spChg chg="add mod">
+          <ac:chgData name="Marc Kolb" userId="66953f295099ff4a" providerId="LiveId" clId="{9196C6A7-9F21-446E-ACA7-E40CC5F2CEC9}" dt="2022-07-27T18:37:28.059" v="378" actId="1076"/>
+          <ac:spMkLst>
+            <pc:docMk/>
+            <pc:sldMk cId="1139486170" sldId="261"/>
+            <ac:spMk id="14" creationId="{4645DE21-9A8F-9540-609E-52555AE20312}"/>
+          </ac:spMkLst>
+        </pc:spChg>
+        <pc:spChg chg="add mod">
+          <ac:chgData name="Marc Kolb" userId="66953f295099ff4a" providerId="LiveId" clId="{9196C6A7-9F21-446E-ACA7-E40CC5F2CEC9}" dt="2022-07-27T18:37:32.653" v="380" actId="1076"/>
+          <ac:spMkLst>
+            <pc:docMk/>
+            <pc:sldMk cId="1139486170" sldId="261"/>
+            <ac:spMk id="15" creationId="{41FC3E92-A400-1D2D-BF17-73CA1DEF7B60}"/>
+          </ac:spMkLst>
+        </pc:spChg>
+        <pc:spChg chg="add mod">
+          <ac:chgData name="Marc Kolb" userId="66953f295099ff4a" providerId="LiveId" clId="{9196C6A7-9F21-446E-ACA7-E40CC5F2CEC9}" dt="2022-07-27T18:37:48.061" v="382" actId="1076"/>
+          <ac:spMkLst>
+            <pc:docMk/>
+            <pc:sldMk cId="1139486170" sldId="261"/>
+            <ac:spMk id="16" creationId="{58F64274-71E0-E71E-0B7A-134F3043D904}"/>
+          </ac:spMkLst>
+        </pc:spChg>
+        <pc:picChg chg="add del mod">
+          <ac:chgData name="Marc Kolb" userId="66953f295099ff4a" providerId="LiveId" clId="{9196C6A7-9F21-446E-ACA7-E40CC5F2CEC9}" dt="2022-07-27T18:21:15.907" v="318" actId="478"/>
+          <ac:picMkLst>
+            <pc:docMk/>
+            <pc:sldMk cId="1139486170" sldId="261"/>
+            <ac:picMk id="3" creationId="{54DC7D1B-4221-EBA3-B4F7-F5465B63B8A7}"/>
+          </ac:picMkLst>
+        </pc:picChg>
+        <pc:picChg chg="add del mod">
+          <ac:chgData name="Marc Kolb" userId="66953f295099ff4a" providerId="LiveId" clId="{9196C6A7-9F21-446E-ACA7-E40CC5F2CEC9}" dt="2022-07-27T18:28:45.748" v="339" actId="478"/>
+          <ac:picMkLst>
+            <pc:docMk/>
+            <pc:sldMk cId="1139486170" sldId="261"/>
+            <ac:picMk id="6" creationId="{375B4A9C-F096-D140-18AA-6409ED0F5154}"/>
+          </ac:picMkLst>
+        </pc:picChg>
+        <pc:picChg chg="add mod">
+          <ac:chgData name="Marc Kolb" userId="66953f295099ff4a" providerId="LiveId" clId="{9196C6A7-9F21-446E-ACA7-E40CC5F2CEC9}" dt="2022-07-27T19:09:27.537" v="1112" actId="167"/>
+          <ac:picMkLst>
+            <pc:docMk/>
+            <pc:sldMk cId="1139486170" sldId="261"/>
+            <ac:picMk id="18" creationId="{7317403C-D3B6-37F2-275B-5BF9E603FADA}"/>
+          </ac:picMkLst>
+        </pc:picChg>
+        <pc:picChg chg="add mod">
+          <ac:chgData name="Marc Kolb" userId="66953f295099ff4a" providerId="LiveId" clId="{9196C6A7-9F21-446E-ACA7-E40CC5F2CEC9}" dt="2022-07-27T18:27:01.672" v="336" actId="1076"/>
+          <ac:picMkLst>
+            <pc:docMk/>
+            <pc:sldMk cId="1139486170" sldId="261"/>
+            <ac:picMk id="2050" creationId="{CD6F379B-BF68-B401-2212-9F3AE6909316}"/>
+          </ac:picMkLst>
+        </pc:picChg>
+      </pc:sldChg>
+      <pc:sldChg chg="addSp delSp modSp new mod modAnim">
+        <pc:chgData name="Marc Kolb" userId="66953f295099ff4a" providerId="LiveId" clId="{9196C6A7-9F21-446E-ACA7-E40CC5F2CEC9}" dt="2022-07-27T19:10:54.041" v="1119"/>
+        <pc:sldMkLst>
+          <pc:docMk/>
+          <pc:sldMk cId="1230743525" sldId="262"/>
+        </pc:sldMkLst>
+        <pc:spChg chg="add mod">
+          <ac:chgData name="Marc Kolb" userId="66953f295099ff4a" providerId="LiveId" clId="{9196C6A7-9F21-446E-ACA7-E40CC5F2CEC9}" dt="2022-07-27T18:52:40.622" v="821" actId="20577"/>
+          <ac:spMkLst>
+            <pc:docMk/>
+            <pc:sldMk cId="1230743525" sldId="262"/>
+            <ac:spMk id="2" creationId="{BD00DF6A-BC80-D98D-4C5D-1E89FFCCB2C1}"/>
+          </ac:spMkLst>
+        </pc:spChg>
+        <pc:spChg chg="add del">
+          <ac:chgData name="Marc Kolb" userId="66953f295099ff4a" providerId="LiveId" clId="{9196C6A7-9F21-446E-ACA7-E40CC5F2CEC9}" dt="2022-07-27T18:54:06.909" v="823" actId="478"/>
+          <ac:spMkLst>
+            <pc:docMk/>
+            <pc:sldMk cId="1230743525" sldId="262"/>
+            <ac:spMk id="3" creationId="{5ABF2F1F-1E56-83C9-8A39-CB8B677AA478}"/>
+          </ac:spMkLst>
+        </pc:spChg>
+        <pc:spChg chg="add mod">
+          <ac:chgData name="Marc Kolb" userId="66953f295099ff4a" providerId="LiveId" clId="{9196C6A7-9F21-446E-ACA7-E40CC5F2CEC9}" dt="2022-07-27T18:54:52.002" v="864" actId="404"/>
+          <ac:spMkLst>
+            <pc:docMk/>
+            <pc:sldMk cId="1230743525" sldId="262"/>
+            <ac:spMk id="4" creationId="{D3720944-BF5C-88F7-3F75-79F68A97FA75}"/>
+          </ac:spMkLst>
+        </pc:spChg>
+        <pc:spChg chg="add mod ord">
+          <ac:chgData name="Marc Kolb" userId="66953f295099ff4a" providerId="LiveId" clId="{9196C6A7-9F21-446E-ACA7-E40CC5F2CEC9}" dt="2022-07-27T18:59:04.214" v="930" actId="171"/>
+          <ac:spMkLst>
+            <pc:docMk/>
+            <pc:sldMk cId="1230743525" sldId="262"/>
+            <ac:spMk id="5" creationId="{06F461AB-EBB1-362F-C332-084FB95674D0}"/>
+          </ac:spMkLst>
+        </pc:spChg>
+        <pc:spChg chg="add mod ord">
+          <ac:chgData name="Marc Kolb" userId="66953f295099ff4a" providerId="LiveId" clId="{9196C6A7-9F21-446E-ACA7-E40CC5F2CEC9}" dt="2022-07-27T18:59:04.214" v="930" actId="171"/>
+          <ac:spMkLst>
+            <pc:docMk/>
+            <pc:sldMk cId="1230743525" sldId="262"/>
+            <ac:spMk id="6" creationId="{4688EE9A-DA5B-EDF2-7DB6-73C7C0DF141E}"/>
+          </ac:spMkLst>
+        </pc:spChg>
+        <pc:spChg chg="add mod ord">
+          <ac:chgData name="Marc Kolb" userId="66953f295099ff4a" providerId="LiveId" clId="{9196C6A7-9F21-446E-ACA7-E40CC5F2CEC9}" dt="2022-07-27T19:03:00.650" v="963" actId="167"/>
+          <ac:spMkLst>
+            <pc:docMk/>
+            <pc:sldMk cId="1230743525" sldId="262"/>
+            <ac:spMk id="7" creationId="{DDE172C2-EEF5-D2E7-4AF0-ADE3E0A2512D}"/>
+          </ac:spMkLst>
+        </pc:spChg>
+        <pc:spChg chg="add mod">
+          <ac:chgData name="Marc Kolb" userId="66953f295099ff4a" providerId="LiveId" clId="{9196C6A7-9F21-446E-ACA7-E40CC5F2CEC9}" dt="2022-07-27T19:07:56.621" v="1106" actId="1076"/>
+          <ac:spMkLst>
+            <pc:docMk/>
+            <pc:sldMk cId="1230743525" sldId="262"/>
+            <ac:spMk id="8" creationId="{E1BC2672-0D30-7BA6-30B8-BD3FB7AADEE0}"/>
+          </ac:spMkLst>
+        </pc:spChg>
+        <pc:spChg chg="add mod">
+          <ac:chgData name="Marc Kolb" userId="66953f295099ff4a" providerId="LiveId" clId="{9196C6A7-9F21-446E-ACA7-E40CC5F2CEC9}" dt="2022-07-27T19:08:05.306" v="1107" actId="1076"/>
+          <ac:spMkLst>
+            <pc:docMk/>
+            <pc:sldMk cId="1230743525" sldId="262"/>
+            <ac:spMk id="9" creationId="{99AA3022-9AD5-6123-EBC2-E87777B24BEB}"/>
+          </ac:spMkLst>
+        </pc:spChg>
+        <pc:picChg chg="add mod">
+          <ac:chgData name="Marc Kolb" userId="66953f295099ff4a" providerId="LiveId" clId="{9196C6A7-9F21-446E-ACA7-E40CC5F2CEC9}" dt="2022-07-27T19:08:41.912" v="1110" actId="167"/>
+          <ac:picMkLst>
+            <pc:docMk/>
+            <pc:sldMk cId="1230743525" sldId="262"/>
+            <ac:picMk id="10" creationId="{27272637-17F7-A173-C7C0-7F2187597C0F}"/>
+          </ac:picMkLst>
+        </pc:picChg>
+      </pc:sldChg>
+      <pc:sldChg chg="addSp delSp modSp new mod modAnim">
+        <pc:chgData name="Marc Kolb" userId="66953f295099ff4a" providerId="LiveId" clId="{9196C6A7-9F21-446E-ACA7-E40CC5F2CEC9}" dt="2022-07-27T19:45:37.564" v="1370"/>
+        <pc:sldMkLst>
+          <pc:docMk/>
+          <pc:sldMk cId="4098058632" sldId="263"/>
+        </pc:sldMkLst>
+        <pc:spChg chg="add mod">
+          <ac:chgData name="Marc Kolb" userId="66953f295099ff4a" providerId="LiveId" clId="{9196C6A7-9F21-446E-ACA7-E40CC5F2CEC9}" dt="2022-07-27T19:15:34.353" v="1167" actId="20577"/>
+          <ac:spMkLst>
+            <pc:docMk/>
+            <pc:sldMk cId="4098058632" sldId="263"/>
+            <ac:spMk id="3" creationId="{0D1693E5-9274-BBF4-36C5-3C19FDFD53C5}"/>
+          </ac:spMkLst>
+        </pc:spChg>
+        <pc:spChg chg="add mod ord">
+          <ac:chgData name="Marc Kolb" userId="66953f295099ff4a" providerId="LiveId" clId="{9196C6A7-9F21-446E-ACA7-E40CC5F2CEC9}" dt="2022-07-27T19:18:53.781" v="1197" actId="171"/>
+          <ac:spMkLst>
+            <pc:docMk/>
+            <pc:sldMk cId="4098058632" sldId="263"/>
+            <ac:spMk id="6" creationId="{6A574726-FB05-9FBC-C387-BC9629E7EED1}"/>
+          </ac:spMkLst>
+        </pc:spChg>
+        <pc:spChg chg="add mod">
+          <ac:chgData name="Marc Kolb" userId="66953f295099ff4a" providerId="LiveId" clId="{9196C6A7-9F21-446E-ACA7-E40CC5F2CEC9}" dt="2022-07-27T19:25:42.803" v="1301" actId="1076"/>
+          <ac:spMkLst>
+            <pc:docMk/>
+            <pc:sldMk cId="4098058632" sldId="263"/>
+            <ac:spMk id="7" creationId="{28CBAABB-CC76-48B5-E1B2-86EE8AA4C999}"/>
+          </ac:spMkLst>
+        </pc:spChg>
+        <pc:spChg chg="mod">
+          <ac:chgData name="Marc Kolb" userId="66953f295099ff4a" providerId="LiveId" clId="{9196C6A7-9F21-446E-ACA7-E40CC5F2CEC9}" dt="2022-07-27T19:19:13.039" v="1199" actId="14100"/>
+          <ac:spMkLst>
+            <pc:docMk/>
+            <pc:sldMk cId="4098058632" sldId="263"/>
+            <ac:spMk id="10" creationId="{8A7B046A-8FAC-9900-1680-5CDEF7B811F0}"/>
+          </ac:spMkLst>
+        </pc:spChg>
+        <pc:spChg chg="add mod">
+          <ac:chgData name="Marc Kolb" userId="66953f295099ff4a" providerId="LiveId" clId="{9196C6A7-9F21-446E-ACA7-E40CC5F2CEC9}" dt="2022-07-27T19:43:08.642" v="1366" actId="404"/>
+          <ac:spMkLst>
+            <pc:docMk/>
+            <pc:sldMk cId="4098058632" sldId="263"/>
+            <ac:spMk id="19" creationId="{DEA3F4B3-EB1A-5D5E-CC9A-A306A4BAC387}"/>
+          </ac:spMkLst>
+        </pc:spChg>
+        <pc:grpChg chg="add mod">
+          <ac:chgData name="Marc Kolb" userId="66953f295099ff4a" providerId="LiveId" clId="{9196C6A7-9F21-446E-ACA7-E40CC5F2CEC9}" dt="2022-07-27T19:19:13.039" v="1199" actId="14100"/>
+          <ac:grpSpMkLst>
+            <pc:docMk/>
+            <pc:sldMk cId="4098058632" sldId="263"/>
+            <ac:grpSpMk id="8" creationId="{B502F668-77D2-323B-ABF3-792610BBFF67}"/>
+          </ac:grpSpMkLst>
+        </pc:grpChg>
+        <pc:grpChg chg="mod">
+          <ac:chgData name="Marc Kolb" userId="66953f295099ff4a" providerId="LiveId" clId="{9196C6A7-9F21-446E-ACA7-E40CC5F2CEC9}" dt="2022-07-27T19:19:13.039" v="1199" actId="14100"/>
+          <ac:grpSpMkLst>
+            <pc:docMk/>
+            <pc:sldMk cId="4098058632" sldId="263"/>
+            <ac:grpSpMk id="9" creationId="{86C6ED8F-9D49-5735-9A54-F9C087FC6BC4}"/>
+          </ac:grpSpMkLst>
+        </pc:grpChg>
+        <pc:picChg chg="add mod">
+          <ac:chgData name="Marc Kolb" userId="66953f295099ff4a" providerId="LiveId" clId="{9196C6A7-9F21-446E-ACA7-E40CC5F2CEC9}" dt="2022-07-27T19:16:18.386" v="1170" actId="14100"/>
+          <ac:picMkLst>
+            <pc:docMk/>
+            <pc:sldMk cId="4098058632" sldId="263"/>
+            <ac:picMk id="2" creationId="{B2A97296-8D2A-2871-DAEE-4333A79D9CC0}"/>
+          </ac:picMkLst>
+        </pc:picChg>
+        <pc:picChg chg="add mod">
+          <ac:chgData name="Marc Kolb" userId="66953f295099ff4a" providerId="LiveId" clId="{9196C6A7-9F21-446E-ACA7-E40CC5F2CEC9}" dt="2022-07-27T19:14:49.174" v="1124" actId="1076"/>
+          <ac:picMkLst>
+            <pc:docMk/>
+            <pc:sldMk cId="4098058632" sldId="263"/>
+            <ac:picMk id="5" creationId="{83F2542F-4D5D-1928-B25A-28E30D164808}"/>
+          </ac:picMkLst>
+        </pc:picChg>
+        <pc:picChg chg="mod">
+          <ac:chgData name="Marc Kolb" userId="66953f295099ff4a" providerId="LiveId" clId="{9196C6A7-9F21-446E-ACA7-E40CC5F2CEC9}" dt="2022-07-27T19:19:13.039" v="1199" actId="14100"/>
+          <ac:picMkLst>
+            <pc:docMk/>
+            <pc:sldMk cId="4098058632" sldId="263"/>
+            <ac:picMk id="11" creationId="{90638607-EF07-513F-286E-18C5622BA325}"/>
+          </ac:picMkLst>
+        </pc:picChg>
+        <pc:picChg chg="mod">
+          <ac:chgData name="Marc Kolb" userId="66953f295099ff4a" providerId="LiveId" clId="{9196C6A7-9F21-446E-ACA7-E40CC5F2CEC9}" dt="2022-07-27T19:19:13.039" v="1199" actId="14100"/>
+          <ac:picMkLst>
+            <pc:docMk/>
+            <pc:sldMk cId="4098058632" sldId="263"/>
+            <ac:picMk id="12" creationId="{4E0FD054-B616-BB9C-3652-38D16F00B67C}"/>
+          </ac:picMkLst>
+        </pc:picChg>
+        <pc:picChg chg="add mod">
+          <ac:chgData name="Marc Kolb" userId="66953f295099ff4a" providerId="LiveId" clId="{9196C6A7-9F21-446E-ACA7-E40CC5F2CEC9}" dt="2022-07-27T19:23:16.868" v="1214" actId="166"/>
+          <ac:picMkLst>
+            <pc:docMk/>
+            <pc:sldMk cId="4098058632" sldId="263"/>
+            <ac:picMk id="3074" creationId="{084B1B32-F843-0CCB-AC3F-CDF922E2D65C}"/>
+          </ac:picMkLst>
+        </pc:picChg>
+        <pc:picChg chg="add del mod">
+          <ac:chgData name="Marc Kolb" userId="66953f295099ff4a" providerId="LiveId" clId="{9196C6A7-9F21-446E-ACA7-E40CC5F2CEC9}" dt="2022-07-27T19:28:12.996" v="1306" actId="478"/>
+          <ac:picMkLst>
+            <pc:docMk/>
+            <pc:sldMk cId="4098058632" sldId="263"/>
+            <ac:picMk id="3076" creationId="{6B3305F8-917B-F511-D615-8DC4109351ED}"/>
+          </ac:picMkLst>
+        </pc:picChg>
+        <pc:picChg chg="add mod">
+          <ac:chgData name="Marc Kolb" userId="66953f295099ff4a" providerId="LiveId" clId="{9196C6A7-9F21-446E-ACA7-E40CC5F2CEC9}" dt="2022-07-27T19:41:48.529" v="1321" actId="1076"/>
+          <ac:picMkLst>
+            <pc:docMk/>
+            <pc:sldMk cId="4098058632" sldId="263"/>
+            <ac:picMk id="3078" creationId="{D5766E18-A7DD-41AB-7A79-14662C10652B}"/>
+          </ac:picMkLst>
+        </pc:picChg>
+        <pc:picChg chg="add del">
+          <ac:chgData name="Marc Kolb" userId="66953f295099ff4a" providerId="LiveId" clId="{9196C6A7-9F21-446E-ACA7-E40CC5F2CEC9}" dt="2022-07-27T19:40:50.795" v="1314" actId="478"/>
+          <ac:picMkLst>
+            <pc:docMk/>
+            <pc:sldMk cId="4098058632" sldId="263"/>
+            <ac:picMk id="3080" creationId="{3543EBC5-96E6-3196-69FA-87ABC379294E}"/>
+          </ac:picMkLst>
+        </pc:picChg>
+        <pc:picChg chg="add mod">
+          <ac:chgData name="Marc Kolb" userId="66953f295099ff4a" providerId="LiveId" clId="{9196C6A7-9F21-446E-ACA7-E40CC5F2CEC9}" dt="2022-07-27T19:41:29.794" v="1317" actId="1076"/>
+          <ac:picMkLst>
+            <pc:docMk/>
+            <pc:sldMk cId="4098058632" sldId="263"/>
+            <ac:picMk id="3082" creationId="{24B41510-7DEC-996F-478B-6CA1FF8C1731}"/>
+          </ac:picMkLst>
+        </pc:picChg>
+        <pc:picChg chg="add del">
+          <ac:chgData name="Marc Kolb" userId="66953f295099ff4a" providerId="LiveId" clId="{9196C6A7-9F21-446E-ACA7-E40CC5F2CEC9}" dt="2022-07-27T19:42:18.101" v="1323"/>
+          <ac:picMkLst>
+            <pc:docMk/>
+            <pc:sldMk cId="4098058632" sldId="263"/>
+            <ac:picMk id="3084" creationId="{C1C03C54-9A61-5C88-0215-DBD17657EC77}"/>
+          </ac:picMkLst>
+        </pc:picChg>
+      </pc:sldChg>
+      <pc:sldChg chg="addSp delSp modSp new mod modAnim">
+        <pc:chgData name="Marc Kolb" userId="66953f295099ff4a" providerId="LiveId" clId="{9196C6A7-9F21-446E-ACA7-E40CC5F2CEC9}" dt="2022-07-27T19:49:43.926" v="1384" actId="403"/>
+        <pc:sldMkLst>
+          <pc:docMk/>
+          <pc:sldMk cId="2154855332" sldId="264"/>
+        </pc:sldMkLst>
+        <pc:spChg chg="add mod">
+          <ac:chgData name="Marc Kolb" userId="66953f295099ff4a" providerId="LiveId" clId="{9196C6A7-9F21-446E-ACA7-E40CC5F2CEC9}" dt="2022-07-27T19:49:43.926" v="1384" actId="403"/>
+          <ac:spMkLst>
+            <pc:docMk/>
+            <pc:sldMk cId="2154855332" sldId="264"/>
+            <ac:spMk id="3" creationId="{14E4C8A1-6E9F-CF69-07F5-920FB8F3780B}"/>
+          </ac:spMkLst>
+        </pc:spChg>
+        <pc:spChg chg="add del">
+          <ac:chgData name="Marc Kolb" userId="66953f295099ff4a" providerId="LiveId" clId="{9196C6A7-9F21-446E-ACA7-E40CC5F2CEC9}" dt="2022-07-27T19:47:30.200" v="1372" actId="22"/>
+          <ac:spMkLst>
+            <pc:docMk/>
+            <pc:sldMk cId="2154855332" sldId="264"/>
+            <ac:spMk id="5" creationId="{E4398F13-F774-365B-96E4-575D50A146C4}"/>
+          </ac:spMkLst>
+        </pc:spChg>
+        <pc:spChg chg="mod">
+          <ac:chgData name="Marc Kolb" userId="66953f295099ff4a" providerId="LiveId" clId="{9196C6A7-9F21-446E-ACA7-E40CC5F2CEC9}" dt="2022-07-27T19:47:42.671" v="1373"/>
+          <ac:spMkLst>
+            <pc:docMk/>
+            <pc:sldMk cId="2154855332" sldId="264"/>
+            <ac:spMk id="8" creationId="{2632565E-2239-A0BF-D68F-9231E0AE6C59}"/>
+          </ac:spMkLst>
+        </pc:spChg>
+        <pc:grpChg chg="add mod">
+          <ac:chgData name="Marc Kolb" userId="66953f295099ff4a" providerId="LiveId" clId="{9196C6A7-9F21-446E-ACA7-E40CC5F2CEC9}" dt="2022-07-27T19:47:42.671" v="1373"/>
+          <ac:grpSpMkLst>
+            <pc:docMk/>
+            <pc:sldMk cId="2154855332" sldId="264"/>
+            <ac:grpSpMk id="6" creationId="{143616B5-CDE0-6900-21FA-8FBC11A3F199}"/>
+          </ac:grpSpMkLst>
+        </pc:grpChg>
+        <pc:grpChg chg="mod">
+          <ac:chgData name="Marc Kolb" userId="66953f295099ff4a" providerId="LiveId" clId="{9196C6A7-9F21-446E-ACA7-E40CC5F2CEC9}" dt="2022-07-27T19:47:42.671" v="1373"/>
+          <ac:grpSpMkLst>
+            <pc:docMk/>
+            <pc:sldMk cId="2154855332" sldId="264"/>
+            <ac:grpSpMk id="7" creationId="{A482EB26-6DF8-6A1A-EE6D-F6DC88E188E0}"/>
+          </ac:grpSpMkLst>
+        </pc:grpChg>
+        <pc:picChg chg="add mod">
+          <ac:chgData name="Marc Kolb" userId="66953f295099ff4a" providerId="LiveId" clId="{9196C6A7-9F21-446E-ACA7-E40CC5F2CEC9}" dt="2022-07-27T19:23:40.507" v="1216"/>
+          <ac:picMkLst>
+            <pc:docMk/>
+            <pc:sldMk cId="2154855332" sldId="264"/>
+            <ac:picMk id="2" creationId="{2F7FBAAD-B323-C9DF-600D-FADE818D820E}"/>
+          </ac:picMkLst>
+        </pc:picChg>
+        <pc:picChg chg="mod">
+          <ac:chgData name="Marc Kolb" userId="66953f295099ff4a" providerId="LiveId" clId="{9196C6A7-9F21-446E-ACA7-E40CC5F2CEC9}" dt="2022-07-27T19:47:42.671" v="1373"/>
+          <ac:picMkLst>
+            <pc:docMk/>
+            <pc:sldMk cId="2154855332" sldId="264"/>
+            <ac:picMk id="9" creationId="{171FE9EB-9D94-073B-2667-1EDE8EBB6B4A}"/>
+          </ac:picMkLst>
+        </pc:picChg>
+        <pc:picChg chg="mod">
+          <ac:chgData name="Marc Kolb" userId="66953f295099ff4a" providerId="LiveId" clId="{9196C6A7-9F21-446E-ACA7-E40CC5F2CEC9}" dt="2022-07-27T19:47:42.671" v="1373"/>
+          <ac:picMkLst>
+            <pc:docMk/>
+            <pc:sldMk cId="2154855332" sldId="264"/>
+            <ac:picMk id="10" creationId="{572D22C4-8C8E-A9B4-4E2A-F46CA39B763D}"/>
+          </ac:picMkLst>
+        </pc:picChg>
+      </pc:sldChg>
+    </pc:docChg>
+  </pc:docChgLst>
+</pc:chgInfo>
+</file>
+
 <file path=ppt/slideLayouts/slideLayout1.xml><?xml version="1.0" encoding="utf-8"?>
 <p:sldLayout xmlns:a="http://schemas.openxmlformats.org/drawingml/2006/main" xmlns:r="http://schemas.openxmlformats.org/officeDocument/2006/relationships" xmlns:p="http://schemas.openxmlformats.org/presentationml/2006/main" type="title" preserve="1">
   <p:cSld name="Title Slide">
@@ -247,7 +995,7 @@
           <a:p>
             <a:fld id="{F3089C9E-662A-4F13-97B2-6CDBC3D9ACAA}" type="datetimeFigureOut">
               <a:rPr lang="en-US" smtClean="0"/>
-              <a:t>7/26/2022</a:t>
+              <a:t>7/27/2022</a:t>
             </a:fld>
             <a:endParaRPr lang="en-US"/>
           </a:p>
@@ -417,7 +1165,7 @@
           <a:p>
             <a:fld id="{F3089C9E-662A-4F13-97B2-6CDBC3D9ACAA}" type="datetimeFigureOut">
               <a:rPr lang="en-US" smtClean="0"/>
-              <a:t>7/26/2022</a:t>
+              <a:t>7/27/2022</a:t>
             </a:fld>
             <a:endParaRPr lang="en-US"/>
           </a:p>
@@ -597,7 +1345,7 @@
           <a:p>
             <a:fld id="{F3089C9E-662A-4F13-97B2-6CDBC3D9ACAA}" type="datetimeFigureOut">
               <a:rPr lang="en-US" smtClean="0"/>
-              <a:t>7/26/2022</a:t>
+              <a:t>7/27/2022</a:t>
             </a:fld>
             <a:endParaRPr lang="en-US"/>
           </a:p>
@@ -767,7 +1515,7 @@
           <a:p>
             <a:fld id="{F3089C9E-662A-4F13-97B2-6CDBC3D9ACAA}" type="datetimeFigureOut">
               <a:rPr lang="en-US" smtClean="0"/>
-              <a:t>7/26/2022</a:t>
+              <a:t>7/27/2022</a:t>
             </a:fld>
             <a:endParaRPr lang="en-US"/>
           </a:p>
@@ -1013,7 +1761,7 @@
           <a:p>
             <a:fld id="{F3089C9E-662A-4F13-97B2-6CDBC3D9ACAA}" type="datetimeFigureOut">
               <a:rPr lang="en-US" smtClean="0"/>
-              <a:t>7/26/2022</a:t>
+              <a:t>7/27/2022</a:t>
             </a:fld>
             <a:endParaRPr lang="en-US"/>
           </a:p>
@@ -1245,7 +1993,7 @@
           <a:p>
             <a:fld id="{F3089C9E-662A-4F13-97B2-6CDBC3D9ACAA}" type="datetimeFigureOut">
               <a:rPr lang="en-US" smtClean="0"/>
-              <a:t>7/26/2022</a:t>
+              <a:t>7/27/2022</a:t>
             </a:fld>
             <a:endParaRPr lang="en-US"/>
           </a:p>
@@ -1612,7 +2360,7 @@
           <a:p>
             <a:fld id="{F3089C9E-662A-4F13-97B2-6CDBC3D9ACAA}" type="datetimeFigureOut">
               <a:rPr lang="en-US" smtClean="0"/>
-              <a:t>7/26/2022</a:t>
+              <a:t>7/27/2022</a:t>
             </a:fld>
             <a:endParaRPr lang="en-US"/>
           </a:p>
@@ -1730,7 +2478,7 @@
           <a:p>
             <a:fld id="{F3089C9E-662A-4F13-97B2-6CDBC3D9ACAA}" type="datetimeFigureOut">
               <a:rPr lang="en-US" smtClean="0"/>
-              <a:t>7/26/2022</a:t>
+              <a:t>7/27/2022</a:t>
             </a:fld>
             <a:endParaRPr lang="en-US"/>
           </a:p>
@@ -1825,7 +2573,7 @@
           <a:p>
             <a:fld id="{F3089C9E-662A-4F13-97B2-6CDBC3D9ACAA}" type="datetimeFigureOut">
               <a:rPr lang="en-US" smtClean="0"/>
-              <a:t>7/26/2022</a:t>
+              <a:t>7/27/2022</a:t>
             </a:fld>
             <a:endParaRPr lang="en-US"/>
           </a:p>
@@ -2102,7 +2850,7 @@
           <a:p>
             <a:fld id="{F3089C9E-662A-4F13-97B2-6CDBC3D9ACAA}" type="datetimeFigureOut">
               <a:rPr lang="en-US" smtClean="0"/>
-              <a:t>7/26/2022</a:t>
+              <a:t>7/27/2022</a:t>
             </a:fld>
             <a:endParaRPr lang="en-US"/>
           </a:p>
@@ -2359,7 +3107,7 @@
           <a:p>
             <a:fld id="{F3089C9E-662A-4F13-97B2-6CDBC3D9ACAA}" type="datetimeFigureOut">
               <a:rPr lang="en-US" smtClean="0"/>
-              <a:t>7/26/2022</a:t>
+              <a:t>7/27/2022</a:t>
             </a:fld>
             <a:endParaRPr lang="en-US"/>
           </a:p>
@@ -2572,7 +3320,7 @@
           <a:p>
             <a:fld id="{F3089C9E-662A-4F13-97B2-6CDBC3D9ACAA}" type="datetimeFigureOut">
               <a:rPr lang="en-US" smtClean="0"/>
-              <a:t>7/26/2022</a:t>
+              <a:t>7/27/2022</a:t>
             </a:fld>
             <a:endParaRPr lang="en-US"/>
           </a:p>
@@ -3341,15 +4089,6 @@
               <a:srgbClr val="C0C0C0"/>
             </a:contourClr>
           </a:sp3d>
-          <a:extLst>
-            <a:ext uri="{909E8E84-426E-40DD-AFC4-6F175D3DCCD1}">
-              <a14:hiddenFill xmlns:a14="http://schemas.microsoft.com/office/drawing/2010/main">
-                <a:solidFill>
-                  <a:srgbClr val="FFFFFF"/>
-                </a:solidFill>
-              </a14:hiddenFill>
-            </a:ext>
-          </a:extLst>
         </p:spPr>
       </p:pic>
       <p:sp>
@@ -4788,10 +5527,10 @@
       </p:pic>
       <p:grpSp>
         <p:nvGrpSpPr>
-          <p:cNvPr id="4" name="Group 3">
+          <p:cNvPr id="9" name="Group 8">
             <a:extLst>
               <a:ext uri="{FF2B5EF4-FFF2-40B4-BE49-F238E27FC236}">
-                <a16:creationId xmlns:a16="http://schemas.microsoft.com/office/drawing/2014/main" id="{77608BE2-F652-1A71-31AF-A253A23404F3}"/>
+                <a16:creationId xmlns:a16="http://schemas.microsoft.com/office/drawing/2014/main" id="{7292A09B-C5A2-F018-E7BA-29DE22E26613}"/>
               </a:ext>
             </a:extLst>
           </p:cNvPr>
@@ -4800,7 +5539,7 @@
         </p:nvGrpSpPr>
         <p:grpSpPr>
           <a:xfrm rot="20400000">
-            <a:off x="6981618" y="3527950"/>
+            <a:off x="6981617" y="3193446"/>
             <a:ext cx="4919912" cy="2566071"/>
             <a:chOff x="5541263" y="1442459"/>
             <a:chExt cx="3116524" cy="1625481"/>
@@ -4808,10 +5547,10 @@
         </p:grpSpPr>
         <p:grpSp>
           <p:nvGrpSpPr>
-            <p:cNvPr id="5" name="Group 4">
+            <p:cNvPr id="10" name="Group 9">
               <a:extLst>
                 <a:ext uri="{FF2B5EF4-FFF2-40B4-BE49-F238E27FC236}">
-                  <a16:creationId xmlns:a16="http://schemas.microsoft.com/office/drawing/2014/main" id="{8ADA5F3D-D72B-1A24-5D15-0D88770C183C}"/>
+                  <a16:creationId xmlns:a16="http://schemas.microsoft.com/office/drawing/2014/main" id="{15CCA9A9-8B5D-6B24-16B8-B8E9976AF0EC}"/>
                 </a:ext>
               </a:extLst>
             </p:cNvPr>
@@ -4828,10 +5567,10 @@
           </p:grpSpPr>
           <p:pic>
             <p:nvPicPr>
-              <p:cNvPr id="7" name="Picture 6" descr="Blank Admission Ticket Template (5) | PROFESSIONAL TEMPLATES | Raffle  tickets template, Ticket template, Raffle tickets printable">
+              <p:cNvPr id="12" name="Picture 11" descr="Blank Admission Ticket Template (5) | PROFESSIONAL TEMPLATES | Raffle  tickets template, Ticket template, Raffle tickets printable">
                 <a:extLst>
                   <a:ext uri="{FF2B5EF4-FFF2-40B4-BE49-F238E27FC236}">
-                    <a16:creationId xmlns:a16="http://schemas.microsoft.com/office/drawing/2014/main" id="{5664F892-2A04-59FA-A5E0-072C6806E3DE}"/>
+                    <a16:creationId xmlns:a16="http://schemas.microsoft.com/office/drawing/2014/main" id="{A007B7E7-3165-3BF1-B253-878BEDE01D22}"/>
                   </a:ext>
                 </a:extLst>
               </p:cNvPr>
@@ -4880,10 +5619,10 @@
           </p:pic>
           <p:pic>
             <p:nvPicPr>
-              <p:cNvPr id="8" name="Picture 4" descr="Experience Partners — ROAM Beyond">
+              <p:cNvPr id="13" name="Picture 4" descr="Experience Partners — ROAM Beyond">
                 <a:extLst>
                   <a:ext uri="{FF2B5EF4-FFF2-40B4-BE49-F238E27FC236}">
-                    <a16:creationId xmlns:a16="http://schemas.microsoft.com/office/drawing/2014/main" id="{DF7F0338-F863-D8CE-5879-63BDE59E0166}"/>
+                    <a16:creationId xmlns:a16="http://schemas.microsoft.com/office/drawing/2014/main" id="{B36C2F4E-BD0F-D032-AE91-649C282E54A2}"/>
                   </a:ext>
                 </a:extLst>
               </p:cNvPr>
@@ -4926,10 +5665,10 @@
         </p:grpSp>
         <p:sp>
           <p:nvSpPr>
-            <p:cNvPr id="6" name="TextBox 5">
+            <p:cNvPr id="11" name="TextBox 10">
               <a:extLst>
                 <a:ext uri="{FF2B5EF4-FFF2-40B4-BE49-F238E27FC236}">
-                  <a16:creationId xmlns:a16="http://schemas.microsoft.com/office/drawing/2014/main" id="{8BEE6FC5-7DD5-7702-9A8B-655805457C4E}"/>
+                  <a16:creationId xmlns:a16="http://schemas.microsoft.com/office/drawing/2014/main" id="{5F18F179-D0B0-0DFF-EB12-879BCBBE4E38}"/>
                 </a:ext>
               </a:extLst>
             </p:cNvPr>
@@ -5207,7 +5946,7 @@
                             </p:stCondLst>
                             <p:childTnLst>
                               <p:par>
-                                <p:cTn id="20" presetID="2" presetClass="entr" presetSubtype="4" fill="hold" nodeType="clickEffect">
+                                <p:cTn id="20" presetID="10" presetClass="entr" presetSubtype="0" fill="hold" nodeType="clickEffect">
                                   <p:stCondLst>
                                     <p:cond delay="0"/>
                                   </p:stCondLst>
@@ -5220,7 +5959,7 @@
                                           </p:stCondLst>
                                         </p:cTn>
                                         <p:tgtEl>
-                                          <p:spTgt spid="4"/>
+                                          <p:spTgt spid="9"/>
                                         </p:tgtEl>
                                         <p:attrNameLst>
                                           <p:attrName>style.visibility</p:attrName>
@@ -5230,52 +5969,14 @@
                                         <p:strVal val="visible"/>
                                       </p:to>
                                     </p:set>
-                                    <p:anim calcmode="lin" valueType="num">
-                                      <p:cBhvr additive="base">
-                                        <p:cTn id="22" dur="500" fill="hold"/>
+                                    <p:animEffect transition="in" filter="fade">
+                                      <p:cBhvr>
+                                        <p:cTn id="22" dur="500"/>
                                         <p:tgtEl>
-                                          <p:spTgt spid="4"/>
+                                          <p:spTgt spid="9"/>
                                         </p:tgtEl>
-                                        <p:attrNameLst>
-                                          <p:attrName>ppt_x</p:attrName>
-                                        </p:attrNameLst>
                                       </p:cBhvr>
-                                      <p:tavLst>
-                                        <p:tav tm="0">
-                                          <p:val>
-                                            <p:strVal val="#ppt_x"/>
-                                          </p:val>
-                                        </p:tav>
-                                        <p:tav tm="100000">
-                                          <p:val>
-                                            <p:strVal val="#ppt_x"/>
-                                          </p:val>
-                                        </p:tav>
-                                      </p:tavLst>
-                                    </p:anim>
-                                    <p:anim calcmode="lin" valueType="num">
-                                      <p:cBhvr additive="base">
-                                        <p:cTn id="23" dur="500" fill="hold"/>
-                                        <p:tgtEl>
-                                          <p:spTgt spid="4"/>
-                                        </p:tgtEl>
-                                        <p:attrNameLst>
-                                          <p:attrName>ppt_y</p:attrName>
-                                        </p:attrNameLst>
-                                      </p:cBhvr>
-                                      <p:tavLst>
-                                        <p:tav tm="0">
-                                          <p:val>
-                                            <p:strVal val="1+#ppt_h/2"/>
-                                          </p:val>
-                                        </p:tav>
-                                        <p:tav tm="100000">
-                                          <p:val>
-                                            <p:strVal val="#ppt_y"/>
-                                          </p:val>
-                                        </p:tav>
-                                      </p:tavLst>
-                                    </p:anim>
+                                    </p:animEffect>
                                   </p:childTnLst>
                                 </p:cTn>
                               </p:par>
@@ -5327,6 +6028,1010 @@
           <a:chExt cx="0" cy="0"/>
         </a:xfrm>
       </p:grpSpPr>
+      <p:sp>
+        <p:nvSpPr>
+          <p:cNvPr id="2" name="TextBox 1">
+            <a:extLst>
+              <a:ext uri="{FF2B5EF4-FFF2-40B4-BE49-F238E27FC236}">
+                <a16:creationId xmlns:a16="http://schemas.microsoft.com/office/drawing/2014/main" id="{E058DC13-87D2-E648-7334-959C90FAC40D}"/>
+              </a:ext>
+            </a:extLst>
+          </p:cNvPr>
+          <p:cNvSpPr txBox="1"/>
+          <p:nvPr/>
+        </p:nvSpPr>
+        <p:spPr>
+          <a:xfrm>
+            <a:off x="0" y="0"/>
+            <a:ext cx="12192000" cy="1015663"/>
+          </a:xfrm>
+          <a:prstGeom prst="rect">
+            <a:avLst/>
+          </a:prstGeom>
+          <a:noFill/>
+        </p:spPr>
+        <p:txBody>
+          <a:bodyPr wrap="square" rtlCol="0">
+            <a:spAutoFit/>
+          </a:bodyPr>
+          <a:lstStyle/>
+          <a:p>
+            <a:r>
+              <a:rPr lang="en-US" sz="2400" dirty="0">
+                <a:solidFill>
+                  <a:schemeClr val="accent1">
+                    <a:lumMod val="75000"/>
+                  </a:schemeClr>
+                </a:solidFill>
+                <a:latin typeface="Baskerville Old Face" panose="02020602080505020303" pitchFamily="18" charset="0"/>
+                <a:cs typeface="Biome" panose="020B0502040204020203" pitchFamily="34" charset="0"/>
+              </a:rPr>
+              <a:t>Model Results and Analysis</a:t>
+            </a:r>
+          </a:p>
+          <a:p>
+            <a:pPr algn="ctr"/>
+            <a:r>
+              <a:rPr lang="en-US" sz="3600" u="sng" dirty="0">
+                <a:solidFill>
+                  <a:schemeClr val="accent1">
+                    <a:lumMod val="40000"/>
+                    <a:lumOff val="60000"/>
+                  </a:schemeClr>
+                </a:solidFill>
+                <a:latin typeface="Baskerville Old Face" panose="02020602080505020303" pitchFamily="18" charset="0"/>
+                <a:cs typeface="Biome" panose="020B0502040204020203" pitchFamily="34" charset="0"/>
+              </a:rPr>
+              <a:t>Exploratory Data Analysis:</a:t>
+            </a:r>
+            <a:endParaRPr lang="en-US" sz="4800" dirty="0">
+              <a:latin typeface="Baskerville Old Face" panose="02020602080505020303" pitchFamily="18" charset="0"/>
+              <a:cs typeface="Biome" panose="020B0502040204020203" pitchFamily="34" charset="0"/>
+            </a:endParaRPr>
+          </a:p>
+        </p:txBody>
+      </p:sp>
+      <p:pic>
+        <p:nvPicPr>
+          <p:cNvPr id="3" name="Picture 2" descr="Mountains Snow White - Free image on Pixabay">
+            <a:extLst>
+              <a:ext uri="{FF2B5EF4-FFF2-40B4-BE49-F238E27FC236}">
+                <a16:creationId xmlns:a16="http://schemas.microsoft.com/office/drawing/2014/main" id="{96AD1514-2334-AB73-279C-5AA2FD568F7C}"/>
+              </a:ext>
+            </a:extLst>
+          </p:cNvPr>
+          <p:cNvPicPr>
+            <a:picLocks noChangeAspect="1" noChangeArrowheads="1"/>
+          </p:cNvPicPr>
+          <p:nvPr/>
+        </p:nvPicPr>
+        <p:blipFill rotWithShape="1">
+          <a:blip r:embed="rId2">
+            <a:extLst>
+              <a:ext uri="{28A0092B-C50C-407E-A947-70E740481C1C}">
+                <a14:useLocalDpi xmlns:a14="http://schemas.microsoft.com/office/drawing/2010/main" val="0"/>
+              </a:ext>
+            </a:extLst>
+          </a:blip>
+          <a:srcRect t="15318" b="39775"/>
+          <a:stretch/>
+        </p:blipFill>
+        <p:spPr bwMode="auto">
+          <a:xfrm>
+            <a:off x="0" y="3209662"/>
+            <a:ext cx="12192000" cy="3648338"/>
+          </a:xfrm>
+          <a:prstGeom prst="rect">
+            <a:avLst/>
+          </a:prstGeom>
+          <a:noFill/>
+          <a:extLst>
+            <a:ext uri="{909E8E84-426E-40DD-AFC4-6F175D3DCCD1}">
+              <a14:hiddenFill xmlns:a14="http://schemas.microsoft.com/office/drawing/2010/main">
+                <a:solidFill>
+                  <a:srgbClr val="FFFFFF"/>
+                </a:solidFill>
+              </a14:hiddenFill>
+            </a:ext>
+          </a:extLst>
+        </p:spPr>
+      </p:pic>
+      <p:grpSp>
+        <p:nvGrpSpPr>
+          <p:cNvPr id="6" name="Group 5">
+            <a:extLst>
+              <a:ext uri="{FF2B5EF4-FFF2-40B4-BE49-F238E27FC236}">
+                <a16:creationId xmlns:a16="http://schemas.microsoft.com/office/drawing/2014/main" id="{FC3B7AC9-8BB9-7B28-68AD-012271A755A5}"/>
+              </a:ext>
+            </a:extLst>
+          </p:cNvPr>
+          <p:cNvGrpSpPr/>
+          <p:nvPr/>
+        </p:nvGrpSpPr>
+        <p:grpSpPr>
+          <a:xfrm>
+            <a:off x="107966" y="1143000"/>
+            <a:ext cx="2566147" cy="2286000"/>
+            <a:chOff x="3090863" y="1015663"/>
+            <a:chExt cx="2566147" cy="2286000"/>
+          </a:xfrm>
+        </p:grpSpPr>
+        <p:pic>
+          <p:nvPicPr>
+            <p:cNvPr id="1028" name="Picture 4" descr="Manilla folder free vector | Download it now!">
+              <a:extLst>
+                <a:ext uri="{FF2B5EF4-FFF2-40B4-BE49-F238E27FC236}">
+                  <a16:creationId xmlns:a16="http://schemas.microsoft.com/office/drawing/2014/main" id="{CA46DEE8-14B2-5F4A-8236-47AE221D6BB6}"/>
+                </a:ext>
+              </a:extLst>
+            </p:cNvPr>
+            <p:cNvPicPr>
+              <a:picLocks noChangeAspect="1" noChangeArrowheads="1"/>
+            </p:cNvPicPr>
+            <p:nvPr/>
+          </p:nvPicPr>
+          <p:blipFill>
+            <a:blip r:embed="rId3">
+              <a:extLst>
+                <a:ext uri="{28A0092B-C50C-407E-A947-70E740481C1C}">
+                  <a14:useLocalDpi xmlns:a14="http://schemas.microsoft.com/office/drawing/2010/main" val="0"/>
+                </a:ext>
+              </a:extLst>
+            </a:blip>
+            <a:srcRect/>
+            <a:stretch>
+              <a:fillRect/>
+            </a:stretch>
+          </p:blipFill>
+          <p:spPr bwMode="auto">
+            <a:xfrm>
+              <a:off x="3090863" y="1015663"/>
+              <a:ext cx="2566147" cy="2286000"/>
+            </a:xfrm>
+            <a:prstGeom prst="rect">
+              <a:avLst/>
+            </a:prstGeom>
+            <a:noFill/>
+            <a:extLst>
+              <a:ext uri="{909E8E84-426E-40DD-AFC4-6F175D3DCCD1}">
+                <a14:hiddenFill xmlns:a14="http://schemas.microsoft.com/office/drawing/2010/main">
+                  <a:solidFill>
+                    <a:srgbClr val="FFFFFF"/>
+                  </a:solidFill>
+                </a14:hiddenFill>
+              </a:ext>
+            </a:extLst>
+          </p:spPr>
+        </p:pic>
+        <p:sp>
+          <p:nvSpPr>
+            <p:cNvPr id="5" name="TextBox 4">
+              <a:extLst>
+                <a:ext uri="{FF2B5EF4-FFF2-40B4-BE49-F238E27FC236}">
+                  <a16:creationId xmlns:a16="http://schemas.microsoft.com/office/drawing/2014/main" id="{7E499411-FC43-B850-1C74-298FF5C03E3E}"/>
+                </a:ext>
+              </a:extLst>
+            </p:cNvPr>
+            <p:cNvSpPr txBox="1"/>
+            <p:nvPr/>
+          </p:nvSpPr>
+          <p:spPr>
+            <a:xfrm>
+              <a:off x="3429000" y="1552760"/>
+              <a:ext cx="1885950" cy="1200329"/>
+            </a:xfrm>
+            <a:prstGeom prst="rect">
+              <a:avLst/>
+            </a:prstGeom>
+            <a:noFill/>
+          </p:spPr>
+          <p:txBody>
+            <a:bodyPr wrap="square" rtlCol="0">
+              <a:spAutoFit/>
+            </a:bodyPr>
+            <a:lstStyle/>
+            <a:p>
+              <a:pPr algn="ctr"/>
+              <a:r>
+                <a:rPr lang="en-US" sz="2400" b="1" dirty="0">
+                  <a:solidFill>
+                    <a:schemeClr val="bg1"/>
+                  </a:solidFill>
+                  <a:latin typeface="Courier New" panose="02070309020205020404" pitchFamily="49" charset="0"/>
+                  <a:cs typeface="Courier New" panose="02070309020205020404" pitchFamily="49" charset="0"/>
+                </a:rPr>
+                <a:t>Ski Resort Data</a:t>
+              </a:r>
+            </a:p>
+          </p:txBody>
+        </p:sp>
+      </p:grpSp>
+      <p:grpSp>
+        <p:nvGrpSpPr>
+          <p:cNvPr id="9" name="Group 8">
+            <a:extLst>
+              <a:ext uri="{FF2B5EF4-FFF2-40B4-BE49-F238E27FC236}">
+                <a16:creationId xmlns:a16="http://schemas.microsoft.com/office/drawing/2014/main" id="{5F7CD0FF-4A0A-61E1-8D3E-104925D007F5}"/>
+              </a:ext>
+            </a:extLst>
+          </p:cNvPr>
+          <p:cNvGrpSpPr/>
+          <p:nvPr/>
+        </p:nvGrpSpPr>
+        <p:grpSpPr>
+          <a:xfrm>
+            <a:off x="107966" y="3556337"/>
+            <a:ext cx="2566147" cy="2286000"/>
+            <a:chOff x="3090863" y="1015663"/>
+            <a:chExt cx="2566147" cy="2286000"/>
+          </a:xfrm>
+        </p:grpSpPr>
+        <p:pic>
+          <p:nvPicPr>
+            <p:cNvPr id="10" name="Picture 4" descr="Manilla folder free vector | Download it now!">
+              <a:extLst>
+                <a:ext uri="{FF2B5EF4-FFF2-40B4-BE49-F238E27FC236}">
+                  <a16:creationId xmlns:a16="http://schemas.microsoft.com/office/drawing/2014/main" id="{40C8B173-ED7E-9FD2-78C5-6649A501522B}"/>
+                </a:ext>
+              </a:extLst>
+            </p:cNvPr>
+            <p:cNvPicPr>
+              <a:picLocks noChangeAspect="1" noChangeArrowheads="1"/>
+            </p:cNvPicPr>
+            <p:nvPr/>
+          </p:nvPicPr>
+          <p:blipFill>
+            <a:blip r:embed="rId3">
+              <a:extLst>
+                <a:ext uri="{28A0092B-C50C-407E-A947-70E740481C1C}">
+                  <a14:useLocalDpi xmlns:a14="http://schemas.microsoft.com/office/drawing/2010/main" val="0"/>
+                </a:ext>
+              </a:extLst>
+            </a:blip>
+            <a:srcRect/>
+            <a:stretch>
+              <a:fillRect/>
+            </a:stretch>
+          </p:blipFill>
+          <p:spPr bwMode="auto">
+            <a:xfrm>
+              <a:off x="3090863" y="1015663"/>
+              <a:ext cx="2566147" cy="2286000"/>
+            </a:xfrm>
+            <a:prstGeom prst="rect">
+              <a:avLst/>
+            </a:prstGeom>
+            <a:noFill/>
+            <a:extLst>
+              <a:ext uri="{909E8E84-426E-40DD-AFC4-6F175D3DCCD1}">
+                <a14:hiddenFill xmlns:a14="http://schemas.microsoft.com/office/drawing/2010/main">
+                  <a:solidFill>
+                    <a:srgbClr val="FFFFFF"/>
+                  </a:solidFill>
+                </a14:hiddenFill>
+              </a:ext>
+            </a:extLst>
+          </p:spPr>
+        </p:pic>
+        <p:sp>
+          <p:nvSpPr>
+            <p:cNvPr id="11" name="TextBox 10">
+              <a:extLst>
+                <a:ext uri="{FF2B5EF4-FFF2-40B4-BE49-F238E27FC236}">
+                  <a16:creationId xmlns:a16="http://schemas.microsoft.com/office/drawing/2014/main" id="{C8CB0050-33B7-D33E-B71F-8970F597A62F}"/>
+                </a:ext>
+              </a:extLst>
+            </p:cNvPr>
+            <p:cNvSpPr txBox="1"/>
+            <p:nvPr/>
+          </p:nvSpPr>
+          <p:spPr>
+            <a:xfrm>
+              <a:off x="3429000" y="1743164"/>
+              <a:ext cx="1885950" cy="830997"/>
+            </a:xfrm>
+            <a:prstGeom prst="rect">
+              <a:avLst/>
+            </a:prstGeom>
+            <a:noFill/>
+          </p:spPr>
+          <p:txBody>
+            <a:bodyPr wrap="square" rtlCol="0">
+              <a:spAutoFit/>
+            </a:bodyPr>
+            <a:lstStyle/>
+            <a:p>
+              <a:pPr algn="ctr"/>
+              <a:r>
+                <a:rPr lang="en-US" sz="2400" b="1" dirty="0">
+                  <a:solidFill>
+                    <a:schemeClr val="bg1"/>
+                  </a:solidFill>
+                  <a:latin typeface="Courier New" panose="02070309020205020404" pitchFamily="49" charset="0"/>
+                  <a:cs typeface="Courier New" panose="02070309020205020404" pitchFamily="49" charset="0"/>
+                </a:rPr>
+                <a:t>State Data</a:t>
+              </a:r>
+            </a:p>
+          </p:txBody>
+        </p:sp>
+      </p:grpSp>
+      <p:grpSp>
+        <p:nvGrpSpPr>
+          <p:cNvPr id="12" name="Group 11">
+            <a:extLst>
+              <a:ext uri="{FF2B5EF4-FFF2-40B4-BE49-F238E27FC236}">
+                <a16:creationId xmlns:a16="http://schemas.microsoft.com/office/drawing/2014/main" id="{E6E9CD18-79BC-6B14-CFB6-91D729E7647A}"/>
+              </a:ext>
+            </a:extLst>
+          </p:cNvPr>
+          <p:cNvGrpSpPr/>
+          <p:nvPr/>
+        </p:nvGrpSpPr>
+        <p:grpSpPr>
+          <a:xfrm>
+            <a:off x="3529853" y="2286000"/>
+            <a:ext cx="2566147" cy="2286000"/>
+            <a:chOff x="3090863" y="1015663"/>
+            <a:chExt cx="2566147" cy="2286000"/>
+          </a:xfrm>
+        </p:grpSpPr>
+        <p:pic>
+          <p:nvPicPr>
+            <p:cNvPr id="13" name="Picture 4" descr="Manilla folder free vector | Download it now!">
+              <a:extLst>
+                <a:ext uri="{FF2B5EF4-FFF2-40B4-BE49-F238E27FC236}">
+                  <a16:creationId xmlns:a16="http://schemas.microsoft.com/office/drawing/2014/main" id="{8334769D-D91C-94CE-7305-24943794840B}"/>
+                </a:ext>
+              </a:extLst>
+            </p:cNvPr>
+            <p:cNvPicPr>
+              <a:picLocks noChangeAspect="1" noChangeArrowheads="1"/>
+            </p:cNvPicPr>
+            <p:nvPr/>
+          </p:nvPicPr>
+          <p:blipFill>
+            <a:blip r:embed="rId3">
+              <a:extLst>
+                <a:ext uri="{28A0092B-C50C-407E-A947-70E740481C1C}">
+                  <a14:useLocalDpi xmlns:a14="http://schemas.microsoft.com/office/drawing/2010/main" val="0"/>
+                </a:ext>
+              </a:extLst>
+            </a:blip>
+            <a:srcRect/>
+            <a:stretch>
+              <a:fillRect/>
+            </a:stretch>
+          </p:blipFill>
+          <p:spPr bwMode="auto">
+            <a:xfrm>
+              <a:off x="3090863" y="1015663"/>
+              <a:ext cx="2566147" cy="2286000"/>
+            </a:xfrm>
+            <a:prstGeom prst="rect">
+              <a:avLst/>
+            </a:prstGeom>
+            <a:noFill/>
+            <a:extLst>
+              <a:ext uri="{909E8E84-426E-40DD-AFC4-6F175D3DCCD1}">
+                <a14:hiddenFill xmlns:a14="http://schemas.microsoft.com/office/drawing/2010/main">
+                  <a:solidFill>
+                    <a:srgbClr val="FFFFFF"/>
+                  </a:solidFill>
+                </a14:hiddenFill>
+              </a:ext>
+            </a:extLst>
+          </p:spPr>
+        </p:pic>
+        <p:sp>
+          <p:nvSpPr>
+            <p:cNvPr id="14" name="TextBox 13">
+              <a:extLst>
+                <a:ext uri="{FF2B5EF4-FFF2-40B4-BE49-F238E27FC236}">
+                  <a16:creationId xmlns:a16="http://schemas.microsoft.com/office/drawing/2014/main" id="{A3AA2A08-A6F1-6A2F-89D1-EDDC96304A59}"/>
+                </a:ext>
+              </a:extLst>
+            </p:cNvPr>
+            <p:cNvSpPr txBox="1"/>
+            <p:nvPr/>
+          </p:nvSpPr>
+          <p:spPr>
+            <a:xfrm>
+              <a:off x="3430961" y="1743164"/>
+              <a:ext cx="1885950" cy="830997"/>
+            </a:xfrm>
+            <a:prstGeom prst="rect">
+              <a:avLst/>
+            </a:prstGeom>
+            <a:noFill/>
+          </p:spPr>
+          <p:txBody>
+            <a:bodyPr wrap="square" rtlCol="0">
+              <a:spAutoFit/>
+            </a:bodyPr>
+            <a:lstStyle/>
+            <a:p>
+              <a:pPr algn="ctr"/>
+              <a:r>
+                <a:rPr lang="en-US" sz="2400" b="1" dirty="0">
+                  <a:solidFill>
+                    <a:schemeClr val="bg1"/>
+                  </a:solidFill>
+                  <a:latin typeface="Courier New" panose="02070309020205020404" pitchFamily="49" charset="0"/>
+                  <a:cs typeface="Courier New" panose="02070309020205020404" pitchFamily="49" charset="0"/>
+                </a:rPr>
+                <a:t>Resort Density</a:t>
+              </a:r>
+            </a:p>
+          </p:txBody>
+        </p:sp>
+      </p:grpSp>
+      <p:grpSp>
+        <p:nvGrpSpPr>
+          <p:cNvPr id="15" name="Group 14">
+            <a:extLst>
+              <a:ext uri="{FF2B5EF4-FFF2-40B4-BE49-F238E27FC236}">
+                <a16:creationId xmlns:a16="http://schemas.microsoft.com/office/drawing/2014/main" id="{8A3CFCC3-7F47-97CD-DF69-4610C3BF68EC}"/>
+              </a:ext>
+            </a:extLst>
+          </p:cNvPr>
+          <p:cNvGrpSpPr/>
+          <p:nvPr/>
+        </p:nvGrpSpPr>
+        <p:grpSpPr>
+          <a:xfrm>
+            <a:off x="6951739" y="1143000"/>
+            <a:ext cx="2566147" cy="2286000"/>
+            <a:chOff x="3090863" y="1015663"/>
+            <a:chExt cx="2566147" cy="2286000"/>
+          </a:xfrm>
+        </p:grpSpPr>
+        <p:pic>
+          <p:nvPicPr>
+            <p:cNvPr id="16" name="Picture 4" descr="Manilla folder free vector | Download it now!">
+              <a:extLst>
+                <a:ext uri="{FF2B5EF4-FFF2-40B4-BE49-F238E27FC236}">
+                  <a16:creationId xmlns:a16="http://schemas.microsoft.com/office/drawing/2014/main" id="{D791B09A-3B0C-71EB-F882-258875BDB028}"/>
+                </a:ext>
+              </a:extLst>
+            </p:cNvPr>
+            <p:cNvPicPr>
+              <a:picLocks noChangeAspect="1" noChangeArrowheads="1"/>
+            </p:cNvPicPr>
+            <p:nvPr/>
+          </p:nvPicPr>
+          <p:blipFill>
+            <a:blip r:embed="rId3">
+              <a:extLst>
+                <a:ext uri="{28A0092B-C50C-407E-A947-70E740481C1C}">
+                  <a14:useLocalDpi xmlns:a14="http://schemas.microsoft.com/office/drawing/2010/main" val="0"/>
+                </a:ext>
+              </a:extLst>
+            </a:blip>
+            <a:srcRect/>
+            <a:stretch>
+              <a:fillRect/>
+            </a:stretch>
+          </p:blipFill>
+          <p:spPr bwMode="auto">
+            <a:xfrm>
+              <a:off x="3090863" y="1015663"/>
+              <a:ext cx="2566147" cy="2286000"/>
+            </a:xfrm>
+            <a:prstGeom prst="rect">
+              <a:avLst/>
+            </a:prstGeom>
+            <a:noFill/>
+            <a:extLst>
+              <a:ext uri="{909E8E84-426E-40DD-AFC4-6F175D3DCCD1}">
+                <a14:hiddenFill xmlns:a14="http://schemas.microsoft.com/office/drawing/2010/main">
+                  <a:solidFill>
+                    <a:srgbClr val="FFFFFF"/>
+                  </a:solidFill>
+                </a14:hiddenFill>
+              </a:ext>
+            </a:extLst>
+          </p:spPr>
+        </p:pic>
+        <p:sp>
+          <p:nvSpPr>
+            <p:cNvPr id="17" name="TextBox 16">
+              <a:extLst>
+                <a:ext uri="{FF2B5EF4-FFF2-40B4-BE49-F238E27FC236}">
+                  <a16:creationId xmlns:a16="http://schemas.microsoft.com/office/drawing/2014/main" id="{7445DBE9-EC3D-CCE5-7F35-E06CC6EA704E}"/>
+                </a:ext>
+              </a:extLst>
+            </p:cNvPr>
+            <p:cNvSpPr txBox="1"/>
+            <p:nvPr/>
+          </p:nvSpPr>
+          <p:spPr>
+            <a:xfrm>
+              <a:off x="3430961" y="1600528"/>
+              <a:ext cx="1885950" cy="1200329"/>
+            </a:xfrm>
+            <a:prstGeom prst="rect">
+              <a:avLst/>
+            </a:prstGeom>
+            <a:noFill/>
+          </p:spPr>
+          <p:txBody>
+            <a:bodyPr wrap="square" rtlCol="0">
+              <a:spAutoFit/>
+            </a:bodyPr>
+            <a:lstStyle/>
+            <a:p>
+              <a:pPr algn="ctr"/>
+              <a:r>
+                <a:rPr lang="en-US" sz="2400" b="1" dirty="0">
+                  <a:solidFill>
+                    <a:schemeClr val="bg1"/>
+                  </a:solidFill>
+                  <a:latin typeface="Courier New" panose="02070309020205020404" pitchFamily="49" charset="0"/>
+                  <a:cs typeface="Courier New" panose="02070309020205020404" pitchFamily="49" charset="0"/>
+                </a:rPr>
+                <a:t>Resorts per Capita</a:t>
+              </a:r>
+            </a:p>
+          </p:txBody>
+        </p:sp>
+      </p:grpSp>
+      <p:grpSp>
+        <p:nvGrpSpPr>
+          <p:cNvPr id="18" name="Group 17">
+            <a:extLst>
+              <a:ext uri="{FF2B5EF4-FFF2-40B4-BE49-F238E27FC236}">
+                <a16:creationId xmlns:a16="http://schemas.microsoft.com/office/drawing/2014/main" id="{2667FC00-9974-0163-32CF-E05727E97827}"/>
+              </a:ext>
+            </a:extLst>
+          </p:cNvPr>
+          <p:cNvGrpSpPr/>
+          <p:nvPr/>
+        </p:nvGrpSpPr>
+        <p:grpSpPr>
+          <a:xfrm>
+            <a:off x="9517887" y="2286000"/>
+            <a:ext cx="2566147" cy="2286000"/>
+            <a:chOff x="3090863" y="1015663"/>
+            <a:chExt cx="2566147" cy="2286000"/>
+          </a:xfrm>
+        </p:grpSpPr>
+        <p:pic>
+          <p:nvPicPr>
+            <p:cNvPr id="19" name="Picture 4" descr="Manilla folder free vector | Download it now!">
+              <a:extLst>
+                <a:ext uri="{FF2B5EF4-FFF2-40B4-BE49-F238E27FC236}">
+                  <a16:creationId xmlns:a16="http://schemas.microsoft.com/office/drawing/2014/main" id="{9EDBD147-798D-2731-7E3F-181D98DA8F98}"/>
+                </a:ext>
+              </a:extLst>
+            </p:cNvPr>
+            <p:cNvPicPr>
+              <a:picLocks noChangeAspect="1" noChangeArrowheads="1"/>
+            </p:cNvPicPr>
+            <p:nvPr/>
+          </p:nvPicPr>
+          <p:blipFill>
+            <a:blip r:embed="rId3">
+              <a:extLst>
+                <a:ext uri="{28A0092B-C50C-407E-A947-70E740481C1C}">
+                  <a14:useLocalDpi xmlns:a14="http://schemas.microsoft.com/office/drawing/2010/main" val="0"/>
+                </a:ext>
+              </a:extLst>
+            </a:blip>
+            <a:srcRect/>
+            <a:stretch>
+              <a:fillRect/>
+            </a:stretch>
+          </p:blipFill>
+          <p:spPr bwMode="auto">
+            <a:xfrm>
+              <a:off x="3090863" y="1015663"/>
+              <a:ext cx="2566147" cy="2286000"/>
+            </a:xfrm>
+            <a:prstGeom prst="rect">
+              <a:avLst/>
+            </a:prstGeom>
+            <a:noFill/>
+            <a:extLst>
+              <a:ext uri="{909E8E84-426E-40DD-AFC4-6F175D3DCCD1}">
+                <a14:hiddenFill xmlns:a14="http://schemas.microsoft.com/office/drawing/2010/main">
+                  <a:solidFill>
+                    <a:srgbClr val="FFFFFF"/>
+                  </a:solidFill>
+                </a14:hiddenFill>
+              </a:ext>
+            </a:extLst>
+          </p:spPr>
+        </p:pic>
+        <p:sp>
+          <p:nvSpPr>
+            <p:cNvPr id="20" name="TextBox 19">
+              <a:extLst>
+                <a:ext uri="{FF2B5EF4-FFF2-40B4-BE49-F238E27FC236}">
+                  <a16:creationId xmlns:a16="http://schemas.microsoft.com/office/drawing/2014/main" id="{70CA2B05-C94F-78D3-CF3D-64D47CBD3F39}"/>
+                </a:ext>
+              </a:extLst>
+            </p:cNvPr>
+            <p:cNvSpPr txBox="1"/>
+            <p:nvPr/>
+          </p:nvSpPr>
+          <p:spPr>
+            <a:xfrm>
+              <a:off x="3430961" y="1774176"/>
+              <a:ext cx="1885950" cy="830997"/>
+            </a:xfrm>
+            <a:prstGeom prst="rect">
+              <a:avLst/>
+            </a:prstGeom>
+            <a:noFill/>
+          </p:spPr>
+          <p:txBody>
+            <a:bodyPr wrap="square" rtlCol="0">
+              <a:spAutoFit/>
+            </a:bodyPr>
+            <a:lstStyle/>
+            <a:p>
+              <a:pPr algn="ctr"/>
+              <a:r>
+                <a:rPr lang="en-US" sz="2400" b="1" dirty="0">
+                  <a:solidFill>
+                    <a:schemeClr val="bg1"/>
+                  </a:solidFill>
+                  <a:latin typeface="Courier New" panose="02070309020205020404" pitchFamily="49" charset="0"/>
+                  <a:cs typeface="Courier New" panose="02070309020205020404" pitchFamily="49" charset="0"/>
+                </a:rPr>
+                <a:t>Resorts per State</a:t>
+              </a:r>
+            </a:p>
+          </p:txBody>
+        </p:sp>
+      </p:grpSp>
+      <p:grpSp>
+        <p:nvGrpSpPr>
+          <p:cNvPr id="21" name="Group 20">
+            <a:extLst>
+              <a:ext uri="{FF2B5EF4-FFF2-40B4-BE49-F238E27FC236}">
+                <a16:creationId xmlns:a16="http://schemas.microsoft.com/office/drawing/2014/main" id="{68C13B90-E3B7-E5A6-2A58-101EEE978F1D}"/>
+              </a:ext>
+            </a:extLst>
+          </p:cNvPr>
+          <p:cNvGrpSpPr/>
+          <p:nvPr/>
+        </p:nvGrpSpPr>
+        <p:grpSpPr>
+          <a:xfrm>
+            <a:off x="6951740" y="3556337"/>
+            <a:ext cx="2566147" cy="2286000"/>
+            <a:chOff x="3090863" y="1015663"/>
+            <a:chExt cx="2566147" cy="2286000"/>
+          </a:xfrm>
+        </p:grpSpPr>
+        <p:pic>
+          <p:nvPicPr>
+            <p:cNvPr id="22" name="Picture 4" descr="Manilla folder free vector | Download it now!">
+              <a:extLst>
+                <a:ext uri="{FF2B5EF4-FFF2-40B4-BE49-F238E27FC236}">
+                  <a16:creationId xmlns:a16="http://schemas.microsoft.com/office/drawing/2014/main" id="{110EF271-1C8F-701F-3545-8B90CE3DD02D}"/>
+                </a:ext>
+              </a:extLst>
+            </p:cNvPr>
+            <p:cNvPicPr>
+              <a:picLocks noChangeAspect="1" noChangeArrowheads="1"/>
+            </p:cNvPicPr>
+            <p:nvPr/>
+          </p:nvPicPr>
+          <p:blipFill>
+            <a:blip r:embed="rId3">
+              <a:extLst>
+                <a:ext uri="{28A0092B-C50C-407E-A947-70E740481C1C}">
+                  <a14:useLocalDpi xmlns:a14="http://schemas.microsoft.com/office/drawing/2010/main" val="0"/>
+                </a:ext>
+              </a:extLst>
+            </a:blip>
+            <a:srcRect/>
+            <a:stretch>
+              <a:fillRect/>
+            </a:stretch>
+          </p:blipFill>
+          <p:spPr bwMode="auto">
+            <a:xfrm>
+              <a:off x="3090863" y="1015663"/>
+              <a:ext cx="2566147" cy="2286000"/>
+            </a:xfrm>
+            <a:prstGeom prst="rect">
+              <a:avLst/>
+            </a:prstGeom>
+            <a:noFill/>
+            <a:extLst>
+              <a:ext uri="{909E8E84-426E-40DD-AFC4-6F175D3DCCD1}">
+                <a14:hiddenFill xmlns:a14="http://schemas.microsoft.com/office/drawing/2010/main">
+                  <a:solidFill>
+                    <a:srgbClr val="FFFFFF"/>
+                  </a:solidFill>
+                </a14:hiddenFill>
+              </a:ext>
+            </a:extLst>
+          </p:spPr>
+        </p:pic>
+        <p:sp>
+          <p:nvSpPr>
+            <p:cNvPr id="23" name="TextBox 22">
+              <a:extLst>
+                <a:ext uri="{FF2B5EF4-FFF2-40B4-BE49-F238E27FC236}">
+                  <a16:creationId xmlns:a16="http://schemas.microsoft.com/office/drawing/2014/main" id="{B59E45EC-0ED3-4D87-9709-9BE0EDFAE3E1}"/>
+                </a:ext>
+              </a:extLst>
+            </p:cNvPr>
+            <p:cNvSpPr txBox="1"/>
+            <p:nvPr/>
+          </p:nvSpPr>
+          <p:spPr>
+            <a:xfrm>
+              <a:off x="3430961" y="1743164"/>
+              <a:ext cx="1885950" cy="830997"/>
+            </a:xfrm>
+            <a:prstGeom prst="rect">
+              <a:avLst/>
+            </a:prstGeom>
+            <a:noFill/>
+          </p:spPr>
+          <p:txBody>
+            <a:bodyPr wrap="square" rtlCol="0">
+              <a:spAutoFit/>
+            </a:bodyPr>
+            <a:lstStyle/>
+            <a:p>
+              <a:pPr algn="ctr"/>
+              <a:r>
+                <a:rPr lang="en-US" sz="2400" b="1" dirty="0">
+                  <a:solidFill>
+                    <a:schemeClr val="bg1"/>
+                  </a:solidFill>
+                  <a:latin typeface="Courier New" panose="02070309020205020404" pitchFamily="49" charset="0"/>
+                  <a:cs typeface="Courier New" panose="02070309020205020404" pitchFamily="49" charset="0"/>
+                </a:rPr>
+                <a:t>Resorts per Area</a:t>
+              </a:r>
+            </a:p>
+          </p:txBody>
+        </p:sp>
+      </p:grpSp>
+      <p:cxnSp>
+        <p:nvCxnSpPr>
+          <p:cNvPr id="28" name="Straight Arrow Connector 27">
+            <a:extLst>
+              <a:ext uri="{FF2B5EF4-FFF2-40B4-BE49-F238E27FC236}">
+                <a16:creationId xmlns:a16="http://schemas.microsoft.com/office/drawing/2014/main" id="{68D1142C-50BD-04E1-C77B-B6224131D0F5}"/>
+              </a:ext>
+            </a:extLst>
+          </p:cNvPr>
+          <p:cNvCxnSpPr>
+            <a:stCxn id="13" idx="3"/>
+          </p:cNvCxnSpPr>
+          <p:nvPr/>
+        </p:nvCxnSpPr>
+        <p:spPr>
+          <a:xfrm flipV="1">
+            <a:off x="6096000" y="3428999"/>
+            <a:ext cx="3349841" cy="1"/>
+          </a:xfrm>
+          <a:prstGeom prst="straightConnector1">
+            <a:avLst/>
+          </a:prstGeom>
+          <a:ln w="76200">
+            <a:solidFill>
+              <a:schemeClr val="tx2"/>
+            </a:solidFill>
+            <a:tailEnd type="triangle"/>
+          </a:ln>
+        </p:spPr>
+        <p:style>
+          <a:lnRef idx="1">
+            <a:schemeClr val="accent1"/>
+          </a:lnRef>
+          <a:fillRef idx="0">
+            <a:schemeClr val="accent1"/>
+          </a:fillRef>
+          <a:effectRef idx="0">
+            <a:schemeClr val="accent1"/>
+          </a:effectRef>
+          <a:fontRef idx="minor">
+            <a:schemeClr val="tx1"/>
+          </a:fontRef>
+        </p:style>
+      </p:cxnSp>
+      <p:cxnSp>
+        <p:nvCxnSpPr>
+          <p:cNvPr id="30" name="Connector: Elbow 29">
+            <a:extLst>
+              <a:ext uri="{FF2B5EF4-FFF2-40B4-BE49-F238E27FC236}">
+                <a16:creationId xmlns:a16="http://schemas.microsoft.com/office/drawing/2014/main" id="{4EC92404-44BC-D47F-A918-C940FADF111A}"/>
+              </a:ext>
+            </a:extLst>
+          </p:cNvPr>
+          <p:cNvCxnSpPr>
+            <a:cxnSpLocks/>
+            <a:stCxn id="13" idx="3"/>
+            <a:endCxn id="16" idx="1"/>
+          </p:cNvCxnSpPr>
+          <p:nvPr/>
+        </p:nvCxnSpPr>
+        <p:spPr>
+          <a:xfrm flipV="1">
+            <a:off x="6096000" y="2286000"/>
+            <a:ext cx="855739" cy="1143000"/>
+          </a:xfrm>
+          <a:prstGeom prst="bentConnector3">
+            <a:avLst>
+              <a:gd name="adj1" fmla="val 50000"/>
+            </a:avLst>
+          </a:prstGeom>
+          <a:ln w="76200">
+            <a:solidFill>
+              <a:schemeClr val="tx2"/>
+            </a:solidFill>
+            <a:tailEnd type="triangle"/>
+          </a:ln>
+        </p:spPr>
+        <p:style>
+          <a:lnRef idx="1">
+            <a:schemeClr val="accent1"/>
+          </a:lnRef>
+          <a:fillRef idx="0">
+            <a:schemeClr val="accent1"/>
+          </a:fillRef>
+          <a:effectRef idx="0">
+            <a:schemeClr val="accent1"/>
+          </a:effectRef>
+          <a:fontRef idx="minor">
+            <a:schemeClr val="tx1"/>
+          </a:fontRef>
+        </p:style>
+      </p:cxnSp>
+      <p:cxnSp>
+        <p:nvCxnSpPr>
+          <p:cNvPr id="33" name="Connector: Elbow 32">
+            <a:extLst>
+              <a:ext uri="{FF2B5EF4-FFF2-40B4-BE49-F238E27FC236}">
+                <a16:creationId xmlns:a16="http://schemas.microsoft.com/office/drawing/2014/main" id="{45C21586-5799-E36B-FEA2-C3D46A6D6CF7}"/>
+              </a:ext>
+            </a:extLst>
+          </p:cNvPr>
+          <p:cNvCxnSpPr>
+            <a:cxnSpLocks/>
+            <a:stCxn id="13" idx="3"/>
+            <a:endCxn id="22" idx="1"/>
+          </p:cNvCxnSpPr>
+          <p:nvPr/>
+        </p:nvCxnSpPr>
+        <p:spPr>
+          <a:xfrm>
+            <a:off x="6096000" y="3429000"/>
+            <a:ext cx="855740" cy="1270337"/>
+          </a:xfrm>
+          <a:prstGeom prst="bentConnector3">
+            <a:avLst>
+              <a:gd name="adj1" fmla="val 50000"/>
+            </a:avLst>
+          </a:prstGeom>
+          <a:ln w="76200">
+            <a:solidFill>
+              <a:schemeClr val="tx2"/>
+            </a:solidFill>
+            <a:tailEnd type="triangle"/>
+          </a:ln>
+        </p:spPr>
+        <p:style>
+          <a:lnRef idx="1">
+            <a:schemeClr val="accent1"/>
+          </a:lnRef>
+          <a:fillRef idx="0">
+            <a:schemeClr val="accent1"/>
+          </a:fillRef>
+          <a:effectRef idx="0">
+            <a:schemeClr val="accent1"/>
+          </a:effectRef>
+          <a:fontRef idx="minor">
+            <a:schemeClr val="tx1"/>
+          </a:fontRef>
+        </p:style>
+      </p:cxnSp>
+      <p:cxnSp>
+        <p:nvCxnSpPr>
+          <p:cNvPr id="38" name="Connector: Elbow 37">
+            <a:extLst>
+              <a:ext uri="{FF2B5EF4-FFF2-40B4-BE49-F238E27FC236}">
+                <a16:creationId xmlns:a16="http://schemas.microsoft.com/office/drawing/2014/main" id="{F1AA5850-594A-9A57-C970-123F8CB92880}"/>
+              </a:ext>
+            </a:extLst>
+          </p:cNvPr>
+          <p:cNvCxnSpPr>
+            <a:cxnSpLocks/>
+            <a:stCxn id="1028" idx="3"/>
+            <a:endCxn id="13" idx="1"/>
+          </p:cNvCxnSpPr>
+          <p:nvPr/>
+        </p:nvCxnSpPr>
+        <p:spPr>
+          <a:xfrm>
+            <a:off x="2674113" y="2286000"/>
+            <a:ext cx="855740" cy="1143000"/>
+          </a:xfrm>
+          <a:prstGeom prst="bentConnector3">
+            <a:avLst>
+              <a:gd name="adj1" fmla="val 50000"/>
+            </a:avLst>
+          </a:prstGeom>
+          <a:ln w="76200">
+            <a:solidFill>
+              <a:schemeClr val="tx2"/>
+            </a:solidFill>
+            <a:tailEnd type="triangle"/>
+          </a:ln>
+        </p:spPr>
+        <p:style>
+          <a:lnRef idx="1">
+            <a:schemeClr val="accent1"/>
+          </a:lnRef>
+          <a:fillRef idx="0">
+            <a:schemeClr val="accent1"/>
+          </a:fillRef>
+          <a:effectRef idx="0">
+            <a:schemeClr val="accent1"/>
+          </a:effectRef>
+          <a:fontRef idx="minor">
+            <a:schemeClr val="tx1"/>
+          </a:fontRef>
+        </p:style>
+      </p:cxnSp>
+      <p:cxnSp>
+        <p:nvCxnSpPr>
+          <p:cNvPr id="41" name="Connector: Elbow 40">
+            <a:extLst>
+              <a:ext uri="{FF2B5EF4-FFF2-40B4-BE49-F238E27FC236}">
+                <a16:creationId xmlns:a16="http://schemas.microsoft.com/office/drawing/2014/main" id="{2766A180-1871-1951-54CF-5E6128DF7BE8}"/>
+              </a:ext>
+            </a:extLst>
+          </p:cNvPr>
+          <p:cNvCxnSpPr>
+            <a:cxnSpLocks/>
+            <a:stCxn id="10" idx="3"/>
+            <a:endCxn id="13" idx="1"/>
+          </p:cNvCxnSpPr>
+          <p:nvPr/>
+        </p:nvCxnSpPr>
+        <p:spPr>
+          <a:xfrm flipV="1">
+            <a:off x="2674113" y="3429000"/>
+            <a:ext cx="855740" cy="1270337"/>
+          </a:xfrm>
+          <a:prstGeom prst="bentConnector3">
+            <a:avLst>
+              <a:gd name="adj1" fmla="val 50000"/>
+            </a:avLst>
+          </a:prstGeom>
+          <a:ln w="76200">
+            <a:solidFill>
+              <a:schemeClr val="tx2"/>
+            </a:solidFill>
+            <a:tailEnd type="triangle"/>
+          </a:ln>
+        </p:spPr>
+        <p:style>
+          <a:lnRef idx="1">
+            <a:schemeClr val="accent1"/>
+          </a:lnRef>
+          <a:fillRef idx="0">
+            <a:schemeClr val="accent1"/>
+          </a:fillRef>
+          <a:effectRef idx="0">
+            <a:schemeClr val="accent1"/>
+          </a:effectRef>
+          <a:fontRef idx="minor">
+            <a:schemeClr val="tx1"/>
+          </a:fontRef>
+        </p:style>
+      </p:cxnSp>
     </p:spTree>
     <p:extLst>
       <p:ext uri="{BB962C8B-B14F-4D97-AF65-F5344CB8AC3E}">
@@ -5337,6 +7042,4502 @@
   <p:clrMapOvr>
     <a:masterClrMapping/>
   </p:clrMapOvr>
+  <p:timing>
+    <p:tnLst>
+      <p:par>
+        <p:cTn id="1" dur="indefinite" restart="never" nodeType="tmRoot">
+          <p:childTnLst>
+            <p:seq concurrent="1" nextAc="seek">
+              <p:cTn id="2" dur="indefinite" nodeType="mainSeq">
+                <p:childTnLst>
+                  <p:par>
+                    <p:cTn id="3" fill="hold">
+                      <p:stCondLst>
+                        <p:cond delay="indefinite"/>
+                      </p:stCondLst>
+                      <p:childTnLst>
+                        <p:par>
+                          <p:cTn id="4" fill="hold">
+                            <p:stCondLst>
+                              <p:cond delay="0"/>
+                            </p:stCondLst>
+                            <p:childTnLst>
+                              <p:par>
+                                <p:cTn id="5" presetID="10" presetClass="entr" presetSubtype="0" fill="hold" nodeType="clickEffect">
+                                  <p:stCondLst>
+                                    <p:cond delay="0"/>
+                                  </p:stCondLst>
+                                  <p:childTnLst>
+                                    <p:set>
+                                      <p:cBhvr>
+                                        <p:cTn id="6" dur="1" fill="hold">
+                                          <p:stCondLst>
+                                            <p:cond delay="0"/>
+                                          </p:stCondLst>
+                                        </p:cTn>
+                                        <p:tgtEl>
+                                          <p:spTgt spid="38"/>
+                                        </p:tgtEl>
+                                        <p:attrNameLst>
+                                          <p:attrName>style.visibility</p:attrName>
+                                        </p:attrNameLst>
+                                      </p:cBhvr>
+                                      <p:to>
+                                        <p:strVal val="visible"/>
+                                      </p:to>
+                                    </p:set>
+                                    <p:animEffect transition="in" filter="fade">
+                                      <p:cBhvr>
+                                        <p:cTn id="7" dur="500"/>
+                                        <p:tgtEl>
+                                          <p:spTgt spid="38"/>
+                                        </p:tgtEl>
+                                      </p:cBhvr>
+                                    </p:animEffect>
+                                  </p:childTnLst>
+                                </p:cTn>
+                              </p:par>
+                              <p:par>
+                                <p:cTn id="8" presetID="10" presetClass="entr" presetSubtype="0" fill="hold" nodeType="withEffect">
+                                  <p:stCondLst>
+                                    <p:cond delay="0"/>
+                                  </p:stCondLst>
+                                  <p:childTnLst>
+                                    <p:set>
+                                      <p:cBhvr>
+                                        <p:cTn id="9" dur="1" fill="hold">
+                                          <p:stCondLst>
+                                            <p:cond delay="0"/>
+                                          </p:stCondLst>
+                                        </p:cTn>
+                                        <p:tgtEl>
+                                          <p:spTgt spid="41"/>
+                                        </p:tgtEl>
+                                        <p:attrNameLst>
+                                          <p:attrName>style.visibility</p:attrName>
+                                        </p:attrNameLst>
+                                      </p:cBhvr>
+                                      <p:to>
+                                        <p:strVal val="visible"/>
+                                      </p:to>
+                                    </p:set>
+                                    <p:animEffect transition="in" filter="fade">
+                                      <p:cBhvr>
+                                        <p:cTn id="10" dur="500"/>
+                                        <p:tgtEl>
+                                          <p:spTgt spid="41"/>
+                                        </p:tgtEl>
+                                      </p:cBhvr>
+                                    </p:animEffect>
+                                  </p:childTnLst>
+                                </p:cTn>
+                              </p:par>
+                            </p:childTnLst>
+                          </p:cTn>
+                        </p:par>
+                        <p:par>
+                          <p:cTn id="11" fill="hold">
+                            <p:stCondLst>
+                              <p:cond delay="500"/>
+                            </p:stCondLst>
+                            <p:childTnLst>
+                              <p:par>
+                                <p:cTn id="12" presetID="10" presetClass="entr" presetSubtype="0" fill="hold" nodeType="afterEffect">
+                                  <p:stCondLst>
+                                    <p:cond delay="0"/>
+                                  </p:stCondLst>
+                                  <p:childTnLst>
+                                    <p:set>
+                                      <p:cBhvr>
+                                        <p:cTn id="13" dur="1" fill="hold">
+                                          <p:stCondLst>
+                                            <p:cond delay="0"/>
+                                          </p:stCondLst>
+                                        </p:cTn>
+                                        <p:tgtEl>
+                                          <p:spTgt spid="12"/>
+                                        </p:tgtEl>
+                                        <p:attrNameLst>
+                                          <p:attrName>style.visibility</p:attrName>
+                                        </p:attrNameLst>
+                                      </p:cBhvr>
+                                      <p:to>
+                                        <p:strVal val="visible"/>
+                                      </p:to>
+                                    </p:set>
+                                    <p:animEffect transition="in" filter="fade">
+                                      <p:cBhvr>
+                                        <p:cTn id="14" dur="500"/>
+                                        <p:tgtEl>
+                                          <p:spTgt spid="12"/>
+                                        </p:tgtEl>
+                                      </p:cBhvr>
+                                    </p:animEffect>
+                                  </p:childTnLst>
+                                </p:cTn>
+                              </p:par>
+                            </p:childTnLst>
+                          </p:cTn>
+                        </p:par>
+                      </p:childTnLst>
+                    </p:cTn>
+                  </p:par>
+                  <p:par>
+                    <p:cTn id="15" fill="hold">
+                      <p:stCondLst>
+                        <p:cond delay="indefinite"/>
+                      </p:stCondLst>
+                      <p:childTnLst>
+                        <p:par>
+                          <p:cTn id="16" fill="hold">
+                            <p:stCondLst>
+                              <p:cond delay="0"/>
+                            </p:stCondLst>
+                            <p:childTnLst>
+                              <p:par>
+                                <p:cTn id="17" presetID="10" presetClass="entr" presetSubtype="0" fill="hold" nodeType="clickEffect">
+                                  <p:stCondLst>
+                                    <p:cond delay="0"/>
+                                  </p:stCondLst>
+                                  <p:childTnLst>
+                                    <p:set>
+                                      <p:cBhvr>
+                                        <p:cTn id="18" dur="1" fill="hold">
+                                          <p:stCondLst>
+                                            <p:cond delay="0"/>
+                                          </p:stCondLst>
+                                        </p:cTn>
+                                        <p:tgtEl>
+                                          <p:spTgt spid="33"/>
+                                        </p:tgtEl>
+                                        <p:attrNameLst>
+                                          <p:attrName>style.visibility</p:attrName>
+                                        </p:attrNameLst>
+                                      </p:cBhvr>
+                                      <p:to>
+                                        <p:strVal val="visible"/>
+                                      </p:to>
+                                    </p:set>
+                                    <p:animEffect transition="in" filter="fade">
+                                      <p:cBhvr>
+                                        <p:cTn id="19" dur="500"/>
+                                        <p:tgtEl>
+                                          <p:spTgt spid="33"/>
+                                        </p:tgtEl>
+                                      </p:cBhvr>
+                                    </p:animEffect>
+                                  </p:childTnLst>
+                                </p:cTn>
+                              </p:par>
+                              <p:par>
+                                <p:cTn id="20" presetID="10" presetClass="entr" presetSubtype="0" fill="hold" nodeType="withEffect">
+                                  <p:stCondLst>
+                                    <p:cond delay="0"/>
+                                  </p:stCondLst>
+                                  <p:childTnLst>
+                                    <p:set>
+                                      <p:cBhvr>
+                                        <p:cTn id="21" dur="1" fill="hold">
+                                          <p:stCondLst>
+                                            <p:cond delay="0"/>
+                                          </p:stCondLst>
+                                        </p:cTn>
+                                        <p:tgtEl>
+                                          <p:spTgt spid="30"/>
+                                        </p:tgtEl>
+                                        <p:attrNameLst>
+                                          <p:attrName>style.visibility</p:attrName>
+                                        </p:attrNameLst>
+                                      </p:cBhvr>
+                                      <p:to>
+                                        <p:strVal val="visible"/>
+                                      </p:to>
+                                    </p:set>
+                                    <p:animEffect transition="in" filter="fade">
+                                      <p:cBhvr>
+                                        <p:cTn id="22" dur="500"/>
+                                        <p:tgtEl>
+                                          <p:spTgt spid="30"/>
+                                        </p:tgtEl>
+                                      </p:cBhvr>
+                                    </p:animEffect>
+                                  </p:childTnLst>
+                                </p:cTn>
+                              </p:par>
+                              <p:par>
+                                <p:cTn id="23" presetID="10" presetClass="entr" presetSubtype="0" fill="hold" nodeType="withEffect">
+                                  <p:stCondLst>
+                                    <p:cond delay="0"/>
+                                  </p:stCondLst>
+                                  <p:childTnLst>
+                                    <p:set>
+                                      <p:cBhvr>
+                                        <p:cTn id="24" dur="1" fill="hold">
+                                          <p:stCondLst>
+                                            <p:cond delay="0"/>
+                                          </p:stCondLst>
+                                        </p:cTn>
+                                        <p:tgtEl>
+                                          <p:spTgt spid="28"/>
+                                        </p:tgtEl>
+                                        <p:attrNameLst>
+                                          <p:attrName>style.visibility</p:attrName>
+                                        </p:attrNameLst>
+                                      </p:cBhvr>
+                                      <p:to>
+                                        <p:strVal val="visible"/>
+                                      </p:to>
+                                    </p:set>
+                                    <p:animEffect transition="in" filter="fade">
+                                      <p:cBhvr>
+                                        <p:cTn id="25" dur="500"/>
+                                        <p:tgtEl>
+                                          <p:spTgt spid="28"/>
+                                        </p:tgtEl>
+                                      </p:cBhvr>
+                                    </p:animEffect>
+                                  </p:childTnLst>
+                                </p:cTn>
+                              </p:par>
+                            </p:childTnLst>
+                          </p:cTn>
+                        </p:par>
+                        <p:par>
+                          <p:cTn id="26" fill="hold">
+                            <p:stCondLst>
+                              <p:cond delay="500"/>
+                            </p:stCondLst>
+                            <p:childTnLst>
+                              <p:par>
+                                <p:cTn id="27" presetID="10" presetClass="entr" presetSubtype="0" fill="hold" nodeType="afterEffect">
+                                  <p:stCondLst>
+                                    <p:cond delay="0"/>
+                                  </p:stCondLst>
+                                  <p:childTnLst>
+                                    <p:set>
+                                      <p:cBhvr>
+                                        <p:cTn id="28" dur="1" fill="hold">
+                                          <p:stCondLst>
+                                            <p:cond delay="0"/>
+                                          </p:stCondLst>
+                                        </p:cTn>
+                                        <p:tgtEl>
+                                          <p:spTgt spid="15"/>
+                                        </p:tgtEl>
+                                        <p:attrNameLst>
+                                          <p:attrName>style.visibility</p:attrName>
+                                        </p:attrNameLst>
+                                      </p:cBhvr>
+                                      <p:to>
+                                        <p:strVal val="visible"/>
+                                      </p:to>
+                                    </p:set>
+                                    <p:animEffect transition="in" filter="fade">
+                                      <p:cBhvr>
+                                        <p:cTn id="29" dur="500"/>
+                                        <p:tgtEl>
+                                          <p:spTgt spid="15"/>
+                                        </p:tgtEl>
+                                      </p:cBhvr>
+                                    </p:animEffect>
+                                  </p:childTnLst>
+                                </p:cTn>
+                              </p:par>
+                              <p:par>
+                                <p:cTn id="30" presetID="10" presetClass="entr" presetSubtype="0" fill="hold" nodeType="withEffect">
+                                  <p:stCondLst>
+                                    <p:cond delay="0"/>
+                                  </p:stCondLst>
+                                  <p:childTnLst>
+                                    <p:set>
+                                      <p:cBhvr>
+                                        <p:cTn id="31" dur="1" fill="hold">
+                                          <p:stCondLst>
+                                            <p:cond delay="0"/>
+                                          </p:stCondLst>
+                                        </p:cTn>
+                                        <p:tgtEl>
+                                          <p:spTgt spid="18"/>
+                                        </p:tgtEl>
+                                        <p:attrNameLst>
+                                          <p:attrName>style.visibility</p:attrName>
+                                        </p:attrNameLst>
+                                      </p:cBhvr>
+                                      <p:to>
+                                        <p:strVal val="visible"/>
+                                      </p:to>
+                                    </p:set>
+                                    <p:animEffect transition="in" filter="fade">
+                                      <p:cBhvr>
+                                        <p:cTn id="32" dur="500"/>
+                                        <p:tgtEl>
+                                          <p:spTgt spid="18"/>
+                                        </p:tgtEl>
+                                      </p:cBhvr>
+                                    </p:animEffect>
+                                  </p:childTnLst>
+                                </p:cTn>
+                              </p:par>
+                              <p:par>
+                                <p:cTn id="33" presetID="10" presetClass="entr" presetSubtype="0" fill="hold" nodeType="withEffect">
+                                  <p:stCondLst>
+                                    <p:cond delay="0"/>
+                                  </p:stCondLst>
+                                  <p:childTnLst>
+                                    <p:set>
+                                      <p:cBhvr>
+                                        <p:cTn id="34" dur="1" fill="hold">
+                                          <p:stCondLst>
+                                            <p:cond delay="0"/>
+                                          </p:stCondLst>
+                                        </p:cTn>
+                                        <p:tgtEl>
+                                          <p:spTgt spid="21"/>
+                                        </p:tgtEl>
+                                        <p:attrNameLst>
+                                          <p:attrName>style.visibility</p:attrName>
+                                        </p:attrNameLst>
+                                      </p:cBhvr>
+                                      <p:to>
+                                        <p:strVal val="visible"/>
+                                      </p:to>
+                                    </p:set>
+                                    <p:animEffect transition="in" filter="fade">
+                                      <p:cBhvr>
+                                        <p:cTn id="35" dur="500"/>
+                                        <p:tgtEl>
+                                          <p:spTgt spid="21"/>
+                                        </p:tgtEl>
+                                      </p:cBhvr>
+                                    </p:animEffect>
+                                  </p:childTnLst>
+                                </p:cTn>
+                              </p:par>
+                            </p:childTnLst>
+                          </p:cTn>
+                        </p:par>
+                      </p:childTnLst>
+                    </p:cTn>
+                  </p:par>
+                </p:childTnLst>
+              </p:cTn>
+              <p:prevCondLst>
+                <p:cond evt="onPrev" delay="0">
+                  <p:tgtEl>
+                    <p:sldTgt/>
+                  </p:tgtEl>
+                </p:cond>
+              </p:prevCondLst>
+              <p:nextCondLst>
+                <p:cond evt="onNext" delay="0">
+                  <p:tgtEl>
+                    <p:sldTgt/>
+                  </p:tgtEl>
+                </p:cond>
+              </p:nextCondLst>
+            </p:seq>
+          </p:childTnLst>
+        </p:cTn>
+      </p:par>
+    </p:tnLst>
+  </p:timing>
+</p:sld>
+</file>
+
+<file path=ppt/slides/slide6.xml><?xml version="1.0" encoding="utf-8"?>
+<p:sld xmlns:a="http://schemas.openxmlformats.org/drawingml/2006/main" xmlns:r="http://schemas.openxmlformats.org/officeDocument/2006/relationships" xmlns:p="http://schemas.openxmlformats.org/presentationml/2006/main">
+  <p:cSld>
+    <p:spTree>
+      <p:nvGrpSpPr>
+        <p:cNvPr id="1" name=""/>
+        <p:cNvGrpSpPr/>
+        <p:nvPr/>
+      </p:nvGrpSpPr>
+      <p:grpSpPr>
+        <a:xfrm>
+          <a:off x="0" y="0"/>
+          <a:ext cx="0" cy="0"/>
+          <a:chOff x="0" y="0"/>
+          <a:chExt cx="0" cy="0"/>
+        </a:xfrm>
+      </p:grpSpPr>
+      <p:pic>
+        <p:nvPicPr>
+          <p:cNvPr id="18" name="Picture 17" descr="Mountains Snow White - Free image on Pixabay">
+            <a:extLst>
+              <a:ext uri="{FF2B5EF4-FFF2-40B4-BE49-F238E27FC236}">
+                <a16:creationId xmlns:a16="http://schemas.microsoft.com/office/drawing/2014/main" id="{7317403C-D3B6-37F2-275B-5BF9E603FADA}"/>
+              </a:ext>
+            </a:extLst>
+          </p:cNvPr>
+          <p:cNvPicPr>
+            <a:picLocks noChangeAspect="1" noChangeArrowheads="1"/>
+          </p:cNvPicPr>
+          <p:nvPr/>
+        </p:nvPicPr>
+        <p:blipFill rotWithShape="1">
+          <a:blip r:embed="rId2">
+            <a:extLst>
+              <a:ext uri="{28A0092B-C50C-407E-A947-70E740481C1C}">
+                <a14:useLocalDpi xmlns:a14="http://schemas.microsoft.com/office/drawing/2010/main" val="0"/>
+              </a:ext>
+            </a:extLst>
+          </a:blip>
+          <a:srcRect t="15318" b="39775"/>
+          <a:stretch/>
+        </p:blipFill>
+        <p:spPr bwMode="auto">
+          <a:xfrm>
+            <a:off x="0" y="3209662"/>
+            <a:ext cx="12192000" cy="3648338"/>
+          </a:xfrm>
+          <a:prstGeom prst="rect">
+            <a:avLst/>
+          </a:prstGeom>
+          <a:noFill/>
+          <a:extLst>
+            <a:ext uri="{909E8E84-426E-40DD-AFC4-6F175D3DCCD1}">
+              <a14:hiddenFill xmlns:a14="http://schemas.microsoft.com/office/drawing/2010/main">
+                <a:solidFill>
+                  <a:srgbClr val="FFFFFF"/>
+                </a:solidFill>
+              </a14:hiddenFill>
+            </a:ext>
+          </a:extLst>
+        </p:spPr>
+      </p:pic>
+      <p:sp>
+        <p:nvSpPr>
+          <p:cNvPr id="2" name="TextBox 1">
+            <a:extLst>
+              <a:ext uri="{FF2B5EF4-FFF2-40B4-BE49-F238E27FC236}">
+                <a16:creationId xmlns:a16="http://schemas.microsoft.com/office/drawing/2014/main" id="{AEFE53F4-032D-4A7E-7F95-17EDC848C711}"/>
+              </a:ext>
+            </a:extLst>
+          </p:cNvPr>
+          <p:cNvSpPr txBox="1"/>
+          <p:nvPr/>
+        </p:nvSpPr>
+        <p:spPr>
+          <a:xfrm>
+            <a:off x="0" y="0"/>
+            <a:ext cx="12192000" cy="1015663"/>
+          </a:xfrm>
+          <a:prstGeom prst="rect">
+            <a:avLst/>
+          </a:prstGeom>
+          <a:noFill/>
+        </p:spPr>
+        <p:txBody>
+          <a:bodyPr wrap="square" rtlCol="0">
+            <a:spAutoFit/>
+          </a:bodyPr>
+          <a:lstStyle/>
+          <a:p>
+            <a:r>
+              <a:rPr lang="en-US" sz="2400" dirty="0">
+                <a:solidFill>
+                  <a:schemeClr val="accent1">
+                    <a:lumMod val="75000"/>
+                  </a:schemeClr>
+                </a:solidFill>
+                <a:latin typeface="Baskerville Old Face" panose="02020602080505020303" pitchFamily="18" charset="0"/>
+                <a:cs typeface="Biome" panose="020B0502040204020203" pitchFamily="34" charset="0"/>
+              </a:rPr>
+              <a:t>Model Results and Analysis</a:t>
+            </a:r>
+          </a:p>
+          <a:p>
+            <a:pPr algn="ctr"/>
+            <a:r>
+              <a:rPr lang="en-US" sz="3600" u="sng" dirty="0">
+                <a:solidFill>
+                  <a:schemeClr val="accent1">
+                    <a:lumMod val="40000"/>
+                    <a:lumOff val="60000"/>
+                  </a:schemeClr>
+                </a:solidFill>
+                <a:latin typeface="Baskerville Old Face" panose="02020602080505020303" pitchFamily="18" charset="0"/>
+                <a:cs typeface="Biome" panose="020B0502040204020203" pitchFamily="34" charset="0"/>
+              </a:rPr>
+              <a:t>Feature Correlation (Heat Map):</a:t>
+            </a:r>
+            <a:endParaRPr lang="en-US" sz="4800" dirty="0">
+              <a:latin typeface="Baskerville Old Face" panose="02020602080505020303" pitchFamily="18" charset="0"/>
+              <a:cs typeface="Biome" panose="020B0502040204020203" pitchFamily="34" charset="0"/>
+            </a:endParaRPr>
+          </a:p>
+        </p:txBody>
+      </p:sp>
+      <p:sp>
+        <p:nvSpPr>
+          <p:cNvPr id="4" name="Rectangle: Top Corners Rounded 3">
+            <a:extLst>
+              <a:ext uri="{FF2B5EF4-FFF2-40B4-BE49-F238E27FC236}">
+                <a16:creationId xmlns:a16="http://schemas.microsoft.com/office/drawing/2014/main" id="{29002CFD-9518-C66E-EB53-A91271B19EC9}"/>
+              </a:ext>
+            </a:extLst>
+          </p:cNvPr>
+          <p:cNvSpPr/>
+          <p:nvPr/>
+        </p:nvSpPr>
+        <p:spPr>
+          <a:xfrm>
+            <a:off x="6096001" y="1015663"/>
+            <a:ext cx="6096000" cy="5842337"/>
+          </a:xfrm>
+          <a:prstGeom prst="round2SameRect">
+            <a:avLst>
+              <a:gd name="adj1" fmla="val 4494"/>
+              <a:gd name="adj2" fmla="val 0"/>
+            </a:avLst>
+          </a:prstGeom>
+          <a:blipFill>
+            <a:blip r:embed="rId3"/>
+            <a:tile tx="0" ty="0" sx="100000" sy="100000" flip="none" algn="tl"/>
+          </a:blipFill>
+        </p:spPr>
+        <p:style>
+          <a:lnRef idx="2">
+            <a:schemeClr val="accent1">
+              <a:shade val="50000"/>
+            </a:schemeClr>
+          </a:lnRef>
+          <a:fillRef idx="1">
+            <a:schemeClr val="accent1"/>
+          </a:fillRef>
+          <a:effectRef idx="0">
+            <a:schemeClr val="accent1"/>
+          </a:effectRef>
+          <a:fontRef idx="minor">
+            <a:schemeClr val="lt1"/>
+          </a:fontRef>
+        </p:style>
+        <p:txBody>
+          <a:bodyPr rtlCol="0" anchor="ctr"/>
+          <a:lstStyle/>
+          <a:p>
+            <a:pPr algn="ctr"/>
+            <a:endParaRPr lang="en-US"/>
+          </a:p>
+        </p:txBody>
+      </p:sp>
+      <p:pic>
+        <p:nvPicPr>
+          <p:cNvPr id="2050" name="Picture 2">
+            <a:extLst>
+              <a:ext uri="{FF2B5EF4-FFF2-40B4-BE49-F238E27FC236}">
+                <a16:creationId xmlns:a16="http://schemas.microsoft.com/office/drawing/2014/main" id="{CD6F379B-BF68-B401-2212-9F3AE6909316}"/>
+              </a:ext>
+            </a:extLst>
+          </p:cNvPr>
+          <p:cNvPicPr>
+            <a:picLocks noChangeAspect="1" noChangeArrowheads="1"/>
+          </p:cNvPicPr>
+          <p:nvPr/>
+        </p:nvPicPr>
+        <p:blipFill>
+          <a:blip r:embed="rId4">
+            <a:extLst>
+              <a:ext uri="{28A0092B-C50C-407E-A947-70E740481C1C}">
+                <a14:useLocalDpi xmlns:a14="http://schemas.microsoft.com/office/drawing/2010/main" val="0"/>
+              </a:ext>
+            </a:extLst>
+          </a:blip>
+          <a:srcRect/>
+          <a:stretch>
+            <a:fillRect/>
+          </a:stretch>
+        </p:blipFill>
+        <p:spPr bwMode="auto">
+          <a:xfrm>
+            <a:off x="6192364" y="1273144"/>
+            <a:ext cx="5903273" cy="5327374"/>
+          </a:xfrm>
+          <a:prstGeom prst="rect">
+            <a:avLst/>
+          </a:prstGeom>
+          <a:ln w="38100" cap="sq">
+            <a:noFill/>
+            <a:prstDash val="solid"/>
+            <a:miter lim="800000"/>
+          </a:ln>
+          <a:effectLst>
+            <a:outerShdw blurRad="50800" dist="38100" dir="2700000" algn="tl" rotWithShape="0">
+              <a:srgbClr val="000000">
+                <a:alpha val="43000"/>
+              </a:srgbClr>
+            </a:outerShdw>
+          </a:effectLst>
+          <a:extLst>
+            <a:ext uri="{909E8E84-426E-40DD-AFC4-6F175D3DCCD1}">
+              <a14:hiddenFill xmlns:a14="http://schemas.microsoft.com/office/drawing/2010/main">
+                <a:solidFill>
+                  <a:srgbClr val="FFFFFF"/>
+                </a:solidFill>
+              </a14:hiddenFill>
+            </a:ext>
+          </a:extLst>
+        </p:spPr>
+      </p:pic>
+      <p:sp>
+        <p:nvSpPr>
+          <p:cNvPr id="5" name="Arrow: Right 4">
+            <a:extLst>
+              <a:ext uri="{FF2B5EF4-FFF2-40B4-BE49-F238E27FC236}">
+                <a16:creationId xmlns:a16="http://schemas.microsoft.com/office/drawing/2014/main" id="{DAF198C0-D22C-220A-08D0-F6CA784F3F10}"/>
+              </a:ext>
+            </a:extLst>
+          </p:cNvPr>
+          <p:cNvSpPr/>
+          <p:nvPr/>
+        </p:nvSpPr>
+        <p:spPr>
+          <a:xfrm>
+            <a:off x="5891665" y="3753035"/>
+            <a:ext cx="685800" cy="457200"/>
+          </a:xfrm>
+          <a:prstGeom prst="rightArrow">
+            <a:avLst/>
+          </a:prstGeom>
+        </p:spPr>
+        <p:style>
+          <a:lnRef idx="2">
+            <a:schemeClr val="accent1">
+              <a:shade val="50000"/>
+            </a:schemeClr>
+          </a:lnRef>
+          <a:fillRef idx="1">
+            <a:schemeClr val="accent1"/>
+          </a:fillRef>
+          <a:effectRef idx="0">
+            <a:schemeClr val="accent1"/>
+          </a:effectRef>
+          <a:fontRef idx="minor">
+            <a:schemeClr val="lt1"/>
+          </a:fontRef>
+        </p:style>
+        <p:txBody>
+          <a:bodyPr rtlCol="0" anchor="ctr"/>
+          <a:lstStyle/>
+          <a:p>
+            <a:pPr algn="ctr"/>
+            <a:endParaRPr lang="en-US"/>
+          </a:p>
+        </p:txBody>
+      </p:sp>
+      <p:sp>
+        <p:nvSpPr>
+          <p:cNvPr id="7" name="Rectangle 6">
+            <a:extLst>
+              <a:ext uri="{FF2B5EF4-FFF2-40B4-BE49-F238E27FC236}">
+                <a16:creationId xmlns:a16="http://schemas.microsoft.com/office/drawing/2014/main" id="{1675B731-5855-E275-4D84-BFF86D4AA120}"/>
+              </a:ext>
+            </a:extLst>
+          </p:cNvPr>
+          <p:cNvSpPr/>
+          <p:nvPr/>
+        </p:nvSpPr>
+        <p:spPr>
+          <a:xfrm>
+            <a:off x="6809173" y="3808520"/>
+            <a:ext cx="4669654" cy="346230"/>
+          </a:xfrm>
+          <a:prstGeom prst="rect">
+            <a:avLst/>
+          </a:prstGeom>
+          <a:noFill/>
+          <a:ln w="76200"/>
+        </p:spPr>
+        <p:style>
+          <a:lnRef idx="2">
+            <a:schemeClr val="accent1">
+              <a:shade val="50000"/>
+            </a:schemeClr>
+          </a:lnRef>
+          <a:fillRef idx="1">
+            <a:schemeClr val="accent1"/>
+          </a:fillRef>
+          <a:effectRef idx="0">
+            <a:schemeClr val="accent1"/>
+          </a:effectRef>
+          <a:fontRef idx="minor">
+            <a:schemeClr val="lt1"/>
+          </a:fontRef>
+        </p:style>
+        <p:txBody>
+          <a:bodyPr rtlCol="0" anchor="ctr"/>
+          <a:lstStyle/>
+          <a:p>
+            <a:pPr algn="ctr"/>
+            <a:endParaRPr lang="en-US"/>
+          </a:p>
+        </p:txBody>
+      </p:sp>
+      <p:sp>
+        <p:nvSpPr>
+          <p:cNvPr id="9" name="Rectangle 8">
+            <a:extLst>
+              <a:ext uri="{FF2B5EF4-FFF2-40B4-BE49-F238E27FC236}">
+                <a16:creationId xmlns:a16="http://schemas.microsoft.com/office/drawing/2014/main" id="{75A124E4-E27B-5F2A-DD4C-502AD2E30722}"/>
+              </a:ext>
+            </a:extLst>
+          </p:cNvPr>
+          <p:cNvSpPr/>
+          <p:nvPr/>
+        </p:nvSpPr>
+        <p:spPr>
+          <a:xfrm rot="5400000">
+            <a:off x="5390226" y="3434856"/>
+            <a:ext cx="4669654" cy="346230"/>
+          </a:xfrm>
+          <a:prstGeom prst="rect">
+            <a:avLst/>
+          </a:prstGeom>
+          <a:noFill/>
+          <a:ln w="76200"/>
+        </p:spPr>
+        <p:style>
+          <a:lnRef idx="2">
+            <a:schemeClr val="accent1">
+              <a:shade val="50000"/>
+            </a:schemeClr>
+          </a:lnRef>
+          <a:fillRef idx="1">
+            <a:schemeClr val="accent1"/>
+          </a:fillRef>
+          <a:effectRef idx="0">
+            <a:schemeClr val="accent1"/>
+          </a:effectRef>
+          <a:fontRef idx="minor">
+            <a:schemeClr val="lt1"/>
+          </a:fontRef>
+        </p:style>
+        <p:txBody>
+          <a:bodyPr rtlCol="0" anchor="ctr"/>
+          <a:lstStyle/>
+          <a:p>
+            <a:pPr algn="ctr"/>
+            <a:endParaRPr lang="en-US"/>
+          </a:p>
+        </p:txBody>
+      </p:sp>
+      <p:sp>
+        <p:nvSpPr>
+          <p:cNvPr id="10" name="Rectangle 9">
+            <a:extLst>
+              <a:ext uri="{FF2B5EF4-FFF2-40B4-BE49-F238E27FC236}">
+                <a16:creationId xmlns:a16="http://schemas.microsoft.com/office/drawing/2014/main" id="{4E61882D-3827-8ADB-54B3-867EBA2F010C}"/>
+              </a:ext>
+            </a:extLst>
+          </p:cNvPr>
+          <p:cNvSpPr/>
+          <p:nvPr/>
+        </p:nvSpPr>
+        <p:spPr>
+          <a:xfrm rot="5400000">
+            <a:off x="5922130" y="3434856"/>
+            <a:ext cx="4669654" cy="346230"/>
+          </a:xfrm>
+          <a:prstGeom prst="rect">
+            <a:avLst/>
+          </a:prstGeom>
+          <a:noFill/>
+          <a:ln w="76200"/>
+        </p:spPr>
+        <p:style>
+          <a:lnRef idx="2">
+            <a:schemeClr val="accent1">
+              <a:shade val="50000"/>
+            </a:schemeClr>
+          </a:lnRef>
+          <a:fillRef idx="1">
+            <a:schemeClr val="accent1"/>
+          </a:fillRef>
+          <a:effectRef idx="0">
+            <a:schemeClr val="accent1"/>
+          </a:effectRef>
+          <a:fontRef idx="minor">
+            <a:schemeClr val="lt1"/>
+          </a:fontRef>
+        </p:style>
+        <p:txBody>
+          <a:bodyPr rtlCol="0" anchor="ctr"/>
+          <a:lstStyle/>
+          <a:p>
+            <a:pPr algn="ctr"/>
+            <a:endParaRPr lang="en-US"/>
+          </a:p>
+        </p:txBody>
+      </p:sp>
+      <p:sp>
+        <p:nvSpPr>
+          <p:cNvPr id="11" name="Rectangle 10">
+            <a:extLst>
+              <a:ext uri="{FF2B5EF4-FFF2-40B4-BE49-F238E27FC236}">
+                <a16:creationId xmlns:a16="http://schemas.microsoft.com/office/drawing/2014/main" id="{F1B40100-74F3-29CF-51CD-A6BF2002345C}"/>
+              </a:ext>
+            </a:extLst>
+          </p:cNvPr>
+          <p:cNvSpPr/>
+          <p:nvPr/>
+        </p:nvSpPr>
+        <p:spPr>
+          <a:xfrm rot="5400000">
+            <a:off x="6731777" y="3434856"/>
+            <a:ext cx="4669654" cy="346230"/>
+          </a:xfrm>
+          <a:prstGeom prst="rect">
+            <a:avLst/>
+          </a:prstGeom>
+          <a:noFill/>
+          <a:ln w="76200"/>
+        </p:spPr>
+        <p:style>
+          <a:lnRef idx="2">
+            <a:schemeClr val="accent1">
+              <a:shade val="50000"/>
+            </a:schemeClr>
+          </a:lnRef>
+          <a:fillRef idx="1">
+            <a:schemeClr val="accent1"/>
+          </a:fillRef>
+          <a:effectRef idx="0">
+            <a:schemeClr val="accent1"/>
+          </a:effectRef>
+          <a:fontRef idx="minor">
+            <a:schemeClr val="lt1"/>
+          </a:fontRef>
+        </p:style>
+        <p:txBody>
+          <a:bodyPr rtlCol="0" anchor="ctr"/>
+          <a:lstStyle/>
+          <a:p>
+            <a:pPr algn="ctr"/>
+            <a:endParaRPr lang="en-US"/>
+          </a:p>
+        </p:txBody>
+      </p:sp>
+      <p:sp>
+        <p:nvSpPr>
+          <p:cNvPr id="12" name="Rectangle 11">
+            <a:extLst>
+              <a:ext uri="{FF2B5EF4-FFF2-40B4-BE49-F238E27FC236}">
+                <a16:creationId xmlns:a16="http://schemas.microsoft.com/office/drawing/2014/main" id="{2C2178BE-4BA7-722E-A96A-BE973FE37264}"/>
+              </a:ext>
+            </a:extLst>
+          </p:cNvPr>
+          <p:cNvSpPr/>
+          <p:nvPr/>
+        </p:nvSpPr>
+        <p:spPr>
+          <a:xfrm rot="5400000">
+            <a:off x="7221341" y="3434856"/>
+            <a:ext cx="4669654" cy="346230"/>
+          </a:xfrm>
+          <a:prstGeom prst="rect">
+            <a:avLst/>
+          </a:prstGeom>
+          <a:noFill/>
+          <a:ln w="76200"/>
+        </p:spPr>
+        <p:style>
+          <a:lnRef idx="2">
+            <a:schemeClr val="accent1">
+              <a:shade val="50000"/>
+            </a:schemeClr>
+          </a:lnRef>
+          <a:fillRef idx="1">
+            <a:schemeClr val="accent1"/>
+          </a:fillRef>
+          <a:effectRef idx="0">
+            <a:schemeClr val="accent1"/>
+          </a:effectRef>
+          <a:fontRef idx="minor">
+            <a:schemeClr val="lt1"/>
+          </a:fontRef>
+        </p:style>
+        <p:txBody>
+          <a:bodyPr rtlCol="0" anchor="ctr"/>
+          <a:lstStyle/>
+          <a:p>
+            <a:pPr algn="ctr"/>
+            <a:endParaRPr lang="en-US"/>
+          </a:p>
+        </p:txBody>
+      </p:sp>
+      <p:sp>
+        <p:nvSpPr>
+          <p:cNvPr id="13" name="Arrow: Right 12">
+            <a:extLst>
+              <a:ext uri="{FF2B5EF4-FFF2-40B4-BE49-F238E27FC236}">
+                <a16:creationId xmlns:a16="http://schemas.microsoft.com/office/drawing/2014/main" id="{36F20E96-A474-FD41-8F7C-812175DBAB1B}"/>
+              </a:ext>
+            </a:extLst>
+          </p:cNvPr>
+          <p:cNvSpPr/>
+          <p:nvPr/>
+        </p:nvSpPr>
+        <p:spPr>
+          <a:xfrm rot="16200000">
+            <a:off x="7382153" y="6157759"/>
+            <a:ext cx="685800" cy="457200"/>
+          </a:xfrm>
+          <a:prstGeom prst="rightArrow">
+            <a:avLst/>
+          </a:prstGeom>
+        </p:spPr>
+        <p:style>
+          <a:lnRef idx="2">
+            <a:schemeClr val="accent1">
+              <a:shade val="50000"/>
+            </a:schemeClr>
+          </a:lnRef>
+          <a:fillRef idx="1">
+            <a:schemeClr val="accent1"/>
+          </a:fillRef>
+          <a:effectRef idx="0">
+            <a:schemeClr val="accent1"/>
+          </a:effectRef>
+          <a:fontRef idx="minor">
+            <a:schemeClr val="lt1"/>
+          </a:fontRef>
+        </p:style>
+        <p:txBody>
+          <a:bodyPr rtlCol="0" anchor="ctr"/>
+          <a:lstStyle/>
+          <a:p>
+            <a:pPr algn="ctr"/>
+            <a:endParaRPr lang="en-US"/>
+          </a:p>
+        </p:txBody>
+      </p:sp>
+      <p:sp>
+        <p:nvSpPr>
+          <p:cNvPr id="14" name="Arrow: Right 13">
+            <a:extLst>
+              <a:ext uri="{FF2B5EF4-FFF2-40B4-BE49-F238E27FC236}">
+                <a16:creationId xmlns:a16="http://schemas.microsoft.com/office/drawing/2014/main" id="{4645DE21-9A8F-9540-609E-52555AE20312}"/>
+              </a:ext>
+            </a:extLst>
+          </p:cNvPr>
+          <p:cNvSpPr/>
+          <p:nvPr/>
+        </p:nvSpPr>
+        <p:spPr>
+          <a:xfrm rot="16200000">
+            <a:off x="7914057" y="6157759"/>
+            <a:ext cx="685800" cy="457200"/>
+          </a:xfrm>
+          <a:prstGeom prst="rightArrow">
+            <a:avLst/>
+          </a:prstGeom>
+        </p:spPr>
+        <p:style>
+          <a:lnRef idx="2">
+            <a:schemeClr val="accent1">
+              <a:shade val="50000"/>
+            </a:schemeClr>
+          </a:lnRef>
+          <a:fillRef idx="1">
+            <a:schemeClr val="accent1"/>
+          </a:fillRef>
+          <a:effectRef idx="0">
+            <a:schemeClr val="accent1"/>
+          </a:effectRef>
+          <a:fontRef idx="minor">
+            <a:schemeClr val="lt1"/>
+          </a:fontRef>
+        </p:style>
+        <p:txBody>
+          <a:bodyPr rtlCol="0" anchor="ctr"/>
+          <a:lstStyle/>
+          <a:p>
+            <a:pPr algn="ctr"/>
+            <a:endParaRPr lang="en-US"/>
+          </a:p>
+        </p:txBody>
+      </p:sp>
+      <p:sp>
+        <p:nvSpPr>
+          <p:cNvPr id="15" name="Arrow: Right 14">
+            <a:extLst>
+              <a:ext uri="{FF2B5EF4-FFF2-40B4-BE49-F238E27FC236}">
+                <a16:creationId xmlns:a16="http://schemas.microsoft.com/office/drawing/2014/main" id="{41FC3E92-A400-1D2D-BF17-73CA1DEF7B60}"/>
+              </a:ext>
+            </a:extLst>
+          </p:cNvPr>
+          <p:cNvSpPr/>
+          <p:nvPr/>
+        </p:nvSpPr>
+        <p:spPr>
+          <a:xfrm rot="16200000">
+            <a:off x="8723704" y="6157759"/>
+            <a:ext cx="685800" cy="457200"/>
+          </a:xfrm>
+          <a:prstGeom prst="rightArrow">
+            <a:avLst/>
+          </a:prstGeom>
+        </p:spPr>
+        <p:style>
+          <a:lnRef idx="2">
+            <a:schemeClr val="accent1">
+              <a:shade val="50000"/>
+            </a:schemeClr>
+          </a:lnRef>
+          <a:fillRef idx="1">
+            <a:schemeClr val="accent1"/>
+          </a:fillRef>
+          <a:effectRef idx="0">
+            <a:schemeClr val="accent1"/>
+          </a:effectRef>
+          <a:fontRef idx="minor">
+            <a:schemeClr val="lt1"/>
+          </a:fontRef>
+        </p:style>
+        <p:txBody>
+          <a:bodyPr rtlCol="0" anchor="ctr"/>
+          <a:lstStyle/>
+          <a:p>
+            <a:pPr algn="ctr"/>
+            <a:endParaRPr lang="en-US"/>
+          </a:p>
+        </p:txBody>
+      </p:sp>
+      <p:sp>
+        <p:nvSpPr>
+          <p:cNvPr id="16" name="Arrow: Right 15">
+            <a:extLst>
+              <a:ext uri="{FF2B5EF4-FFF2-40B4-BE49-F238E27FC236}">
+                <a16:creationId xmlns:a16="http://schemas.microsoft.com/office/drawing/2014/main" id="{58F64274-71E0-E71E-0B7A-134F3043D904}"/>
+              </a:ext>
+            </a:extLst>
+          </p:cNvPr>
+          <p:cNvSpPr/>
+          <p:nvPr/>
+        </p:nvSpPr>
+        <p:spPr>
+          <a:xfrm rot="16200000">
+            <a:off x="9213268" y="6157759"/>
+            <a:ext cx="685800" cy="457200"/>
+          </a:xfrm>
+          <a:prstGeom prst="rightArrow">
+            <a:avLst/>
+          </a:prstGeom>
+        </p:spPr>
+        <p:style>
+          <a:lnRef idx="2">
+            <a:schemeClr val="accent1">
+              <a:shade val="50000"/>
+            </a:schemeClr>
+          </a:lnRef>
+          <a:fillRef idx="1">
+            <a:schemeClr val="accent1"/>
+          </a:fillRef>
+          <a:effectRef idx="0">
+            <a:schemeClr val="accent1"/>
+          </a:effectRef>
+          <a:fontRef idx="minor">
+            <a:schemeClr val="lt1"/>
+          </a:fontRef>
+        </p:style>
+        <p:txBody>
+          <a:bodyPr rtlCol="0" anchor="ctr"/>
+          <a:lstStyle/>
+          <a:p>
+            <a:pPr algn="ctr"/>
+            <a:endParaRPr lang="en-US"/>
+          </a:p>
+        </p:txBody>
+      </p:sp>
+      <p:sp>
+        <p:nvSpPr>
+          <p:cNvPr id="8" name="TextBox 7">
+            <a:extLst>
+              <a:ext uri="{FF2B5EF4-FFF2-40B4-BE49-F238E27FC236}">
+                <a16:creationId xmlns:a16="http://schemas.microsoft.com/office/drawing/2014/main" id="{38610794-D07B-6E2E-5EA9-C6E58B711455}"/>
+              </a:ext>
+            </a:extLst>
+          </p:cNvPr>
+          <p:cNvSpPr txBox="1"/>
+          <p:nvPr/>
+        </p:nvSpPr>
+        <p:spPr>
+          <a:xfrm>
+            <a:off x="96363" y="1273144"/>
+            <a:ext cx="5856304" cy="5755422"/>
+          </a:xfrm>
+          <a:prstGeom prst="rect">
+            <a:avLst/>
+          </a:prstGeom>
+          <a:noFill/>
+        </p:spPr>
+        <p:txBody>
+          <a:bodyPr wrap="square" rtlCol="0">
+            <a:spAutoFit/>
+          </a:bodyPr>
+          <a:lstStyle/>
+          <a:p>
+            <a:r>
+              <a:rPr lang="en-US" sz="2400" u="sng" dirty="0"/>
+              <a:t>Relevant Correlations with Ticket Price:</a:t>
+            </a:r>
+          </a:p>
+          <a:p>
+            <a:pPr marL="342900" indent="-342900">
+              <a:buFont typeface="Arial" panose="020B0604020202020204" pitchFamily="34" charset="0"/>
+              <a:buChar char="•"/>
+            </a:pPr>
+            <a:r>
+              <a:rPr lang="en-US" sz="3200" dirty="0"/>
+              <a:t>Vertical change in elevation from the summit to the base. (</a:t>
+            </a:r>
+            <a:r>
+              <a:rPr lang="en-US" sz="3200" dirty="0" err="1"/>
+              <a:t>vertical_drop</a:t>
+            </a:r>
+            <a:r>
+              <a:rPr lang="en-US" sz="3200" dirty="0"/>
+              <a:t>)</a:t>
+            </a:r>
+          </a:p>
+          <a:p>
+            <a:pPr marL="342900" indent="-342900">
+              <a:buFont typeface="Arial" panose="020B0604020202020204" pitchFamily="34" charset="0"/>
+              <a:buChar char="•"/>
+            </a:pPr>
+            <a:r>
+              <a:rPr lang="en-US" sz="3200" dirty="0"/>
+              <a:t>Number of fast four-person chairs. (</a:t>
+            </a:r>
+            <a:r>
+              <a:rPr lang="en-US" sz="3200" dirty="0" err="1"/>
+              <a:t>fastQuads</a:t>
+            </a:r>
+            <a:r>
+              <a:rPr lang="en-US" sz="3200" dirty="0"/>
+              <a:t>)</a:t>
+            </a:r>
+          </a:p>
+          <a:p>
+            <a:pPr marL="342900" indent="-342900">
+              <a:buFont typeface="Arial" panose="020B0604020202020204" pitchFamily="34" charset="0"/>
+              <a:buChar char="•"/>
+            </a:pPr>
+            <a:r>
+              <a:rPr lang="en-US" sz="3200" dirty="0"/>
+              <a:t>The number of runs on the resort. (Runs)</a:t>
+            </a:r>
+          </a:p>
+          <a:p>
+            <a:pPr marL="342900" indent="-342900">
+              <a:buFont typeface="Arial" panose="020B0604020202020204" pitchFamily="34" charset="0"/>
+              <a:buChar char="•"/>
+            </a:pPr>
+            <a:r>
+              <a:rPr lang="en-US" sz="3200" dirty="0"/>
+              <a:t>Total area covered by snow-making machines. (Snow </a:t>
+            </a:r>
+            <a:r>
+              <a:rPr lang="en-US" sz="3200" dirty="0" err="1"/>
+              <a:t>Making_ac</a:t>
+            </a:r>
+            <a:r>
+              <a:rPr lang="en-US" sz="3200" dirty="0"/>
+              <a:t>)</a:t>
+            </a:r>
+          </a:p>
+          <a:p>
+            <a:pPr marL="342900" indent="-342900">
+              <a:buFont typeface="Arial" panose="020B0604020202020204" pitchFamily="34" charset="0"/>
+              <a:buChar char="•"/>
+            </a:pPr>
+            <a:endParaRPr lang="en-US" sz="2400" dirty="0"/>
+          </a:p>
+        </p:txBody>
+      </p:sp>
+    </p:spTree>
+    <p:extLst>
+      <p:ext uri="{BB962C8B-B14F-4D97-AF65-F5344CB8AC3E}">
+        <p14:creationId xmlns:p14="http://schemas.microsoft.com/office/powerpoint/2010/main" val="1139486170"/>
+      </p:ext>
+    </p:extLst>
+  </p:cSld>
+  <p:clrMapOvr>
+    <a:masterClrMapping/>
+  </p:clrMapOvr>
+  <p:timing>
+    <p:tnLst>
+      <p:par>
+        <p:cTn id="1" dur="indefinite" restart="never" nodeType="tmRoot">
+          <p:childTnLst>
+            <p:seq concurrent="1" nextAc="seek">
+              <p:cTn id="2" dur="indefinite" nodeType="mainSeq">
+                <p:childTnLst>
+                  <p:par>
+                    <p:cTn id="3" fill="hold">
+                      <p:stCondLst>
+                        <p:cond delay="indefinite"/>
+                      </p:stCondLst>
+                      <p:childTnLst>
+                        <p:par>
+                          <p:cTn id="4" fill="hold">
+                            <p:stCondLst>
+                              <p:cond delay="0"/>
+                            </p:stCondLst>
+                            <p:childTnLst>
+                              <p:par>
+                                <p:cTn id="5" presetID="10" presetClass="entr" presetSubtype="0" fill="hold" nodeType="clickEffect">
+                                  <p:stCondLst>
+                                    <p:cond delay="0"/>
+                                  </p:stCondLst>
+                                  <p:childTnLst>
+                                    <p:set>
+                                      <p:cBhvr>
+                                        <p:cTn id="6" dur="1" fill="hold">
+                                          <p:stCondLst>
+                                            <p:cond delay="0"/>
+                                          </p:stCondLst>
+                                        </p:cTn>
+                                        <p:tgtEl>
+                                          <p:spTgt spid="8">
+                                            <p:txEl>
+                                              <p:pRg st="0" end="0"/>
+                                            </p:txEl>
+                                          </p:spTgt>
+                                        </p:tgtEl>
+                                        <p:attrNameLst>
+                                          <p:attrName>style.visibility</p:attrName>
+                                        </p:attrNameLst>
+                                      </p:cBhvr>
+                                      <p:to>
+                                        <p:strVal val="visible"/>
+                                      </p:to>
+                                    </p:set>
+                                    <p:animEffect transition="in" filter="fade">
+                                      <p:cBhvr>
+                                        <p:cTn id="7" dur="500"/>
+                                        <p:tgtEl>
+                                          <p:spTgt spid="8">
+                                            <p:txEl>
+                                              <p:pRg st="0" end="0"/>
+                                            </p:txEl>
+                                          </p:spTgt>
+                                        </p:tgtEl>
+                                      </p:cBhvr>
+                                    </p:animEffect>
+                                  </p:childTnLst>
+                                </p:cTn>
+                              </p:par>
+                            </p:childTnLst>
+                          </p:cTn>
+                        </p:par>
+                        <p:par>
+                          <p:cTn id="8" fill="hold">
+                            <p:stCondLst>
+                              <p:cond delay="500"/>
+                            </p:stCondLst>
+                            <p:childTnLst>
+                              <p:par>
+                                <p:cTn id="9" presetID="10" presetClass="entr" presetSubtype="0" fill="hold" grpId="0" nodeType="afterEffect">
+                                  <p:stCondLst>
+                                    <p:cond delay="0"/>
+                                  </p:stCondLst>
+                                  <p:childTnLst>
+                                    <p:set>
+                                      <p:cBhvr>
+                                        <p:cTn id="10" dur="1" fill="hold">
+                                          <p:stCondLst>
+                                            <p:cond delay="0"/>
+                                          </p:stCondLst>
+                                        </p:cTn>
+                                        <p:tgtEl>
+                                          <p:spTgt spid="5"/>
+                                        </p:tgtEl>
+                                        <p:attrNameLst>
+                                          <p:attrName>style.visibility</p:attrName>
+                                        </p:attrNameLst>
+                                      </p:cBhvr>
+                                      <p:to>
+                                        <p:strVal val="visible"/>
+                                      </p:to>
+                                    </p:set>
+                                    <p:animEffect transition="in" filter="fade">
+                                      <p:cBhvr>
+                                        <p:cTn id="11" dur="500"/>
+                                        <p:tgtEl>
+                                          <p:spTgt spid="5"/>
+                                        </p:tgtEl>
+                                      </p:cBhvr>
+                                    </p:animEffect>
+                                  </p:childTnLst>
+                                </p:cTn>
+                              </p:par>
+                              <p:par>
+                                <p:cTn id="12" presetID="10" presetClass="entr" presetSubtype="0" fill="hold" grpId="0" nodeType="withEffect">
+                                  <p:stCondLst>
+                                    <p:cond delay="0"/>
+                                  </p:stCondLst>
+                                  <p:childTnLst>
+                                    <p:set>
+                                      <p:cBhvr>
+                                        <p:cTn id="13" dur="1" fill="hold">
+                                          <p:stCondLst>
+                                            <p:cond delay="0"/>
+                                          </p:stCondLst>
+                                        </p:cTn>
+                                        <p:tgtEl>
+                                          <p:spTgt spid="7"/>
+                                        </p:tgtEl>
+                                        <p:attrNameLst>
+                                          <p:attrName>style.visibility</p:attrName>
+                                        </p:attrNameLst>
+                                      </p:cBhvr>
+                                      <p:to>
+                                        <p:strVal val="visible"/>
+                                      </p:to>
+                                    </p:set>
+                                    <p:animEffect transition="in" filter="fade">
+                                      <p:cBhvr>
+                                        <p:cTn id="14" dur="500"/>
+                                        <p:tgtEl>
+                                          <p:spTgt spid="7"/>
+                                        </p:tgtEl>
+                                      </p:cBhvr>
+                                    </p:animEffect>
+                                  </p:childTnLst>
+                                </p:cTn>
+                              </p:par>
+                            </p:childTnLst>
+                          </p:cTn>
+                        </p:par>
+                      </p:childTnLst>
+                    </p:cTn>
+                  </p:par>
+                  <p:par>
+                    <p:cTn id="15" fill="hold">
+                      <p:stCondLst>
+                        <p:cond delay="indefinite"/>
+                      </p:stCondLst>
+                      <p:childTnLst>
+                        <p:par>
+                          <p:cTn id="16" fill="hold">
+                            <p:stCondLst>
+                              <p:cond delay="0"/>
+                            </p:stCondLst>
+                            <p:childTnLst>
+                              <p:par>
+                                <p:cTn id="17" presetID="10" presetClass="entr" presetSubtype="0" fill="hold" grpId="0" nodeType="clickEffect">
+                                  <p:stCondLst>
+                                    <p:cond delay="0"/>
+                                  </p:stCondLst>
+                                  <p:childTnLst>
+                                    <p:set>
+                                      <p:cBhvr>
+                                        <p:cTn id="18" dur="1" fill="hold">
+                                          <p:stCondLst>
+                                            <p:cond delay="0"/>
+                                          </p:stCondLst>
+                                        </p:cTn>
+                                        <p:tgtEl>
+                                          <p:spTgt spid="13"/>
+                                        </p:tgtEl>
+                                        <p:attrNameLst>
+                                          <p:attrName>style.visibility</p:attrName>
+                                        </p:attrNameLst>
+                                      </p:cBhvr>
+                                      <p:to>
+                                        <p:strVal val="visible"/>
+                                      </p:to>
+                                    </p:set>
+                                    <p:animEffect transition="in" filter="fade">
+                                      <p:cBhvr>
+                                        <p:cTn id="19" dur="500"/>
+                                        <p:tgtEl>
+                                          <p:spTgt spid="13"/>
+                                        </p:tgtEl>
+                                      </p:cBhvr>
+                                    </p:animEffect>
+                                  </p:childTnLst>
+                                </p:cTn>
+                              </p:par>
+                              <p:par>
+                                <p:cTn id="20" presetID="10" presetClass="entr" presetSubtype="0" fill="hold" grpId="0" nodeType="withEffect">
+                                  <p:stCondLst>
+                                    <p:cond delay="0"/>
+                                  </p:stCondLst>
+                                  <p:childTnLst>
+                                    <p:set>
+                                      <p:cBhvr>
+                                        <p:cTn id="21" dur="1" fill="hold">
+                                          <p:stCondLst>
+                                            <p:cond delay="0"/>
+                                          </p:stCondLst>
+                                        </p:cTn>
+                                        <p:tgtEl>
+                                          <p:spTgt spid="9"/>
+                                        </p:tgtEl>
+                                        <p:attrNameLst>
+                                          <p:attrName>style.visibility</p:attrName>
+                                        </p:attrNameLst>
+                                      </p:cBhvr>
+                                      <p:to>
+                                        <p:strVal val="visible"/>
+                                      </p:to>
+                                    </p:set>
+                                    <p:animEffect transition="in" filter="fade">
+                                      <p:cBhvr>
+                                        <p:cTn id="22" dur="500"/>
+                                        <p:tgtEl>
+                                          <p:spTgt spid="9"/>
+                                        </p:tgtEl>
+                                      </p:cBhvr>
+                                    </p:animEffect>
+                                  </p:childTnLst>
+                                </p:cTn>
+                              </p:par>
+                            </p:childTnLst>
+                          </p:cTn>
+                        </p:par>
+                        <p:par>
+                          <p:cTn id="23" fill="hold">
+                            <p:stCondLst>
+                              <p:cond delay="500"/>
+                            </p:stCondLst>
+                            <p:childTnLst>
+                              <p:par>
+                                <p:cTn id="24" presetID="10" presetClass="entr" presetSubtype="0" fill="hold" nodeType="afterEffect">
+                                  <p:stCondLst>
+                                    <p:cond delay="0"/>
+                                  </p:stCondLst>
+                                  <p:childTnLst>
+                                    <p:set>
+                                      <p:cBhvr>
+                                        <p:cTn id="25" dur="1" fill="hold">
+                                          <p:stCondLst>
+                                            <p:cond delay="0"/>
+                                          </p:stCondLst>
+                                        </p:cTn>
+                                        <p:tgtEl>
+                                          <p:spTgt spid="8">
+                                            <p:txEl>
+                                              <p:pRg st="1" end="1"/>
+                                            </p:txEl>
+                                          </p:spTgt>
+                                        </p:tgtEl>
+                                        <p:attrNameLst>
+                                          <p:attrName>style.visibility</p:attrName>
+                                        </p:attrNameLst>
+                                      </p:cBhvr>
+                                      <p:to>
+                                        <p:strVal val="visible"/>
+                                      </p:to>
+                                    </p:set>
+                                    <p:animEffect transition="in" filter="fade">
+                                      <p:cBhvr>
+                                        <p:cTn id="26" dur="500"/>
+                                        <p:tgtEl>
+                                          <p:spTgt spid="8">
+                                            <p:txEl>
+                                              <p:pRg st="1" end="1"/>
+                                            </p:txEl>
+                                          </p:spTgt>
+                                        </p:tgtEl>
+                                      </p:cBhvr>
+                                    </p:animEffect>
+                                  </p:childTnLst>
+                                </p:cTn>
+                              </p:par>
+                            </p:childTnLst>
+                          </p:cTn>
+                        </p:par>
+                      </p:childTnLst>
+                    </p:cTn>
+                  </p:par>
+                  <p:par>
+                    <p:cTn id="27" fill="hold">
+                      <p:stCondLst>
+                        <p:cond delay="indefinite"/>
+                      </p:stCondLst>
+                      <p:childTnLst>
+                        <p:par>
+                          <p:cTn id="28" fill="hold">
+                            <p:stCondLst>
+                              <p:cond delay="0"/>
+                            </p:stCondLst>
+                            <p:childTnLst>
+                              <p:par>
+                                <p:cTn id="29" presetID="10" presetClass="entr" presetSubtype="0" fill="hold" grpId="0" nodeType="clickEffect">
+                                  <p:stCondLst>
+                                    <p:cond delay="0"/>
+                                  </p:stCondLst>
+                                  <p:childTnLst>
+                                    <p:set>
+                                      <p:cBhvr>
+                                        <p:cTn id="30" dur="1" fill="hold">
+                                          <p:stCondLst>
+                                            <p:cond delay="0"/>
+                                          </p:stCondLst>
+                                        </p:cTn>
+                                        <p:tgtEl>
+                                          <p:spTgt spid="14"/>
+                                        </p:tgtEl>
+                                        <p:attrNameLst>
+                                          <p:attrName>style.visibility</p:attrName>
+                                        </p:attrNameLst>
+                                      </p:cBhvr>
+                                      <p:to>
+                                        <p:strVal val="visible"/>
+                                      </p:to>
+                                    </p:set>
+                                    <p:animEffect transition="in" filter="fade">
+                                      <p:cBhvr>
+                                        <p:cTn id="31" dur="500"/>
+                                        <p:tgtEl>
+                                          <p:spTgt spid="14"/>
+                                        </p:tgtEl>
+                                      </p:cBhvr>
+                                    </p:animEffect>
+                                  </p:childTnLst>
+                                </p:cTn>
+                              </p:par>
+                              <p:par>
+                                <p:cTn id="32" presetID="10" presetClass="entr" presetSubtype="0" fill="hold" grpId="0" nodeType="withEffect">
+                                  <p:stCondLst>
+                                    <p:cond delay="0"/>
+                                  </p:stCondLst>
+                                  <p:childTnLst>
+                                    <p:set>
+                                      <p:cBhvr>
+                                        <p:cTn id="33" dur="1" fill="hold">
+                                          <p:stCondLst>
+                                            <p:cond delay="0"/>
+                                          </p:stCondLst>
+                                        </p:cTn>
+                                        <p:tgtEl>
+                                          <p:spTgt spid="10"/>
+                                        </p:tgtEl>
+                                        <p:attrNameLst>
+                                          <p:attrName>style.visibility</p:attrName>
+                                        </p:attrNameLst>
+                                      </p:cBhvr>
+                                      <p:to>
+                                        <p:strVal val="visible"/>
+                                      </p:to>
+                                    </p:set>
+                                    <p:animEffect transition="in" filter="fade">
+                                      <p:cBhvr>
+                                        <p:cTn id="34" dur="500"/>
+                                        <p:tgtEl>
+                                          <p:spTgt spid="10"/>
+                                        </p:tgtEl>
+                                      </p:cBhvr>
+                                    </p:animEffect>
+                                  </p:childTnLst>
+                                </p:cTn>
+                              </p:par>
+                            </p:childTnLst>
+                          </p:cTn>
+                        </p:par>
+                        <p:par>
+                          <p:cTn id="35" fill="hold">
+                            <p:stCondLst>
+                              <p:cond delay="500"/>
+                            </p:stCondLst>
+                            <p:childTnLst>
+                              <p:par>
+                                <p:cTn id="36" presetID="10" presetClass="entr" presetSubtype="0" fill="hold" nodeType="afterEffect">
+                                  <p:stCondLst>
+                                    <p:cond delay="0"/>
+                                  </p:stCondLst>
+                                  <p:childTnLst>
+                                    <p:set>
+                                      <p:cBhvr>
+                                        <p:cTn id="37" dur="1" fill="hold">
+                                          <p:stCondLst>
+                                            <p:cond delay="0"/>
+                                          </p:stCondLst>
+                                        </p:cTn>
+                                        <p:tgtEl>
+                                          <p:spTgt spid="8">
+                                            <p:txEl>
+                                              <p:pRg st="2" end="2"/>
+                                            </p:txEl>
+                                          </p:spTgt>
+                                        </p:tgtEl>
+                                        <p:attrNameLst>
+                                          <p:attrName>style.visibility</p:attrName>
+                                        </p:attrNameLst>
+                                      </p:cBhvr>
+                                      <p:to>
+                                        <p:strVal val="visible"/>
+                                      </p:to>
+                                    </p:set>
+                                    <p:animEffect transition="in" filter="fade">
+                                      <p:cBhvr>
+                                        <p:cTn id="38" dur="500"/>
+                                        <p:tgtEl>
+                                          <p:spTgt spid="8">
+                                            <p:txEl>
+                                              <p:pRg st="2" end="2"/>
+                                            </p:txEl>
+                                          </p:spTgt>
+                                        </p:tgtEl>
+                                      </p:cBhvr>
+                                    </p:animEffect>
+                                  </p:childTnLst>
+                                </p:cTn>
+                              </p:par>
+                              <p:par>
+                                <p:cTn id="39" presetID="42" presetClass="exit" presetSubtype="0" fill="hold" nodeType="withEffect">
+                                  <p:stCondLst>
+                                    <p:cond delay="0"/>
+                                  </p:stCondLst>
+                                  <p:childTnLst>
+                                    <p:animEffect transition="out" filter="fade">
+                                      <p:cBhvr>
+                                        <p:cTn id="40" dur="1000"/>
+                                        <p:tgtEl>
+                                          <p:spTgt spid="18"/>
+                                        </p:tgtEl>
+                                      </p:cBhvr>
+                                    </p:animEffect>
+                                    <p:anim calcmode="lin" valueType="num">
+                                      <p:cBhvr>
+                                        <p:cTn id="41" dur="1000"/>
+                                        <p:tgtEl>
+                                          <p:spTgt spid="18"/>
+                                        </p:tgtEl>
+                                        <p:attrNameLst>
+                                          <p:attrName>ppt_x</p:attrName>
+                                        </p:attrNameLst>
+                                      </p:cBhvr>
+                                      <p:tavLst>
+                                        <p:tav tm="0">
+                                          <p:val>
+                                            <p:strVal val="ppt_x"/>
+                                          </p:val>
+                                        </p:tav>
+                                        <p:tav tm="100000">
+                                          <p:val>
+                                            <p:strVal val="ppt_x"/>
+                                          </p:val>
+                                        </p:tav>
+                                      </p:tavLst>
+                                    </p:anim>
+                                    <p:anim calcmode="lin" valueType="num">
+                                      <p:cBhvr>
+                                        <p:cTn id="42" dur="1000"/>
+                                        <p:tgtEl>
+                                          <p:spTgt spid="18"/>
+                                        </p:tgtEl>
+                                        <p:attrNameLst>
+                                          <p:attrName>ppt_y</p:attrName>
+                                        </p:attrNameLst>
+                                      </p:cBhvr>
+                                      <p:tavLst>
+                                        <p:tav tm="0">
+                                          <p:val>
+                                            <p:strVal val="ppt_y"/>
+                                          </p:val>
+                                        </p:tav>
+                                        <p:tav tm="100000">
+                                          <p:val>
+                                            <p:strVal val="ppt_y+.1"/>
+                                          </p:val>
+                                        </p:tav>
+                                      </p:tavLst>
+                                    </p:anim>
+                                    <p:set>
+                                      <p:cBhvr>
+                                        <p:cTn id="43" dur="1" fill="hold">
+                                          <p:stCondLst>
+                                            <p:cond delay="999"/>
+                                          </p:stCondLst>
+                                        </p:cTn>
+                                        <p:tgtEl>
+                                          <p:spTgt spid="18"/>
+                                        </p:tgtEl>
+                                        <p:attrNameLst>
+                                          <p:attrName>style.visibility</p:attrName>
+                                        </p:attrNameLst>
+                                      </p:cBhvr>
+                                      <p:to>
+                                        <p:strVal val="hidden"/>
+                                      </p:to>
+                                    </p:set>
+                                  </p:childTnLst>
+                                </p:cTn>
+                              </p:par>
+                            </p:childTnLst>
+                          </p:cTn>
+                        </p:par>
+                      </p:childTnLst>
+                    </p:cTn>
+                  </p:par>
+                  <p:par>
+                    <p:cTn id="44" fill="hold">
+                      <p:stCondLst>
+                        <p:cond delay="indefinite"/>
+                      </p:stCondLst>
+                      <p:childTnLst>
+                        <p:par>
+                          <p:cTn id="45" fill="hold">
+                            <p:stCondLst>
+                              <p:cond delay="0"/>
+                            </p:stCondLst>
+                            <p:childTnLst>
+                              <p:par>
+                                <p:cTn id="46" presetID="10" presetClass="entr" presetSubtype="0" fill="hold" grpId="0" nodeType="clickEffect">
+                                  <p:stCondLst>
+                                    <p:cond delay="0"/>
+                                  </p:stCondLst>
+                                  <p:childTnLst>
+                                    <p:set>
+                                      <p:cBhvr>
+                                        <p:cTn id="47" dur="1" fill="hold">
+                                          <p:stCondLst>
+                                            <p:cond delay="0"/>
+                                          </p:stCondLst>
+                                        </p:cTn>
+                                        <p:tgtEl>
+                                          <p:spTgt spid="15"/>
+                                        </p:tgtEl>
+                                        <p:attrNameLst>
+                                          <p:attrName>style.visibility</p:attrName>
+                                        </p:attrNameLst>
+                                      </p:cBhvr>
+                                      <p:to>
+                                        <p:strVal val="visible"/>
+                                      </p:to>
+                                    </p:set>
+                                    <p:animEffect transition="in" filter="fade">
+                                      <p:cBhvr>
+                                        <p:cTn id="48" dur="500"/>
+                                        <p:tgtEl>
+                                          <p:spTgt spid="15"/>
+                                        </p:tgtEl>
+                                      </p:cBhvr>
+                                    </p:animEffect>
+                                  </p:childTnLst>
+                                </p:cTn>
+                              </p:par>
+                              <p:par>
+                                <p:cTn id="49" presetID="10" presetClass="entr" presetSubtype="0" fill="hold" grpId="0" nodeType="withEffect">
+                                  <p:stCondLst>
+                                    <p:cond delay="0"/>
+                                  </p:stCondLst>
+                                  <p:childTnLst>
+                                    <p:set>
+                                      <p:cBhvr>
+                                        <p:cTn id="50" dur="1" fill="hold">
+                                          <p:stCondLst>
+                                            <p:cond delay="0"/>
+                                          </p:stCondLst>
+                                        </p:cTn>
+                                        <p:tgtEl>
+                                          <p:spTgt spid="11"/>
+                                        </p:tgtEl>
+                                        <p:attrNameLst>
+                                          <p:attrName>style.visibility</p:attrName>
+                                        </p:attrNameLst>
+                                      </p:cBhvr>
+                                      <p:to>
+                                        <p:strVal val="visible"/>
+                                      </p:to>
+                                    </p:set>
+                                    <p:animEffect transition="in" filter="fade">
+                                      <p:cBhvr>
+                                        <p:cTn id="51" dur="500"/>
+                                        <p:tgtEl>
+                                          <p:spTgt spid="11"/>
+                                        </p:tgtEl>
+                                      </p:cBhvr>
+                                    </p:animEffect>
+                                  </p:childTnLst>
+                                </p:cTn>
+                              </p:par>
+                            </p:childTnLst>
+                          </p:cTn>
+                        </p:par>
+                        <p:par>
+                          <p:cTn id="52" fill="hold">
+                            <p:stCondLst>
+                              <p:cond delay="500"/>
+                            </p:stCondLst>
+                            <p:childTnLst>
+                              <p:par>
+                                <p:cTn id="53" presetID="10" presetClass="entr" presetSubtype="0" fill="hold" nodeType="afterEffect">
+                                  <p:stCondLst>
+                                    <p:cond delay="0"/>
+                                  </p:stCondLst>
+                                  <p:childTnLst>
+                                    <p:set>
+                                      <p:cBhvr>
+                                        <p:cTn id="54" dur="1" fill="hold">
+                                          <p:stCondLst>
+                                            <p:cond delay="0"/>
+                                          </p:stCondLst>
+                                        </p:cTn>
+                                        <p:tgtEl>
+                                          <p:spTgt spid="8">
+                                            <p:txEl>
+                                              <p:pRg st="3" end="3"/>
+                                            </p:txEl>
+                                          </p:spTgt>
+                                        </p:tgtEl>
+                                        <p:attrNameLst>
+                                          <p:attrName>style.visibility</p:attrName>
+                                        </p:attrNameLst>
+                                      </p:cBhvr>
+                                      <p:to>
+                                        <p:strVal val="visible"/>
+                                      </p:to>
+                                    </p:set>
+                                    <p:animEffect transition="in" filter="fade">
+                                      <p:cBhvr>
+                                        <p:cTn id="55" dur="500"/>
+                                        <p:tgtEl>
+                                          <p:spTgt spid="8">
+                                            <p:txEl>
+                                              <p:pRg st="3" end="3"/>
+                                            </p:txEl>
+                                          </p:spTgt>
+                                        </p:tgtEl>
+                                      </p:cBhvr>
+                                    </p:animEffect>
+                                  </p:childTnLst>
+                                </p:cTn>
+                              </p:par>
+                            </p:childTnLst>
+                          </p:cTn>
+                        </p:par>
+                      </p:childTnLst>
+                    </p:cTn>
+                  </p:par>
+                  <p:par>
+                    <p:cTn id="56" fill="hold">
+                      <p:stCondLst>
+                        <p:cond delay="indefinite"/>
+                      </p:stCondLst>
+                      <p:childTnLst>
+                        <p:par>
+                          <p:cTn id="57" fill="hold">
+                            <p:stCondLst>
+                              <p:cond delay="0"/>
+                            </p:stCondLst>
+                            <p:childTnLst>
+                              <p:par>
+                                <p:cTn id="58" presetID="10" presetClass="entr" presetSubtype="0" fill="hold" grpId="0" nodeType="clickEffect">
+                                  <p:stCondLst>
+                                    <p:cond delay="0"/>
+                                  </p:stCondLst>
+                                  <p:childTnLst>
+                                    <p:set>
+                                      <p:cBhvr>
+                                        <p:cTn id="59" dur="1" fill="hold">
+                                          <p:stCondLst>
+                                            <p:cond delay="0"/>
+                                          </p:stCondLst>
+                                        </p:cTn>
+                                        <p:tgtEl>
+                                          <p:spTgt spid="16"/>
+                                        </p:tgtEl>
+                                        <p:attrNameLst>
+                                          <p:attrName>style.visibility</p:attrName>
+                                        </p:attrNameLst>
+                                      </p:cBhvr>
+                                      <p:to>
+                                        <p:strVal val="visible"/>
+                                      </p:to>
+                                    </p:set>
+                                    <p:animEffect transition="in" filter="fade">
+                                      <p:cBhvr>
+                                        <p:cTn id="60" dur="500"/>
+                                        <p:tgtEl>
+                                          <p:spTgt spid="16"/>
+                                        </p:tgtEl>
+                                      </p:cBhvr>
+                                    </p:animEffect>
+                                  </p:childTnLst>
+                                </p:cTn>
+                              </p:par>
+                              <p:par>
+                                <p:cTn id="61" presetID="10" presetClass="entr" presetSubtype="0" fill="hold" grpId="0" nodeType="withEffect">
+                                  <p:stCondLst>
+                                    <p:cond delay="0"/>
+                                  </p:stCondLst>
+                                  <p:childTnLst>
+                                    <p:set>
+                                      <p:cBhvr>
+                                        <p:cTn id="62" dur="1" fill="hold">
+                                          <p:stCondLst>
+                                            <p:cond delay="0"/>
+                                          </p:stCondLst>
+                                        </p:cTn>
+                                        <p:tgtEl>
+                                          <p:spTgt spid="12"/>
+                                        </p:tgtEl>
+                                        <p:attrNameLst>
+                                          <p:attrName>style.visibility</p:attrName>
+                                        </p:attrNameLst>
+                                      </p:cBhvr>
+                                      <p:to>
+                                        <p:strVal val="visible"/>
+                                      </p:to>
+                                    </p:set>
+                                    <p:animEffect transition="in" filter="fade">
+                                      <p:cBhvr>
+                                        <p:cTn id="63" dur="500"/>
+                                        <p:tgtEl>
+                                          <p:spTgt spid="12"/>
+                                        </p:tgtEl>
+                                      </p:cBhvr>
+                                    </p:animEffect>
+                                  </p:childTnLst>
+                                </p:cTn>
+                              </p:par>
+                            </p:childTnLst>
+                          </p:cTn>
+                        </p:par>
+                        <p:par>
+                          <p:cTn id="64" fill="hold">
+                            <p:stCondLst>
+                              <p:cond delay="500"/>
+                            </p:stCondLst>
+                            <p:childTnLst>
+                              <p:par>
+                                <p:cTn id="65" presetID="10" presetClass="entr" presetSubtype="0" fill="hold" nodeType="afterEffect">
+                                  <p:stCondLst>
+                                    <p:cond delay="0"/>
+                                  </p:stCondLst>
+                                  <p:childTnLst>
+                                    <p:set>
+                                      <p:cBhvr>
+                                        <p:cTn id="66" dur="1" fill="hold">
+                                          <p:stCondLst>
+                                            <p:cond delay="0"/>
+                                          </p:stCondLst>
+                                        </p:cTn>
+                                        <p:tgtEl>
+                                          <p:spTgt spid="8">
+                                            <p:txEl>
+                                              <p:pRg st="4" end="4"/>
+                                            </p:txEl>
+                                          </p:spTgt>
+                                        </p:tgtEl>
+                                        <p:attrNameLst>
+                                          <p:attrName>style.visibility</p:attrName>
+                                        </p:attrNameLst>
+                                      </p:cBhvr>
+                                      <p:to>
+                                        <p:strVal val="visible"/>
+                                      </p:to>
+                                    </p:set>
+                                    <p:animEffect transition="in" filter="fade">
+                                      <p:cBhvr>
+                                        <p:cTn id="67" dur="500"/>
+                                        <p:tgtEl>
+                                          <p:spTgt spid="8">
+                                            <p:txEl>
+                                              <p:pRg st="4" end="4"/>
+                                            </p:txEl>
+                                          </p:spTgt>
+                                        </p:tgtEl>
+                                      </p:cBhvr>
+                                    </p:animEffect>
+                                  </p:childTnLst>
+                                </p:cTn>
+                              </p:par>
+                            </p:childTnLst>
+                          </p:cTn>
+                        </p:par>
+                      </p:childTnLst>
+                    </p:cTn>
+                  </p:par>
+                </p:childTnLst>
+              </p:cTn>
+              <p:prevCondLst>
+                <p:cond evt="onPrev" delay="0">
+                  <p:tgtEl>
+                    <p:sldTgt/>
+                  </p:tgtEl>
+                </p:cond>
+              </p:prevCondLst>
+              <p:nextCondLst>
+                <p:cond evt="onNext" delay="0">
+                  <p:tgtEl>
+                    <p:sldTgt/>
+                  </p:tgtEl>
+                </p:cond>
+              </p:nextCondLst>
+            </p:seq>
+          </p:childTnLst>
+        </p:cTn>
+      </p:par>
+    </p:tnLst>
+    <p:bldLst>
+      <p:bldP spid="5" grpId="0" animBg="1"/>
+      <p:bldP spid="7" grpId="0" animBg="1"/>
+      <p:bldP spid="9" grpId="0" animBg="1"/>
+      <p:bldP spid="10" grpId="0" animBg="1"/>
+      <p:bldP spid="11" grpId="0" animBg="1"/>
+      <p:bldP spid="12" grpId="0" animBg="1"/>
+      <p:bldP spid="13" grpId="0" animBg="1"/>
+      <p:bldP spid="14" grpId="0" animBg="1"/>
+      <p:bldP spid="15" grpId="0" animBg="1"/>
+      <p:bldP spid="16" grpId="0" animBg="1"/>
+    </p:bldLst>
+  </p:timing>
+</p:sld>
+</file>
+
+<file path=ppt/slides/slide7.xml><?xml version="1.0" encoding="utf-8"?>
+<p:sld xmlns:a="http://schemas.openxmlformats.org/drawingml/2006/main" xmlns:r="http://schemas.openxmlformats.org/officeDocument/2006/relationships" xmlns:p="http://schemas.openxmlformats.org/presentationml/2006/main">
+  <p:cSld>
+    <p:spTree>
+      <p:nvGrpSpPr>
+        <p:cNvPr id="1" name=""/>
+        <p:cNvGrpSpPr/>
+        <p:nvPr/>
+      </p:nvGrpSpPr>
+      <p:grpSpPr>
+        <a:xfrm>
+          <a:off x="0" y="0"/>
+          <a:ext cx="0" cy="0"/>
+          <a:chOff x="0" y="0"/>
+          <a:chExt cx="0" cy="0"/>
+        </a:xfrm>
+      </p:grpSpPr>
+      <p:pic>
+        <p:nvPicPr>
+          <p:cNvPr id="10" name="Picture 9" descr="Mountains Snow White - Free image on Pixabay">
+            <a:extLst>
+              <a:ext uri="{FF2B5EF4-FFF2-40B4-BE49-F238E27FC236}">
+                <a16:creationId xmlns:a16="http://schemas.microsoft.com/office/drawing/2014/main" id="{27272637-17F7-A173-C7C0-7F2187597C0F}"/>
+              </a:ext>
+            </a:extLst>
+          </p:cNvPr>
+          <p:cNvPicPr>
+            <a:picLocks noChangeAspect="1" noChangeArrowheads="1"/>
+          </p:cNvPicPr>
+          <p:nvPr/>
+        </p:nvPicPr>
+        <p:blipFill rotWithShape="1">
+          <a:blip r:embed="rId2">
+            <a:extLst>
+              <a:ext uri="{28A0092B-C50C-407E-A947-70E740481C1C}">
+                <a14:useLocalDpi xmlns:a14="http://schemas.microsoft.com/office/drawing/2010/main" val="0"/>
+              </a:ext>
+            </a:extLst>
+          </a:blip>
+          <a:srcRect t="15318" b="39775"/>
+          <a:stretch/>
+        </p:blipFill>
+        <p:spPr bwMode="auto">
+          <a:xfrm>
+            <a:off x="0" y="3209662"/>
+            <a:ext cx="12192000" cy="3648338"/>
+          </a:xfrm>
+          <a:prstGeom prst="rect">
+            <a:avLst/>
+          </a:prstGeom>
+          <a:noFill/>
+          <a:extLst>
+            <a:ext uri="{909E8E84-426E-40DD-AFC4-6F175D3DCCD1}">
+              <a14:hiddenFill xmlns:a14="http://schemas.microsoft.com/office/drawing/2010/main">
+                <a:solidFill>
+                  <a:srgbClr val="FFFFFF"/>
+                </a:solidFill>
+              </a14:hiddenFill>
+            </a:ext>
+          </a:extLst>
+        </p:spPr>
+      </p:pic>
+      <p:sp>
+        <p:nvSpPr>
+          <p:cNvPr id="7" name="Oval 6">
+            <a:extLst>
+              <a:ext uri="{FF2B5EF4-FFF2-40B4-BE49-F238E27FC236}">
+                <a16:creationId xmlns:a16="http://schemas.microsoft.com/office/drawing/2014/main" id="{DDE172C2-EEF5-D2E7-4AF0-ADE3E0A2512D}"/>
+              </a:ext>
+            </a:extLst>
+          </p:cNvPr>
+          <p:cNvSpPr/>
+          <p:nvPr/>
+        </p:nvSpPr>
+        <p:spPr>
+          <a:xfrm>
+            <a:off x="4724400" y="1810512"/>
+            <a:ext cx="2743200" cy="457200"/>
+          </a:xfrm>
+          <a:prstGeom prst="ellipse">
+            <a:avLst/>
+          </a:prstGeom>
+        </p:spPr>
+        <p:style>
+          <a:lnRef idx="2">
+            <a:schemeClr val="accent1">
+              <a:shade val="50000"/>
+            </a:schemeClr>
+          </a:lnRef>
+          <a:fillRef idx="1">
+            <a:schemeClr val="accent1"/>
+          </a:fillRef>
+          <a:effectRef idx="0">
+            <a:schemeClr val="accent1"/>
+          </a:effectRef>
+          <a:fontRef idx="minor">
+            <a:schemeClr val="lt1"/>
+          </a:fontRef>
+        </p:style>
+        <p:txBody>
+          <a:bodyPr rtlCol="0" anchor="ctr"/>
+          <a:lstStyle/>
+          <a:p>
+            <a:pPr algn="ctr"/>
+            <a:r>
+              <a:rPr lang="en-US" dirty="0"/>
+              <a:t>Big Mountain Data</a:t>
+            </a:r>
+          </a:p>
+        </p:txBody>
+      </p:sp>
+      <p:sp>
+        <p:nvSpPr>
+          <p:cNvPr id="5" name="Rectangle 4">
+            <a:extLst>
+              <a:ext uri="{FF2B5EF4-FFF2-40B4-BE49-F238E27FC236}">
+                <a16:creationId xmlns:a16="http://schemas.microsoft.com/office/drawing/2014/main" id="{06F461AB-EBB1-362F-C332-084FB95674D0}"/>
+              </a:ext>
+            </a:extLst>
+          </p:cNvPr>
+          <p:cNvSpPr/>
+          <p:nvPr/>
+        </p:nvSpPr>
+        <p:spPr>
+          <a:xfrm rot="16200000">
+            <a:off x="3581400" y="2286000"/>
+            <a:ext cx="3657600" cy="2286000"/>
+          </a:xfrm>
+          <a:prstGeom prst="rect">
+            <a:avLst/>
+          </a:prstGeom>
+        </p:spPr>
+        <p:style>
+          <a:lnRef idx="2">
+            <a:schemeClr val="accent1">
+              <a:shade val="50000"/>
+            </a:schemeClr>
+          </a:lnRef>
+          <a:fillRef idx="1">
+            <a:schemeClr val="accent1"/>
+          </a:fillRef>
+          <a:effectRef idx="0">
+            <a:schemeClr val="accent1"/>
+          </a:effectRef>
+          <a:fontRef idx="minor">
+            <a:schemeClr val="lt1"/>
+          </a:fontRef>
+        </p:style>
+        <p:txBody>
+          <a:bodyPr rtlCol="0" anchor="ctr"/>
+          <a:lstStyle/>
+          <a:p>
+            <a:pPr algn="ctr"/>
+            <a:r>
+              <a:rPr lang="en-US" sz="4000" dirty="0"/>
+              <a:t>Training Data</a:t>
+            </a:r>
+          </a:p>
+        </p:txBody>
+      </p:sp>
+      <p:sp>
+        <p:nvSpPr>
+          <p:cNvPr id="6" name="Rectangle 5">
+            <a:extLst>
+              <a:ext uri="{FF2B5EF4-FFF2-40B4-BE49-F238E27FC236}">
+                <a16:creationId xmlns:a16="http://schemas.microsoft.com/office/drawing/2014/main" id="{4688EE9A-DA5B-EDF2-7DB6-73C7C0DF141E}"/>
+              </a:ext>
+            </a:extLst>
+          </p:cNvPr>
+          <p:cNvSpPr/>
+          <p:nvPr/>
+        </p:nvSpPr>
+        <p:spPr>
+          <a:xfrm rot="5400000">
+            <a:off x="5410200" y="2743200"/>
+            <a:ext cx="3657600" cy="1371600"/>
+          </a:xfrm>
+          <a:prstGeom prst="rect">
+            <a:avLst/>
+          </a:prstGeom>
+        </p:spPr>
+        <p:style>
+          <a:lnRef idx="2">
+            <a:schemeClr val="accent1">
+              <a:shade val="50000"/>
+            </a:schemeClr>
+          </a:lnRef>
+          <a:fillRef idx="1">
+            <a:schemeClr val="accent1"/>
+          </a:fillRef>
+          <a:effectRef idx="0">
+            <a:schemeClr val="accent1"/>
+          </a:effectRef>
+          <a:fontRef idx="minor">
+            <a:schemeClr val="lt1"/>
+          </a:fontRef>
+        </p:style>
+        <p:txBody>
+          <a:bodyPr rtlCol="0" anchor="ctr"/>
+          <a:lstStyle/>
+          <a:p>
+            <a:pPr algn="ctr"/>
+            <a:r>
+              <a:rPr lang="en-US" sz="4000" dirty="0"/>
+              <a:t>Testing Data</a:t>
+            </a:r>
+          </a:p>
+        </p:txBody>
+      </p:sp>
+      <p:sp>
+        <p:nvSpPr>
+          <p:cNvPr id="2" name="TextBox 1">
+            <a:extLst>
+              <a:ext uri="{FF2B5EF4-FFF2-40B4-BE49-F238E27FC236}">
+                <a16:creationId xmlns:a16="http://schemas.microsoft.com/office/drawing/2014/main" id="{BD00DF6A-BC80-D98D-4C5D-1E89FFCCB2C1}"/>
+              </a:ext>
+            </a:extLst>
+          </p:cNvPr>
+          <p:cNvSpPr txBox="1"/>
+          <p:nvPr/>
+        </p:nvSpPr>
+        <p:spPr>
+          <a:xfrm>
+            <a:off x="0" y="0"/>
+            <a:ext cx="12192000" cy="1015663"/>
+          </a:xfrm>
+          <a:prstGeom prst="rect">
+            <a:avLst/>
+          </a:prstGeom>
+          <a:noFill/>
+        </p:spPr>
+        <p:txBody>
+          <a:bodyPr wrap="square" rtlCol="0">
+            <a:spAutoFit/>
+          </a:bodyPr>
+          <a:lstStyle/>
+          <a:p>
+            <a:r>
+              <a:rPr lang="en-US" sz="2400" dirty="0">
+                <a:solidFill>
+                  <a:schemeClr val="accent1">
+                    <a:lumMod val="75000"/>
+                  </a:schemeClr>
+                </a:solidFill>
+                <a:latin typeface="Baskerville Old Face" panose="02020602080505020303" pitchFamily="18" charset="0"/>
+                <a:cs typeface="Biome" panose="020B0502040204020203" pitchFamily="34" charset="0"/>
+              </a:rPr>
+              <a:t>Model Results and Analysis</a:t>
+            </a:r>
+          </a:p>
+          <a:p>
+            <a:pPr algn="ctr"/>
+            <a:r>
+              <a:rPr lang="en-US" sz="3600" u="sng" dirty="0">
+                <a:solidFill>
+                  <a:schemeClr val="accent1">
+                    <a:lumMod val="40000"/>
+                    <a:lumOff val="60000"/>
+                  </a:schemeClr>
+                </a:solidFill>
+                <a:latin typeface="Baskerville Old Face" panose="02020602080505020303" pitchFamily="18" charset="0"/>
+                <a:cs typeface="Biome" panose="020B0502040204020203" pitchFamily="34" charset="0"/>
+              </a:rPr>
+              <a:t>Training the Model With Data:</a:t>
+            </a:r>
+            <a:endParaRPr lang="en-US" sz="4800" dirty="0">
+              <a:latin typeface="Baskerville Old Face" panose="02020602080505020303" pitchFamily="18" charset="0"/>
+              <a:cs typeface="Biome" panose="020B0502040204020203" pitchFamily="34" charset="0"/>
+            </a:endParaRPr>
+          </a:p>
+        </p:txBody>
+      </p:sp>
+      <p:sp>
+        <p:nvSpPr>
+          <p:cNvPr id="4" name="Rectangle 3">
+            <a:extLst>
+              <a:ext uri="{FF2B5EF4-FFF2-40B4-BE49-F238E27FC236}">
+                <a16:creationId xmlns:a16="http://schemas.microsoft.com/office/drawing/2014/main" id="{D3720944-BF5C-88F7-3F75-79F68A97FA75}"/>
+              </a:ext>
+            </a:extLst>
+          </p:cNvPr>
+          <p:cNvSpPr/>
+          <p:nvPr/>
+        </p:nvSpPr>
+        <p:spPr>
+          <a:xfrm>
+            <a:off x="4267200" y="1600200"/>
+            <a:ext cx="3657600" cy="3657600"/>
+          </a:xfrm>
+          <a:prstGeom prst="rect">
+            <a:avLst/>
+          </a:prstGeom>
+        </p:spPr>
+        <p:style>
+          <a:lnRef idx="2">
+            <a:schemeClr val="accent1">
+              <a:shade val="50000"/>
+            </a:schemeClr>
+          </a:lnRef>
+          <a:fillRef idx="1">
+            <a:schemeClr val="accent1"/>
+          </a:fillRef>
+          <a:effectRef idx="0">
+            <a:schemeClr val="accent1"/>
+          </a:effectRef>
+          <a:fontRef idx="minor">
+            <a:schemeClr val="lt1"/>
+          </a:fontRef>
+        </p:style>
+        <p:txBody>
+          <a:bodyPr rtlCol="0" anchor="ctr"/>
+          <a:lstStyle/>
+          <a:p>
+            <a:pPr algn="ctr"/>
+            <a:r>
+              <a:rPr lang="en-US" sz="6600" dirty="0"/>
+              <a:t>Full Compiled Data</a:t>
+            </a:r>
+          </a:p>
+        </p:txBody>
+      </p:sp>
+      <p:sp>
+        <p:nvSpPr>
+          <p:cNvPr id="8" name="Rectangle 7">
+            <a:extLst>
+              <a:ext uri="{FF2B5EF4-FFF2-40B4-BE49-F238E27FC236}">
+                <a16:creationId xmlns:a16="http://schemas.microsoft.com/office/drawing/2014/main" id="{E1BC2672-0D30-7BA6-30B8-BD3FB7AADEE0}"/>
+              </a:ext>
+            </a:extLst>
+          </p:cNvPr>
+          <p:cNvSpPr/>
+          <p:nvPr/>
+        </p:nvSpPr>
+        <p:spPr>
+          <a:xfrm>
+            <a:off x="2737104" y="1600198"/>
+            <a:ext cx="2743200" cy="3657600"/>
+          </a:xfrm>
+          <a:prstGeom prst="rect">
+            <a:avLst/>
+          </a:prstGeom>
+        </p:spPr>
+        <p:style>
+          <a:lnRef idx="2">
+            <a:schemeClr val="accent1">
+              <a:shade val="50000"/>
+            </a:schemeClr>
+          </a:lnRef>
+          <a:fillRef idx="1">
+            <a:schemeClr val="accent1"/>
+          </a:fillRef>
+          <a:effectRef idx="0">
+            <a:schemeClr val="accent1"/>
+          </a:effectRef>
+          <a:fontRef idx="minor">
+            <a:schemeClr val="lt1"/>
+          </a:fontRef>
+        </p:style>
+        <p:txBody>
+          <a:bodyPr rtlCol="0" anchor="ctr"/>
+          <a:lstStyle/>
+          <a:p>
+            <a:pPr algn="ctr"/>
+            <a:r>
+              <a:rPr lang="en-US" sz="3200" dirty="0"/>
+              <a:t>This data will inform the machine learning model.</a:t>
+            </a:r>
+          </a:p>
+        </p:txBody>
+      </p:sp>
+      <p:sp>
+        <p:nvSpPr>
+          <p:cNvPr id="9" name="Rectangle 8">
+            <a:extLst>
+              <a:ext uri="{FF2B5EF4-FFF2-40B4-BE49-F238E27FC236}">
+                <a16:creationId xmlns:a16="http://schemas.microsoft.com/office/drawing/2014/main" id="{99AA3022-9AD5-6123-EBC2-E87777B24BEB}"/>
+              </a:ext>
+            </a:extLst>
+          </p:cNvPr>
+          <p:cNvSpPr/>
+          <p:nvPr/>
+        </p:nvSpPr>
+        <p:spPr>
+          <a:xfrm>
+            <a:off x="7403592" y="1600198"/>
+            <a:ext cx="2743200" cy="3657600"/>
+          </a:xfrm>
+          <a:prstGeom prst="rect">
+            <a:avLst/>
+          </a:prstGeom>
+        </p:spPr>
+        <p:style>
+          <a:lnRef idx="2">
+            <a:schemeClr val="accent1">
+              <a:shade val="50000"/>
+            </a:schemeClr>
+          </a:lnRef>
+          <a:fillRef idx="1">
+            <a:schemeClr val="accent1"/>
+          </a:fillRef>
+          <a:effectRef idx="0">
+            <a:schemeClr val="accent1"/>
+          </a:effectRef>
+          <a:fontRef idx="minor">
+            <a:schemeClr val="lt1"/>
+          </a:fontRef>
+        </p:style>
+        <p:txBody>
+          <a:bodyPr rtlCol="0" anchor="ctr"/>
+          <a:lstStyle/>
+          <a:p>
+            <a:pPr algn="ctr"/>
+            <a:r>
+              <a:rPr lang="en-US" sz="3200" dirty="0"/>
+              <a:t>This data will test the model for accuracy and error.</a:t>
+            </a:r>
+          </a:p>
+        </p:txBody>
+      </p:sp>
+    </p:spTree>
+    <p:extLst>
+      <p:ext uri="{BB962C8B-B14F-4D97-AF65-F5344CB8AC3E}">
+        <p14:creationId xmlns:p14="http://schemas.microsoft.com/office/powerpoint/2010/main" val="1230743525"/>
+      </p:ext>
+    </p:extLst>
+  </p:cSld>
+  <p:clrMapOvr>
+    <a:masterClrMapping/>
+  </p:clrMapOvr>
+  <p:timing>
+    <p:tnLst>
+      <p:par>
+        <p:cTn id="1" dur="indefinite" restart="never" nodeType="tmRoot">
+          <p:childTnLst>
+            <p:seq concurrent="1" nextAc="seek">
+              <p:cTn id="2" dur="indefinite" nodeType="mainSeq">
+                <p:childTnLst>
+                  <p:par>
+                    <p:cTn id="3" fill="hold">
+                      <p:stCondLst>
+                        <p:cond delay="indefinite"/>
+                        <p:cond evt="onBegin" delay="0">
+                          <p:tn val="2"/>
+                        </p:cond>
+                      </p:stCondLst>
+                      <p:childTnLst>
+                        <p:par>
+                          <p:cTn id="4" fill="hold">
+                            <p:stCondLst>
+                              <p:cond delay="0"/>
+                            </p:stCondLst>
+                            <p:childTnLst>
+                              <p:par>
+                                <p:cTn id="5" presetID="42" presetClass="entr" presetSubtype="0" fill="hold" nodeType="withEffect">
+                                  <p:stCondLst>
+                                    <p:cond delay="0"/>
+                                  </p:stCondLst>
+                                  <p:childTnLst>
+                                    <p:set>
+                                      <p:cBhvr>
+                                        <p:cTn id="6" dur="1" fill="hold">
+                                          <p:stCondLst>
+                                            <p:cond delay="0"/>
+                                          </p:stCondLst>
+                                        </p:cTn>
+                                        <p:tgtEl>
+                                          <p:spTgt spid="10"/>
+                                        </p:tgtEl>
+                                        <p:attrNameLst>
+                                          <p:attrName>style.visibility</p:attrName>
+                                        </p:attrNameLst>
+                                      </p:cBhvr>
+                                      <p:to>
+                                        <p:strVal val="visible"/>
+                                      </p:to>
+                                    </p:set>
+                                    <p:animEffect transition="in" filter="fade">
+                                      <p:cBhvr>
+                                        <p:cTn id="7" dur="1000"/>
+                                        <p:tgtEl>
+                                          <p:spTgt spid="10"/>
+                                        </p:tgtEl>
+                                      </p:cBhvr>
+                                    </p:animEffect>
+                                    <p:anim calcmode="lin" valueType="num">
+                                      <p:cBhvr>
+                                        <p:cTn id="8" dur="1000" fill="hold"/>
+                                        <p:tgtEl>
+                                          <p:spTgt spid="10"/>
+                                        </p:tgtEl>
+                                        <p:attrNameLst>
+                                          <p:attrName>ppt_x</p:attrName>
+                                        </p:attrNameLst>
+                                      </p:cBhvr>
+                                      <p:tavLst>
+                                        <p:tav tm="0">
+                                          <p:val>
+                                            <p:strVal val="#ppt_x"/>
+                                          </p:val>
+                                        </p:tav>
+                                        <p:tav tm="100000">
+                                          <p:val>
+                                            <p:strVal val="#ppt_x"/>
+                                          </p:val>
+                                        </p:tav>
+                                      </p:tavLst>
+                                    </p:anim>
+                                    <p:anim calcmode="lin" valueType="num">
+                                      <p:cBhvr>
+                                        <p:cTn id="9" dur="1000" fill="hold"/>
+                                        <p:tgtEl>
+                                          <p:spTgt spid="10"/>
+                                        </p:tgtEl>
+                                        <p:attrNameLst>
+                                          <p:attrName>ppt_y</p:attrName>
+                                        </p:attrNameLst>
+                                      </p:cBhvr>
+                                      <p:tavLst>
+                                        <p:tav tm="0">
+                                          <p:val>
+                                            <p:strVal val="#ppt_y+.1"/>
+                                          </p:val>
+                                        </p:tav>
+                                        <p:tav tm="100000">
+                                          <p:val>
+                                            <p:strVal val="#ppt_y"/>
+                                          </p:val>
+                                        </p:tav>
+                                      </p:tavLst>
+                                    </p:anim>
+                                  </p:childTnLst>
+                                </p:cTn>
+                              </p:par>
+                            </p:childTnLst>
+                          </p:cTn>
+                        </p:par>
+                      </p:childTnLst>
+                    </p:cTn>
+                  </p:par>
+                  <p:par>
+                    <p:cTn id="10" fill="hold">
+                      <p:stCondLst>
+                        <p:cond delay="indefinite"/>
+                      </p:stCondLst>
+                      <p:childTnLst>
+                        <p:par>
+                          <p:cTn id="11" fill="hold">
+                            <p:stCondLst>
+                              <p:cond delay="0"/>
+                            </p:stCondLst>
+                            <p:childTnLst>
+                              <p:par>
+                                <p:cTn id="12" presetID="10" presetClass="exit" presetSubtype="0" fill="hold" grpId="0" nodeType="clickEffect">
+                                  <p:stCondLst>
+                                    <p:cond delay="0"/>
+                                  </p:stCondLst>
+                                  <p:childTnLst>
+                                    <p:animEffect transition="out" filter="fade">
+                                      <p:cBhvr>
+                                        <p:cTn id="13" dur="500"/>
+                                        <p:tgtEl>
+                                          <p:spTgt spid="4"/>
+                                        </p:tgtEl>
+                                      </p:cBhvr>
+                                    </p:animEffect>
+                                    <p:set>
+                                      <p:cBhvr>
+                                        <p:cTn id="14" dur="1" fill="hold">
+                                          <p:stCondLst>
+                                            <p:cond delay="499"/>
+                                          </p:stCondLst>
+                                        </p:cTn>
+                                        <p:tgtEl>
+                                          <p:spTgt spid="4"/>
+                                        </p:tgtEl>
+                                        <p:attrNameLst>
+                                          <p:attrName>style.visibility</p:attrName>
+                                        </p:attrNameLst>
+                                      </p:cBhvr>
+                                      <p:to>
+                                        <p:strVal val="hidden"/>
+                                      </p:to>
+                                    </p:set>
+                                  </p:childTnLst>
+                                </p:cTn>
+                              </p:par>
+                            </p:childTnLst>
+                          </p:cTn>
+                        </p:par>
+                        <p:par>
+                          <p:cTn id="15" fill="hold">
+                            <p:stCondLst>
+                              <p:cond delay="500"/>
+                            </p:stCondLst>
+                            <p:childTnLst>
+                              <p:par>
+                                <p:cTn id="16" presetID="42" presetClass="path" presetSubtype="0" accel="50000" decel="50000" fill="hold" grpId="0" nodeType="afterEffect">
+                                  <p:stCondLst>
+                                    <p:cond delay="0"/>
+                                  </p:stCondLst>
+                                  <p:childTnLst>
+                                    <p:animMotion origin="layout" path="M 5.55112E-17 0 L -0.31471 0 " pathEditMode="relative" rAng="0" ptsTypes="AA">
+                                      <p:cBhvr>
+                                        <p:cTn id="17" dur="2000" fill="hold"/>
+                                        <p:tgtEl>
+                                          <p:spTgt spid="5"/>
+                                        </p:tgtEl>
+                                        <p:attrNameLst>
+                                          <p:attrName>ppt_x</p:attrName>
+                                          <p:attrName>ppt_y</p:attrName>
+                                        </p:attrNameLst>
+                                      </p:cBhvr>
+                                      <p:rCtr x="-15742" y="0"/>
+                                    </p:animMotion>
+                                  </p:childTnLst>
+                                </p:cTn>
+                              </p:par>
+                              <p:par>
+                                <p:cTn id="18" presetID="42" presetClass="path" presetSubtype="0" accel="50000" decel="50000" fill="hold" grpId="0" nodeType="withEffect">
+                                  <p:stCondLst>
+                                    <p:cond delay="0"/>
+                                  </p:stCondLst>
+                                  <p:childTnLst>
+                                    <p:animMotion origin="layout" path="M 1.11022E-16 0 L 0.3 0 " pathEditMode="relative" rAng="0" ptsTypes="AA">
+                                      <p:cBhvr>
+                                        <p:cTn id="19" dur="2000" fill="hold"/>
+                                        <p:tgtEl>
+                                          <p:spTgt spid="6"/>
+                                        </p:tgtEl>
+                                        <p:attrNameLst>
+                                          <p:attrName>ppt_x</p:attrName>
+                                          <p:attrName>ppt_y</p:attrName>
+                                        </p:attrNameLst>
+                                      </p:cBhvr>
+                                      <p:rCtr x="15000" y="0"/>
+                                    </p:animMotion>
+                                  </p:childTnLst>
+                                </p:cTn>
+                              </p:par>
+                            </p:childTnLst>
+                          </p:cTn>
+                        </p:par>
+                        <p:par>
+                          <p:cTn id="20" fill="hold">
+                            <p:stCondLst>
+                              <p:cond delay="2500"/>
+                            </p:stCondLst>
+                            <p:childTnLst>
+                              <p:par>
+                                <p:cTn id="21" presetID="36" presetClass="path" presetSubtype="0" accel="50000" decel="50000" fill="hold" grpId="0" nodeType="afterEffect">
+                                  <p:stCondLst>
+                                    <p:cond delay="0"/>
+                                  </p:stCondLst>
+                                  <p:childTnLst>
+                                    <p:animMotion origin="layout" path="M 0 -2.22222E-6 L 0 0.31991 C 0 0.46343 0.10352 0.64005 0.18763 0.64005 L 0.37526 0.64005 " pathEditMode="relative" rAng="0" ptsTypes="AAAA">
+                                      <p:cBhvr>
+                                        <p:cTn id="22" dur="2000" fill="hold"/>
+                                        <p:tgtEl>
+                                          <p:spTgt spid="7"/>
+                                        </p:tgtEl>
+                                        <p:attrNameLst>
+                                          <p:attrName>ppt_x</p:attrName>
+                                          <p:attrName>ppt_y</p:attrName>
+                                        </p:attrNameLst>
+                                      </p:cBhvr>
+                                      <p:rCtr x="18763" y="31991"/>
+                                    </p:animMotion>
+                                  </p:childTnLst>
+                                </p:cTn>
+                              </p:par>
+                            </p:childTnLst>
+                          </p:cTn>
+                        </p:par>
+                      </p:childTnLst>
+                    </p:cTn>
+                  </p:par>
+                  <p:par>
+                    <p:cTn id="23" fill="hold">
+                      <p:stCondLst>
+                        <p:cond delay="indefinite"/>
+                      </p:stCondLst>
+                      <p:childTnLst>
+                        <p:par>
+                          <p:cTn id="24" fill="hold">
+                            <p:stCondLst>
+                              <p:cond delay="0"/>
+                            </p:stCondLst>
+                            <p:childTnLst>
+                              <p:par>
+                                <p:cTn id="25" presetID="42" presetClass="entr" presetSubtype="0" fill="hold" grpId="0" nodeType="clickEffect">
+                                  <p:stCondLst>
+                                    <p:cond delay="0"/>
+                                  </p:stCondLst>
+                                  <p:childTnLst>
+                                    <p:set>
+                                      <p:cBhvr>
+                                        <p:cTn id="26" dur="1" fill="hold">
+                                          <p:stCondLst>
+                                            <p:cond delay="0"/>
+                                          </p:stCondLst>
+                                        </p:cTn>
+                                        <p:tgtEl>
+                                          <p:spTgt spid="8"/>
+                                        </p:tgtEl>
+                                        <p:attrNameLst>
+                                          <p:attrName>style.visibility</p:attrName>
+                                        </p:attrNameLst>
+                                      </p:cBhvr>
+                                      <p:to>
+                                        <p:strVal val="visible"/>
+                                      </p:to>
+                                    </p:set>
+                                    <p:animEffect transition="in" filter="fade">
+                                      <p:cBhvr>
+                                        <p:cTn id="27" dur="1000"/>
+                                        <p:tgtEl>
+                                          <p:spTgt spid="8"/>
+                                        </p:tgtEl>
+                                      </p:cBhvr>
+                                    </p:animEffect>
+                                    <p:anim calcmode="lin" valueType="num">
+                                      <p:cBhvr>
+                                        <p:cTn id="28" dur="1000" fill="hold"/>
+                                        <p:tgtEl>
+                                          <p:spTgt spid="8"/>
+                                        </p:tgtEl>
+                                        <p:attrNameLst>
+                                          <p:attrName>ppt_x</p:attrName>
+                                        </p:attrNameLst>
+                                      </p:cBhvr>
+                                      <p:tavLst>
+                                        <p:tav tm="0">
+                                          <p:val>
+                                            <p:strVal val="#ppt_x"/>
+                                          </p:val>
+                                        </p:tav>
+                                        <p:tav tm="100000">
+                                          <p:val>
+                                            <p:strVal val="#ppt_x"/>
+                                          </p:val>
+                                        </p:tav>
+                                      </p:tavLst>
+                                    </p:anim>
+                                    <p:anim calcmode="lin" valueType="num">
+                                      <p:cBhvr>
+                                        <p:cTn id="29" dur="1000" fill="hold"/>
+                                        <p:tgtEl>
+                                          <p:spTgt spid="8"/>
+                                        </p:tgtEl>
+                                        <p:attrNameLst>
+                                          <p:attrName>ppt_y</p:attrName>
+                                        </p:attrNameLst>
+                                      </p:cBhvr>
+                                      <p:tavLst>
+                                        <p:tav tm="0">
+                                          <p:val>
+                                            <p:strVal val="#ppt_y+.1"/>
+                                          </p:val>
+                                        </p:tav>
+                                        <p:tav tm="100000">
+                                          <p:val>
+                                            <p:strVal val="#ppt_y"/>
+                                          </p:val>
+                                        </p:tav>
+                                      </p:tavLst>
+                                    </p:anim>
+                                  </p:childTnLst>
+                                </p:cTn>
+                              </p:par>
+                            </p:childTnLst>
+                          </p:cTn>
+                        </p:par>
+                      </p:childTnLst>
+                    </p:cTn>
+                  </p:par>
+                  <p:par>
+                    <p:cTn id="30" fill="hold">
+                      <p:stCondLst>
+                        <p:cond delay="indefinite"/>
+                      </p:stCondLst>
+                      <p:childTnLst>
+                        <p:par>
+                          <p:cTn id="31" fill="hold">
+                            <p:stCondLst>
+                              <p:cond delay="0"/>
+                            </p:stCondLst>
+                            <p:childTnLst>
+                              <p:par>
+                                <p:cTn id="32" presetID="42" presetClass="entr" presetSubtype="0" fill="hold" grpId="0" nodeType="clickEffect">
+                                  <p:stCondLst>
+                                    <p:cond delay="0"/>
+                                  </p:stCondLst>
+                                  <p:childTnLst>
+                                    <p:set>
+                                      <p:cBhvr>
+                                        <p:cTn id="33" dur="1" fill="hold">
+                                          <p:stCondLst>
+                                            <p:cond delay="0"/>
+                                          </p:stCondLst>
+                                        </p:cTn>
+                                        <p:tgtEl>
+                                          <p:spTgt spid="9"/>
+                                        </p:tgtEl>
+                                        <p:attrNameLst>
+                                          <p:attrName>style.visibility</p:attrName>
+                                        </p:attrNameLst>
+                                      </p:cBhvr>
+                                      <p:to>
+                                        <p:strVal val="visible"/>
+                                      </p:to>
+                                    </p:set>
+                                    <p:animEffect transition="in" filter="fade">
+                                      <p:cBhvr>
+                                        <p:cTn id="34" dur="1000"/>
+                                        <p:tgtEl>
+                                          <p:spTgt spid="9"/>
+                                        </p:tgtEl>
+                                      </p:cBhvr>
+                                    </p:animEffect>
+                                    <p:anim calcmode="lin" valueType="num">
+                                      <p:cBhvr>
+                                        <p:cTn id="35" dur="1000" fill="hold"/>
+                                        <p:tgtEl>
+                                          <p:spTgt spid="9"/>
+                                        </p:tgtEl>
+                                        <p:attrNameLst>
+                                          <p:attrName>ppt_x</p:attrName>
+                                        </p:attrNameLst>
+                                      </p:cBhvr>
+                                      <p:tavLst>
+                                        <p:tav tm="0">
+                                          <p:val>
+                                            <p:strVal val="#ppt_x"/>
+                                          </p:val>
+                                        </p:tav>
+                                        <p:tav tm="100000">
+                                          <p:val>
+                                            <p:strVal val="#ppt_x"/>
+                                          </p:val>
+                                        </p:tav>
+                                      </p:tavLst>
+                                    </p:anim>
+                                    <p:anim calcmode="lin" valueType="num">
+                                      <p:cBhvr>
+                                        <p:cTn id="36" dur="1000" fill="hold"/>
+                                        <p:tgtEl>
+                                          <p:spTgt spid="9"/>
+                                        </p:tgtEl>
+                                        <p:attrNameLst>
+                                          <p:attrName>ppt_y</p:attrName>
+                                        </p:attrNameLst>
+                                      </p:cBhvr>
+                                      <p:tavLst>
+                                        <p:tav tm="0">
+                                          <p:val>
+                                            <p:strVal val="#ppt_y+.1"/>
+                                          </p:val>
+                                        </p:tav>
+                                        <p:tav tm="100000">
+                                          <p:val>
+                                            <p:strVal val="#ppt_y"/>
+                                          </p:val>
+                                        </p:tav>
+                                      </p:tavLst>
+                                    </p:anim>
+                                  </p:childTnLst>
+                                </p:cTn>
+                              </p:par>
+                            </p:childTnLst>
+                          </p:cTn>
+                        </p:par>
+                      </p:childTnLst>
+                    </p:cTn>
+                  </p:par>
+                </p:childTnLst>
+              </p:cTn>
+              <p:prevCondLst>
+                <p:cond evt="onPrev" delay="0">
+                  <p:tgtEl>
+                    <p:sldTgt/>
+                  </p:tgtEl>
+                </p:cond>
+              </p:prevCondLst>
+              <p:nextCondLst>
+                <p:cond evt="onNext" delay="0">
+                  <p:tgtEl>
+                    <p:sldTgt/>
+                  </p:tgtEl>
+                </p:cond>
+              </p:nextCondLst>
+            </p:seq>
+          </p:childTnLst>
+        </p:cTn>
+      </p:par>
+    </p:tnLst>
+    <p:bldLst>
+      <p:bldP spid="7" grpId="0" animBg="1"/>
+      <p:bldP spid="5" grpId="0" animBg="1"/>
+      <p:bldP spid="6" grpId="0" animBg="1"/>
+      <p:bldP spid="4" grpId="0" animBg="1"/>
+      <p:bldP spid="8" grpId="0" animBg="1"/>
+      <p:bldP spid="9" grpId="0" animBg="1"/>
+    </p:bldLst>
+  </p:timing>
+</p:sld>
+</file>
+
+<file path=ppt/slides/slide8.xml><?xml version="1.0" encoding="utf-8"?>
+<p:sld xmlns:a="http://schemas.openxmlformats.org/drawingml/2006/main" xmlns:r="http://schemas.openxmlformats.org/officeDocument/2006/relationships" xmlns:p="http://schemas.openxmlformats.org/presentationml/2006/main">
+  <p:cSld>
+    <p:spTree>
+      <p:nvGrpSpPr>
+        <p:cNvPr id="1" name=""/>
+        <p:cNvGrpSpPr/>
+        <p:nvPr/>
+      </p:nvGrpSpPr>
+      <p:grpSpPr>
+        <a:xfrm>
+          <a:off x="0" y="0"/>
+          <a:ext cx="0" cy="0"/>
+          <a:chOff x="0" y="0"/>
+          <a:chExt cx="0" cy="0"/>
+        </a:xfrm>
+      </p:grpSpPr>
+      <p:pic>
+        <p:nvPicPr>
+          <p:cNvPr id="2" name="Picture 1" descr="Mountains Snow White - Free image on Pixabay">
+            <a:extLst>
+              <a:ext uri="{FF2B5EF4-FFF2-40B4-BE49-F238E27FC236}">
+                <a16:creationId xmlns:a16="http://schemas.microsoft.com/office/drawing/2014/main" id="{B2A97296-8D2A-2871-DAEE-4333A79D9CC0}"/>
+              </a:ext>
+            </a:extLst>
+          </p:cNvPr>
+          <p:cNvPicPr>
+            <a:picLocks noChangeAspect="1" noChangeArrowheads="1"/>
+          </p:cNvPicPr>
+          <p:nvPr/>
+        </p:nvPicPr>
+        <p:blipFill rotWithShape="1">
+          <a:blip r:embed="rId2">
+            <a:extLst>
+              <a:ext uri="{28A0092B-C50C-407E-A947-70E740481C1C}">
+                <a14:useLocalDpi xmlns:a14="http://schemas.microsoft.com/office/drawing/2010/main" val="0"/>
+              </a:ext>
+            </a:extLst>
+          </a:blip>
+          <a:srcRect t="15318" b="39775"/>
+          <a:stretch/>
+        </p:blipFill>
+        <p:spPr bwMode="auto">
+          <a:xfrm>
+            <a:off x="0" y="3209662"/>
+            <a:ext cx="12192000" cy="3648338"/>
+          </a:xfrm>
+          <a:prstGeom prst="rect">
+            <a:avLst/>
+          </a:prstGeom>
+          <a:noFill/>
+          <a:extLst>
+            <a:ext uri="{909E8E84-426E-40DD-AFC4-6F175D3DCCD1}">
+              <a14:hiddenFill xmlns:a14="http://schemas.microsoft.com/office/drawing/2010/main">
+                <a:solidFill>
+                  <a:srgbClr val="FFFFFF"/>
+                </a:solidFill>
+              </a14:hiddenFill>
+            </a:ext>
+          </a:extLst>
+        </p:spPr>
+      </p:pic>
+      <p:sp>
+        <p:nvSpPr>
+          <p:cNvPr id="3" name="TextBox 2">
+            <a:extLst>
+              <a:ext uri="{FF2B5EF4-FFF2-40B4-BE49-F238E27FC236}">
+                <a16:creationId xmlns:a16="http://schemas.microsoft.com/office/drawing/2014/main" id="{0D1693E5-9274-BBF4-36C5-3C19FDFD53C5}"/>
+              </a:ext>
+            </a:extLst>
+          </p:cNvPr>
+          <p:cNvSpPr txBox="1"/>
+          <p:nvPr/>
+        </p:nvSpPr>
+        <p:spPr>
+          <a:xfrm>
+            <a:off x="0" y="0"/>
+            <a:ext cx="12192000" cy="1015663"/>
+          </a:xfrm>
+          <a:prstGeom prst="rect">
+            <a:avLst/>
+          </a:prstGeom>
+          <a:noFill/>
+        </p:spPr>
+        <p:txBody>
+          <a:bodyPr wrap="square" rtlCol="0">
+            <a:spAutoFit/>
+          </a:bodyPr>
+          <a:lstStyle/>
+          <a:p>
+            <a:r>
+              <a:rPr lang="en-US" sz="2400" dirty="0">
+                <a:solidFill>
+                  <a:schemeClr val="accent1">
+                    <a:lumMod val="75000"/>
+                  </a:schemeClr>
+                </a:solidFill>
+                <a:latin typeface="Baskerville Old Face" panose="02020602080505020303" pitchFamily="18" charset="0"/>
+                <a:cs typeface="Biome" panose="020B0502040204020203" pitchFamily="34" charset="0"/>
+              </a:rPr>
+              <a:t>Model Results and Analysis</a:t>
+            </a:r>
+          </a:p>
+          <a:p>
+            <a:pPr algn="ctr"/>
+            <a:r>
+              <a:rPr lang="en-US" sz="3600" u="sng" dirty="0">
+                <a:solidFill>
+                  <a:schemeClr val="accent1">
+                    <a:lumMod val="40000"/>
+                    <a:lumOff val="60000"/>
+                  </a:schemeClr>
+                </a:solidFill>
+                <a:latin typeface="Baskerville Old Face" panose="02020602080505020303" pitchFamily="18" charset="0"/>
+                <a:cs typeface="Biome" panose="020B0502040204020203" pitchFamily="34" charset="0"/>
+              </a:rPr>
+              <a:t>Using the Machine Learning Model to Predict:</a:t>
+            </a:r>
+            <a:endParaRPr lang="en-US" sz="4800" dirty="0">
+              <a:latin typeface="Baskerville Old Face" panose="02020602080505020303" pitchFamily="18" charset="0"/>
+              <a:cs typeface="Biome" panose="020B0502040204020203" pitchFamily="34" charset="0"/>
+            </a:endParaRPr>
+          </a:p>
+        </p:txBody>
+      </p:sp>
+      <p:pic>
+        <p:nvPicPr>
+          <p:cNvPr id="5" name="Picture 4">
+            <a:extLst>
+              <a:ext uri="{FF2B5EF4-FFF2-40B4-BE49-F238E27FC236}">
+                <a16:creationId xmlns:a16="http://schemas.microsoft.com/office/drawing/2014/main" id="{83F2542F-4D5D-1928-B25A-28E30D164808}"/>
+              </a:ext>
+            </a:extLst>
+          </p:cNvPr>
+          <p:cNvPicPr>
+            <a:picLocks noChangeAspect="1"/>
+          </p:cNvPicPr>
+          <p:nvPr/>
+        </p:nvPicPr>
+        <p:blipFill>
+          <a:blip r:embed="rId3"/>
+          <a:stretch>
+            <a:fillRect/>
+          </a:stretch>
+        </p:blipFill>
+        <p:spPr>
+          <a:xfrm>
+            <a:off x="626164" y="2371911"/>
+            <a:ext cx="7977809" cy="2114178"/>
+          </a:xfrm>
+          <a:prstGeom prst="rect">
+            <a:avLst/>
+          </a:prstGeom>
+        </p:spPr>
+      </p:pic>
+      <p:sp>
+        <p:nvSpPr>
+          <p:cNvPr id="6" name="Oval 5">
+            <a:extLst>
+              <a:ext uri="{FF2B5EF4-FFF2-40B4-BE49-F238E27FC236}">
+                <a16:creationId xmlns:a16="http://schemas.microsoft.com/office/drawing/2014/main" id="{6A574726-FB05-9FBC-C387-BC9629E7EED1}"/>
+              </a:ext>
+            </a:extLst>
+          </p:cNvPr>
+          <p:cNvSpPr/>
+          <p:nvPr/>
+        </p:nvSpPr>
+        <p:spPr>
+          <a:xfrm>
+            <a:off x="5933661" y="1015663"/>
+            <a:ext cx="3647661" cy="3647661"/>
+          </a:xfrm>
+          <a:prstGeom prst="ellipse">
+            <a:avLst/>
+          </a:prstGeom>
+        </p:spPr>
+        <p:style>
+          <a:lnRef idx="2">
+            <a:schemeClr val="accent1">
+              <a:shade val="50000"/>
+            </a:schemeClr>
+          </a:lnRef>
+          <a:fillRef idx="1">
+            <a:schemeClr val="accent1"/>
+          </a:fillRef>
+          <a:effectRef idx="0">
+            <a:schemeClr val="accent1"/>
+          </a:effectRef>
+          <a:fontRef idx="minor">
+            <a:schemeClr val="lt1"/>
+          </a:fontRef>
+        </p:style>
+        <p:txBody>
+          <a:bodyPr rtlCol="0" anchor="ctr"/>
+          <a:lstStyle/>
+          <a:p>
+            <a:pPr algn="ctr"/>
+            <a:endParaRPr lang="en-US"/>
+          </a:p>
+        </p:txBody>
+      </p:sp>
+      <p:grpSp>
+        <p:nvGrpSpPr>
+          <p:cNvPr id="8" name="Group 7">
+            <a:extLst>
+              <a:ext uri="{FF2B5EF4-FFF2-40B4-BE49-F238E27FC236}">
+                <a16:creationId xmlns:a16="http://schemas.microsoft.com/office/drawing/2014/main" id="{B502F668-77D2-323B-ABF3-792610BBFF67}"/>
+              </a:ext>
+            </a:extLst>
+          </p:cNvPr>
+          <p:cNvGrpSpPr/>
+          <p:nvPr/>
+        </p:nvGrpSpPr>
+        <p:grpSpPr>
+          <a:xfrm rot="20400000">
+            <a:off x="6064320" y="1129903"/>
+            <a:ext cx="3487185" cy="3532571"/>
+            <a:chOff x="5541263" y="1442459"/>
+            <a:chExt cx="3116524" cy="1625481"/>
+          </a:xfrm>
+        </p:grpSpPr>
+        <p:grpSp>
+          <p:nvGrpSpPr>
+            <p:cNvPr id="9" name="Group 8">
+              <a:extLst>
+                <a:ext uri="{FF2B5EF4-FFF2-40B4-BE49-F238E27FC236}">
+                  <a16:creationId xmlns:a16="http://schemas.microsoft.com/office/drawing/2014/main" id="{86C6ED8F-9D49-5735-9A54-F9C087FC6BC4}"/>
+                </a:ext>
+              </a:extLst>
+            </p:cNvPr>
+            <p:cNvGrpSpPr/>
+            <p:nvPr/>
+          </p:nvGrpSpPr>
+          <p:grpSpPr>
+            <a:xfrm>
+              <a:off x="5541263" y="1442459"/>
+              <a:ext cx="3116524" cy="1625481"/>
+              <a:chOff x="4366901" y="587880"/>
+              <a:chExt cx="6221338" cy="3244854"/>
+            </a:xfrm>
+          </p:grpSpPr>
+          <p:pic>
+            <p:nvPicPr>
+              <p:cNvPr id="11" name="Picture 10" descr="Blank Admission Ticket Template (5) | PROFESSIONAL TEMPLATES | Raffle  tickets template, Ticket template, Raffle tickets printable">
+                <a:extLst>
+                  <a:ext uri="{FF2B5EF4-FFF2-40B4-BE49-F238E27FC236}">
+                    <a16:creationId xmlns:a16="http://schemas.microsoft.com/office/drawing/2014/main" id="{90638607-EF07-513F-286E-18C5622BA325}"/>
+                  </a:ext>
+                </a:extLst>
+              </p:cNvPr>
+              <p:cNvPicPr>
+                <a:picLocks noChangeAspect="1" noChangeArrowheads="1"/>
+              </p:cNvPicPr>
+              <p:nvPr/>
+            </p:nvPicPr>
+            <p:blipFill rotWithShape="1">
+              <a:blip r:embed="rId4">
+                <a:duotone>
+                  <a:prstClr val="black"/>
+                  <a:schemeClr val="accent4">
+                    <a:tint val="45000"/>
+                    <a:satMod val="400000"/>
+                  </a:schemeClr>
+                </a:duotone>
+                <a:extLst>
+                  <a:ext uri="{28A0092B-C50C-407E-A947-70E740481C1C}">
+                    <a14:useLocalDpi xmlns:a14="http://schemas.microsoft.com/office/drawing/2010/main" val="0"/>
+                  </a:ext>
+                </a:extLst>
+              </a:blip>
+              <a:srcRect l="3824" t="19028" r="4662" b="19144"/>
+              <a:stretch/>
+            </p:blipFill>
+            <p:spPr bwMode="auto">
+              <a:xfrm>
+                <a:off x="4366901" y="587880"/>
+                <a:ext cx="6221338" cy="3244854"/>
+              </a:xfrm>
+              <a:prstGeom prst="ellipse">
+                <a:avLst/>
+              </a:prstGeom>
+              <a:noFill/>
+              <a:extLst>
+                <a:ext uri="{909E8E84-426E-40DD-AFC4-6F175D3DCCD1}">
+                  <a14:hiddenFill xmlns:a14="http://schemas.microsoft.com/office/drawing/2010/main">
+                    <a:solidFill>
+                      <a:srgbClr val="FFFFFF"/>
+                    </a:solidFill>
+                  </a14:hiddenFill>
+                </a:ext>
+              </a:extLst>
+            </p:spPr>
+          </p:pic>
+          <p:pic>
+            <p:nvPicPr>
+              <p:cNvPr id="12" name="Picture 4" descr="Experience Partners — ROAM Beyond">
+                <a:extLst>
+                  <a:ext uri="{FF2B5EF4-FFF2-40B4-BE49-F238E27FC236}">
+                    <a16:creationId xmlns:a16="http://schemas.microsoft.com/office/drawing/2014/main" id="{4E0FD054-B616-BB9C-3652-38D16F00B67C}"/>
+                  </a:ext>
+                </a:extLst>
+              </p:cNvPr>
+              <p:cNvPicPr>
+                <a:picLocks noChangeAspect="1" noChangeArrowheads="1"/>
+              </p:cNvPicPr>
+              <p:nvPr/>
+            </p:nvPicPr>
+            <p:blipFill rotWithShape="1">
+              <a:blip r:embed="rId5">
+                <a:extLst>
+                  <a:ext uri="{28A0092B-C50C-407E-A947-70E740481C1C}">
+                    <a14:useLocalDpi xmlns:a14="http://schemas.microsoft.com/office/drawing/2010/main" val="0"/>
+                  </a:ext>
+                </a:extLst>
+              </a:blip>
+              <a:srcRect l="6761" t="39377" r="5824" b="41184"/>
+              <a:stretch/>
+            </p:blipFill>
+            <p:spPr bwMode="auto">
+              <a:xfrm rot="5400000">
+                <a:off x="8890291" y="1965380"/>
+                <a:ext cx="2204343" cy="489854"/>
+              </a:xfrm>
+              <a:prstGeom prst="ellipse">
+                <a:avLst/>
+              </a:prstGeom>
+              <a:noFill/>
+              <a:extLst>
+                <a:ext uri="{909E8E84-426E-40DD-AFC4-6F175D3DCCD1}">
+                  <a14:hiddenFill xmlns:a14="http://schemas.microsoft.com/office/drawing/2010/main">
+                    <a:solidFill>
+                      <a:srgbClr val="FFFFFF"/>
+                    </a:solidFill>
+                  </a14:hiddenFill>
+                </a:ext>
+              </a:extLst>
+            </p:spPr>
+          </p:pic>
+        </p:grpSp>
+        <p:sp>
+          <p:nvSpPr>
+            <p:cNvPr id="10" name="TextBox 9">
+              <a:extLst>
+                <a:ext uri="{FF2B5EF4-FFF2-40B4-BE49-F238E27FC236}">
+                  <a16:creationId xmlns:a16="http://schemas.microsoft.com/office/drawing/2014/main" id="{8A7B046A-8FAC-9900-1680-5CDEF7B811F0}"/>
+                </a:ext>
+              </a:extLst>
+            </p:cNvPr>
+            <p:cNvSpPr txBox="1"/>
+            <p:nvPr/>
+          </p:nvSpPr>
+          <p:spPr>
+            <a:xfrm>
+              <a:off x="5888856" y="1593412"/>
+              <a:ext cx="2273181" cy="1370764"/>
+            </a:xfrm>
+            <a:prstGeom prst="ellipse">
+              <a:avLst/>
+            </a:prstGeom>
+            <a:noFill/>
+          </p:spPr>
+          <p:txBody>
+            <a:bodyPr wrap="square" rtlCol="0">
+              <a:spAutoFit/>
+            </a:bodyPr>
+            <a:lstStyle/>
+            <a:p>
+              <a:pPr algn="ctr"/>
+              <a:r>
+                <a:rPr lang="en-US" b="1" dirty="0">
+                  <a:solidFill>
+                    <a:schemeClr val="bg1"/>
+                  </a:solidFill>
+                  <a:latin typeface="Courier New" panose="02070309020205020404" pitchFamily="49" charset="0"/>
+                  <a:cs typeface="Courier New" panose="02070309020205020404" pitchFamily="49" charset="0"/>
+                </a:rPr>
+                <a:t>One Day – One Adult</a:t>
+              </a:r>
+            </a:p>
+            <a:p>
+              <a:pPr algn="ctr"/>
+              <a:r>
+                <a:rPr lang="en-US" b="1" dirty="0">
+                  <a:solidFill>
+                    <a:schemeClr val="bg1"/>
+                  </a:solidFill>
+                  <a:latin typeface="Courier New" panose="02070309020205020404" pitchFamily="49" charset="0"/>
+                  <a:cs typeface="Courier New" panose="02070309020205020404" pitchFamily="49" charset="0"/>
+                </a:rPr>
+                <a:t>Admission</a:t>
+              </a:r>
+            </a:p>
+            <a:p>
+              <a:pPr algn="ctr"/>
+              <a:r>
+                <a:rPr lang="en-US" sz="4000" b="1" dirty="0">
+                  <a:solidFill>
+                    <a:schemeClr val="bg1"/>
+                  </a:solidFill>
+                  <a:latin typeface="Courier New" panose="02070309020205020404" pitchFamily="49" charset="0"/>
+                  <a:cs typeface="Courier New" panose="02070309020205020404" pitchFamily="49" charset="0"/>
+                </a:rPr>
+                <a:t>$103.73</a:t>
+              </a:r>
+            </a:p>
+          </p:txBody>
+        </p:sp>
+      </p:grpSp>
+      <p:pic>
+        <p:nvPicPr>
+          <p:cNvPr id="3074" name="Picture 2" descr="magnifying-glass-145942_1280 - Warren Public Library">
+            <a:extLst>
+              <a:ext uri="{FF2B5EF4-FFF2-40B4-BE49-F238E27FC236}">
+                <a16:creationId xmlns:a16="http://schemas.microsoft.com/office/drawing/2014/main" id="{084B1B32-F843-0CCB-AC3F-CDF922E2D65C}"/>
+              </a:ext>
+            </a:extLst>
+          </p:cNvPr>
+          <p:cNvPicPr>
+            <a:picLocks noChangeAspect="1" noChangeArrowheads="1"/>
+          </p:cNvPicPr>
+          <p:nvPr/>
+        </p:nvPicPr>
+        <p:blipFill>
+          <a:blip r:embed="rId6">
+            <a:extLst>
+              <a:ext uri="{28A0092B-C50C-407E-A947-70E740481C1C}">
+                <a14:useLocalDpi xmlns:a14="http://schemas.microsoft.com/office/drawing/2010/main" val="0"/>
+              </a:ext>
+            </a:extLst>
+          </a:blip>
+          <a:srcRect/>
+          <a:stretch>
+            <a:fillRect/>
+          </a:stretch>
+        </p:blipFill>
+        <p:spPr bwMode="auto">
+          <a:xfrm>
+            <a:off x="5281266" y="988231"/>
+            <a:ext cx="6284570" cy="5842337"/>
+          </a:xfrm>
+          <a:prstGeom prst="rect">
+            <a:avLst/>
+          </a:prstGeom>
+          <a:noFill/>
+          <a:extLst>
+            <a:ext uri="{909E8E84-426E-40DD-AFC4-6F175D3DCCD1}">
+              <a14:hiddenFill xmlns:a14="http://schemas.microsoft.com/office/drawing/2010/main">
+                <a:solidFill>
+                  <a:srgbClr val="FFFFFF"/>
+                </a:solidFill>
+              </a14:hiddenFill>
+            </a:ext>
+          </a:extLst>
+        </p:spPr>
+      </p:pic>
+      <p:sp>
+        <p:nvSpPr>
+          <p:cNvPr id="7" name="TextBox 6">
+            <a:extLst>
+              <a:ext uri="{FF2B5EF4-FFF2-40B4-BE49-F238E27FC236}">
+                <a16:creationId xmlns:a16="http://schemas.microsoft.com/office/drawing/2014/main" id="{28CBAABB-CC76-48B5-E1B2-86EE8AA4C999}"/>
+              </a:ext>
+            </a:extLst>
+          </p:cNvPr>
+          <p:cNvSpPr txBox="1"/>
+          <p:nvPr/>
+        </p:nvSpPr>
+        <p:spPr>
+          <a:xfrm>
+            <a:off x="876312" y="2767280"/>
+            <a:ext cx="4935838" cy="1323439"/>
+          </a:xfrm>
+          <a:prstGeom prst="rect">
+            <a:avLst/>
+          </a:prstGeom>
+          <a:noFill/>
+        </p:spPr>
+        <p:txBody>
+          <a:bodyPr wrap="none" rtlCol="0">
+            <a:spAutoFit/>
+          </a:bodyPr>
+          <a:lstStyle/>
+          <a:p>
+            <a:r>
+              <a:rPr lang="en-US" sz="8000" dirty="0">
+                <a:solidFill>
+                  <a:schemeClr val="bg1"/>
+                </a:solidFill>
+              </a:rPr>
+              <a:t>Ticket Price</a:t>
+            </a:r>
+          </a:p>
+        </p:txBody>
+      </p:sp>
+      <p:pic>
+        <p:nvPicPr>
+          <p:cNvPr id="3082" name="Picture 10" descr="My Daughter Is Trapped Under Five Feet of Snow">
+            <a:extLst>
+              <a:ext uri="{FF2B5EF4-FFF2-40B4-BE49-F238E27FC236}">
+                <a16:creationId xmlns:a16="http://schemas.microsoft.com/office/drawing/2014/main" id="{24B41510-7DEC-996F-478B-6CA1FF8C1731}"/>
+              </a:ext>
+            </a:extLst>
+          </p:cNvPr>
+          <p:cNvPicPr>
+            <a:picLocks noChangeAspect="1" noChangeArrowheads="1"/>
+          </p:cNvPicPr>
+          <p:nvPr/>
+        </p:nvPicPr>
+        <p:blipFill>
+          <a:blip r:embed="rId7">
+            <a:extLst>
+              <a:ext uri="{28A0092B-C50C-407E-A947-70E740481C1C}">
+                <a14:useLocalDpi xmlns:a14="http://schemas.microsoft.com/office/drawing/2010/main" val="0"/>
+              </a:ext>
+            </a:extLst>
+          </a:blip>
+          <a:srcRect/>
+          <a:stretch>
+            <a:fillRect/>
+          </a:stretch>
+        </p:blipFill>
+        <p:spPr bwMode="auto">
+          <a:xfrm>
+            <a:off x="4123944" y="3874999"/>
+            <a:ext cx="8068056" cy="3002409"/>
+          </a:xfrm>
+          <a:prstGeom prst="rect">
+            <a:avLst/>
+          </a:prstGeom>
+          <a:noFill/>
+          <a:extLst>
+            <a:ext uri="{909E8E84-426E-40DD-AFC4-6F175D3DCCD1}">
+              <a14:hiddenFill xmlns:a14="http://schemas.microsoft.com/office/drawing/2010/main">
+                <a:solidFill>
+                  <a:srgbClr val="FFFFFF"/>
+                </a:solidFill>
+              </a14:hiddenFill>
+            </a:ext>
+          </a:extLst>
+        </p:spPr>
+      </p:pic>
+      <p:pic>
+        <p:nvPicPr>
+          <p:cNvPr id="3078" name="Picture 6" descr="Winter Sports Games for Nintendo Switch - Nintendo Official Site">
+            <a:extLst>
+              <a:ext uri="{FF2B5EF4-FFF2-40B4-BE49-F238E27FC236}">
+                <a16:creationId xmlns:a16="http://schemas.microsoft.com/office/drawing/2014/main" id="{D5766E18-A7DD-41AB-7A79-14662C10652B}"/>
+              </a:ext>
+            </a:extLst>
+          </p:cNvPr>
+          <p:cNvPicPr>
+            <a:picLocks noChangeAspect="1" noChangeArrowheads="1"/>
+          </p:cNvPicPr>
+          <p:nvPr/>
+        </p:nvPicPr>
+        <p:blipFill>
+          <a:blip r:embed="rId8">
+            <a:extLst>
+              <a:ext uri="{28A0092B-C50C-407E-A947-70E740481C1C}">
+                <a14:useLocalDpi xmlns:a14="http://schemas.microsoft.com/office/drawing/2010/main" val="0"/>
+              </a:ext>
+            </a:extLst>
+          </a:blip>
+          <a:srcRect/>
+          <a:stretch>
+            <a:fillRect/>
+          </a:stretch>
+        </p:blipFill>
+        <p:spPr bwMode="auto">
+          <a:xfrm>
+            <a:off x="1884821" y="2704864"/>
+            <a:ext cx="3810000" cy="5181600"/>
+          </a:xfrm>
+          <a:prstGeom prst="rect">
+            <a:avLst/>
+          </a:prstGeom>
+          <a:noFill/>
+          <a:extLst>
+            <a:ext uri="{909E8E84-426E-40DD-AFC4-6F175D3DCCD1}">
+              <a14:hiddenFill xmlns:a14="http://schemas.microsoft.com/office/drawing/2010/main">
+                <a:solidFill>
+                  <a:srgbClr val="FFFFFF"/>
+                </a:solidFill>
+              </a14:hiddenFill>
+            </a:ext>
+          </a:extLst>
+        </p:spPr>
+      </p:pic>
+      <p:sp>
+        <p:nvSpPr>
+          <p:cNvPr id="19" name="TextBox 18">
+            <a:extLst>
+              <a:ext uri="{FF2B5EF4-FFF2-40B4-BE49-F238E27FC236}">
+                <a16:creationId xmlns:a16="http://schemas.microsoft.com/office/drawing/2014/main" id="{DEA3F4B3-EB1A-5D5E-CC9A-A306A4BAC387}"/>
+              </a:ext>
+            </a:extLst>
+          </p:cNvPr>
+          <p:cNvSpPr txBox="1"/>
+          <p:nvPr/>
+        </p:nvSpPr>
+        <p:spPr>
+          <a:xfrm>
+            <a:off x="5955632" y="5516833"/>
+            <a:ext cx="5345438" cy="830997"/>
+          </a:xfrm>
+          <a:prstGeom prst="rect">
+            <a:avLst/>
+          </a:prstGeom>
+          <a:noFill/>
+        </p:spPr>
+        <p:txBody>
+          <a:bodyPr wrap="none" rtlCol="0">
+            <a:spAutoFit/>
+          </a:bodyPr>
+          <a:lstStyle/>
+          <a:p>
+            <a:r>
+              <a:rPr lang="en-US" sz="4800" dirty="0">
+                <a:solidFill>
+                  <a:schemeClr val="bg1"/>
+                </a:solidFill>
+              </a:rPr>
+              <a:t>Value Improvements</a:t>
+            </a:r>
+          </a:p>
+        </p:txBody>
+      </p:sp>
+    </p:spTree>
+    <p:extLst>
+      <p:ext uri="{BB962C8B-B14F-4D97-AF65-F5344CB8AC3E}">
+        <p14:creationId xmlns:p14="http://schemas.microsoft.com/office/powerpoint/2010/main" val="4098058632"/>
+      </p:ext>
+    </p:extLst>
+  </p:cSld>
+  <p:clrMapOvr>
+    <a:masterClrMapping/>
+  </p:clrMapOvr>
+  <p:timing>
+    <p:tnLst>
+      <p:par>
+        <p:cTn id="1" dur="indefinite" restart="never" nodeType="tmRoot">
+          <p:childTnLst>
+            <p:seq concurrent="1" nextAc="seek">
+              <p:cTn id="2" dur="indefinite" nodeType="mainSeq">
+                <p:childTnLst>
+                  <p:par>
+                    <p:cTn id="3" fill="hold">
+                      <p:stCondLst>
+                        <p:cond delay="indefinite"/>
+                      </p:stCondLst>
+                      <p:childTnLst>
+                        <p:par>
+                          <p:cTn id="4" fill="hold">
+                            <p:stCondLst>
+                              <p:cond delay="0"/>
+                            </p:stCondLst>
+                            <p:childTnLst>
+                              <p:par>
+                                <p:cTn id="5" presetID="10" presetClass="entr" presetSubtype="0" fill="hold" nodeType="clickEffect">
+                                  <p:stCondLst>
+                                    <p:cond delay="0"/>
+                                  </p:stCondLst>
+                                  <p:childTnLst>
+                                    <p:set>
+                                      <p:cBhvr>
+                                        <p:cTn id="6" dur="1" fill="hold">
+                                          <p:stCondLst>
+                                            <p:cond delay="0"/>
+                                          </p:stCondLst>
+                                        </p:cTn>
+                                        <p:tgtEl>
+                                          <p:spTgt spid="3074"/>
+                                        </p:tgtEl>
+                                        <p:attrNameLst>
+                                          <p:attrName>style.visibility</p:attrName>
+                                        </p:attrNameLst>
+                                      </p:cBhvr>
+                                      <p:to>
+                                        <p:strVal val="visible"/>
+                                      </p:to>
+                                    </p:set>
+                                    <p:animEffect transition="in" filter="fade">
+                                      <p:cBhvr>
+                                        <p:cTn id="7" dur="500"/>
+                                        <p:tgtEl>
+                                          <p:spTgt spid="3074"/>
+                                        </p:tgtEl>
+                                      </p:cBhvr>
+                                    </p:animEffect>
+                                  </p:childTnLst>
+                                </p:cTn>
+                              </p:par>
+                              <p:par>
+                                <p:cTn id="8" presetID="10" presetClass="entr" presetSubtype="0" fill="hold" nodeType="withEffect">
+                                  <p:stCondLst>
+                                    <p:cond delay="0"/>
+                                  </p:stCondLst>
+                                  <p:childTnLst>
+                                    <p:set>
+                                      <p:cBhvr>
+                                        <p:cTn id="9" dur="1" fill="hold">
+                                          <p:stCondLst>
+                                            <p:cond delay="0"/>
+                                          </p:stCondLst>
+                                        </p:cTn>
+                                        <p:tgtEl>
+                                          <p:spTgt spid="8"/>
+                                        </p:tgtEl>
+                                        <p:attrNameLst>
+                                          <p:attrName>style.visibility</p:attrName>
+                                        </p:attrNameLst>
+                                      </p:cBhvr>
+                                      <p:to>
+                                        <p:strVal val="visible"/>
+                                      </p:to>
+                                    </p:set>
+                                    <p:animEffect transition="in" filter="fade">
+                                      <p:cBhvr>
+                                        <p:cTn id="10" dur="500"/>
+                                        <p:tgtEl>
+                                          <p:spTgt spid="8"/>
+                                        </p:tgtEl>
+                                      </p:cBhvr>
+                                    </p:animEffect>
+                                  </p:childTnLst>
+                                </p:cTn>
+                              </p:par>
+                              <p:par>
+                                <p:cTn id="11" presetID="10" presetClass="entr" presetSubtype="0" fill="hold" grpId="0" nodeType="withEffect">
+                                  <p:stCondLst>
+                                    <p:cond delay="0"/>
+                                  </p:stCondLst>
+                                  <p:childTnLst>
+                                    <p:set>
+                                      <p:cBhvr>
+                                        <p:cTn id="12" dur="1" fill="hold">
+                                          <p:stCondLst>
+                                            <p:cond delay="0"/>
+                                          </p:stCondLst>
+                                        </p:cTn>
+                                        <p:tgtEl>
+                                          <p:spTgt spid="6"/>
+                                        </p:tgtEl>
+                                        <p:attrNameLst>
+                                          <p:attrName>style.visibility</p:attrName>
+                                        </p:attrNameLst>
+                                      </p:cBhvr>
+                                      <p:to>
+                                        <p:strVal val="visible"/>
+                                      </p:to>
+                                    </p:set>
+                                    <p:animEffect transition="in" filter="fade">
+                                      <p:cBhvr>
+                                        <p:cTn id="13" dur="500"/>
+                                        <p:tgtEl>
+                                          <p:spTgt spid="6"/>
+                                        </p:tgtEl>
+                                      </p:cBhvr>
+                                    </p:animEffect>
+                                  </p:childTnLst>
+                                </p:cTn>
+                              </p:par>
+                              <p:par>
+                                <p:cTn id="14" presetID="10" presetClass="entr" presetSubtype="0" fill="hold" grpId="0" nodeType="withEffect">
+                                  <p:stCondLst>
+                                    <p:cond delay="0"/>
+                                  </p:stCondLst>
+                                  <p:childTnLst>
+                                    <p:set>
+                                      <p:cBhvr>
+                                        <p:cTn id="15" dur="1" fill="hold">
+                                          <p:stCondLst>
+                                            <p:cond delay="0"/>
+                                          </p:stCondLst>
+                                        </p:cTn>
+                                        <p:tgtEl>
+                                          <p:spTgt spid="7"/>
+                                        </p:tgtEl>
+                                        <p:attrNameLst>
+                                          <p:attrName>style.visibility</p:attrName>
+                                        </p:attrNameLst>
+                                      </p:cBhvr>
+                                      <p:to>
+                                        <p:strVal val="visible"/>
+                                      </p:to>
+                                    </p:set>
+                                    <p:animEffect transition="in" filter="fade">
+                                      <p:cBhvr>
+                                        <p:cTn id="16" dur="500"/>
+                                        <p:tgtEl>
+                                          <p:spTgt spid="7"/>
+                                        </p:tgtEl>
+                                      </p:cBhvr>
+                                    </p:animEffect>
+                                  </p:childTnLst>
+                                </p:cTn>
+                              </p:par>
+                            </p:childTnLst>
+                          </p:cTn>
+                        </p:par>
+                      </p:childTnLst>
+                    </p:cTn>
+                  </p:par>
+                  <p:par>
+                    <p:cTn id="17" fill="hold">
+                      <p:stCondLst>
+                        <p:cond delay="indefinite"/>
+                      </p:stCondLst>
+                      <p:childTnLst>
+                        <p:par>
+                          <p:cTn id="18" fill="hold">
+                            <p:stCondLst>
+                              <p:cond delay="0"/>
+                            </p:stCondLst>
+                            <p:childTnLst>
+                              <p:par>
+                                <p:cTn id="19" presetID="2" presetClass="entr" presetSubtype="2" fill="hold" nodeType="clickEffect">
+                                  <p:stCondLst>
+                                    <p:cond delay="0"/>
+                                  </p:stCondLst>
+                                  <p:childTnLst>
+                                    <p:set>
+                                      <p:cBhvr>
+                                        <p:cTn id="20" dur="1" fill="hold">
+                                          <p:stCondLst>
+                                            <p:cond delay="0"/>
+                                          </p:stCondLst>
+                                        </p:cTn>
+                                        <p:tgtEl>
+                                          <p:spTgt spid="3078"/>
+                                        </p:tgtEl>
+                                        <p:attrNameLst>
+                                          <p:attrName>style.visibility</p:attrName>
+                                        </p:attrNameLst>
+                                      </p:cBhvr>
+                                      <p:to>
+                                        <p:strVal val="visible"/>
+                                      </p:to>
+                                    </p:set>
+                                    <p:anim calcmode="lin" valueType="num">
+                                      <p:cBhvr additive="base">
+                                        <p:cTn id="21" dur="500" fill="hold"/>
+                                        <p:tgtEl>
+                                          <p:spTgt spid="3078"/>
+                                        </p:tgtEl>
+                                        <p:attrNameLst>
+                                          <p:attrName>ppt_x</p:attrName>
+                                        </p:attrNameLst>
+                                      </p:cBhvr>
+                                      <p:tavLst>
+                                        <p:tav tm="0">
+                                          <p:val>
+                                            <p:strVal val="1+#ppt_w/2"/>
+                                          </p:val>
+                                        </p:tav>
+                                        <p:tav tm="100000">
+                                          <p:val>
+                                            <p:strVal val="#ppt_x"/>
+                                          </p:val>
+                                        </p:tav>
+                                      </p:tavLst>
+                                    </p:anim>
+                                    <p:anim calcmode="lin" valueType="num">
+                                      <p:cBhvr additive="base">
+                                        <p:cTn id="22" dur="500" fill="hold"/>
+                                        <p:tgtEl>
+                                          <p:spTgt spid="3078"/>
+                                        </p:tgtEl>
+                                        <p:attrNameLst>
+                                          <p:attrName>ppt_y</p:attrName>
+                                        </p:attrNameLst>
+                                      </p:cBhvr>
+                                      <p:tavLst>
+                                        <p:tav tm="0">
+                                          <p:val>
+                                            <p:strVal val="#ppt_y"/>
+                                          </p:val>
+                                        </p:tav>
+                                        <p:tav tm="100000">
+                                          <p:val>
+                                            <p:strVal val="#ppt_y"/>
+                                          </p:val>
+                                        </p:tav>
+                                      </p:tavLst>
+                                    </p:anim>
+                                  </p:childTnLst>
+                                </p:cTn>
+                              </p:par>
+                              <p:par>
+                                <p:cTn id="23" presetID="2" presetClass="entr" presetSubtype="2" fill="hold" nodeType="withEffect">
+                                  <p:stCondLst>
+                                    <p:cond delay="0"/>
+                                  </p:stCondLst>
+                                  <p:childTnLst>
+                                    <p:set>
+                                      <p:cBhvr>
+                                        <p:cTn id="24" dur="1" fill="hold">
+                                          <p:stCondLst>
+                                            <p:cond delay="0"/>
+                                          </p:stCondLst>
+                                        </p:cTn>
+                                        <p:tgtEl>
+                                          <p:spTgt spid="3082"/>
+                                        </p:tgtEl>
+                                        <p:attrNameLst>
+                                          <p:attrName>style.visibility</p:attrName>
+                                        </p:attrNameLst>
+                                      </p:cBhvr>
+                                      <p:to>
+                                        <p:strVal val="visible"/>
+                                      </p:to>
+                                    </p:set>
+                                    <p:anim calcmode="lin" valueType="num">
+                                      <p:cBhvr additive="base">
+                                        <p:cTn id="25" dur="500" fill="hold"/>
+                                        <p:tgtEl>
+                                          <p:spTgt spid="3082"/>
+                                        </p:tgtEl>
+                                        <p:attrNameLst>
+                                          <p:attrName>ppt_x</p:attrName>
+                                        </p:attrNameLst>
+                                      </p:cBhvr>
+                                      <p:tavLst>
+                                        <p:tav tm="0">
+                                          <p:val>
+                                            <p:strVal val="1+#ppt_w/2"/>
+                                          </p:val>
+                                        </p:tav>
+                                        <p:tav tm="100000">
+                                          <p:val>
+                                            <p:strVal val="#ppt_x"/>
+                                          </p:val>
+                                        </p:tav>
+                                      </p:tavLst>
+                                    </p:anim>
+                                    <p:anim calcmode="lin" valueType="num">
+                                      <p:cBhvr additive="base">
+                                        <p:cTn id="26" dur="500" fill="hold"/>
+                                        <p:tgtEl>
+                                          <p:spTgt spid="3082"/>
+                                        </p:tgtEl>
+                                        <p:attrNameLst>
+                                          <p:attrName>ppt_y</p:attrName>
+                                        </p:attrNameLst>
+                                      </p:cBhvr>
+                                      <p:tavLst>
+                                        <p:tav tm="0">
+                                          <p:val>
+                                            <p:strVal val="#ppt_y"/>
+                                          </p:val>
+                                        </p:tav>
+                                        <p:tav tm="100000">
+                                          <p:val>
+                                            <p:strVal val="#ppt_y"/>
+                                          </p:val>
+                                        </p:tav>
+                                      </p:tavLst>
+                                    </p:anim>
+                                  </p:childTnLst>
+                                </p:cTn>
+                              </p:par>
+                            </p:childTnLst>
+                          </p:cTn>
+                        </p:par>
+                        <p:par>
+                          <p:cTn id="27" fill="hold">
+                            <p:stCondLst>
+                              <p:cond delay="500"/>
+                            </p:stCondLst>
+                            <p:childTnLst>
+                              <p:par>
+                                <p:cTn id="28" presetID="2" presetClass="entr" presetSubtype="2" fill="hold" grpId="0" nodeType="afterEffect">
+                                  <p:stCondLst>
+                                    <p:cond delay="0"/>
+                                  </p:stCondLst>
+                                  <p:childTnLst>
+                                    <p:set>
+                                      <p:cBhvr>
+                                        <p:cTn id="29" dur="1" fill="hold">
+                                          <p:stCondLst>
+                                            <p:cond delay="0"/>
+                                          </p:stCondLst>
+                                        </p:cTn>
+                                        <p:tgtEl>
+                                          <p:spTgt spid="19"/>
+                                        </p:tgtEl>
+                                        <p:attrNameLst>
+                                          <p:attrName>style.visibility</p:attrName>
+                                        </p:attrNameLst>
+                                      </p:cBhvr>
+                                      <p:to>
+                                        <p:strVal val="visible"/>
+                                      </p:to>
+                                    </p:set>
+                                    <p:anim calcmode="lin" valueType="num">
+                                      <p:cBhvr additive="base">
+                                        <p:cTn id="30" dur="500" fill="hold"/>
+                                        <p:tgtEl>
+                                          <p:spTgt spid="19"/>
+                                        </p:tgtEl>
+                                        <p:attrNameLst>
+                                          <p:attrName>ppt_x</p:attrName>
+                                        </p:attrNameLst>
+                                      </p:cBhvr>
+                                      <p:tavLst>
+                                        <p:tav tm="0">
+                                          <p:val>
+                                            <p:strVal val="1+#ppt_w/2"/>
+                                          </p:val>
+                                        </p:tav>
+                                        <p:tav tm="100000">
+                                          <p:val>
+                                            <p:strVal val="#ppt_x"/>
+                                          </p:val>
+                                        </p:tav>
+                                      </p:tavLst>
+                                    </p:anim>
+                                    <p:anim calcmode="lin" valueType="num">
+                                      <p:cBhvr additive="base">
+                                        <p:cTn id="31" dur="500" fill="hold"/>
+                                        <p:tgtEl>
+                                          <p:spTgt spid="19"/>
+                                        </p:tgtEl>
+                                        <p:attrNameLst>
+                                          <p:attrName>ppt_y</p:attrName>
+                                        </p:attrNameLst>
+                                      </p:cBhvr>
+                                      <p:tavLst>
+                                        <p:tav tm="0">
+                                          <p:val>
+                                            <p:strVal val="#ppt_y"/>
+                                          </p:val>
+                                        </p:tav>
+                                        <p:tav tm="100000">
+                                          <p:val>
+                                            <p:strVal val="#ppt_y"/>
+                                          </p:val>
+                                        </p:tav>
+                                      </p:tavLst>
+                                    </p:anim>
+                                  </p:childTnLst>
+                                </p:cTn>
+                              </p:par>
+                            </p:childTnLst>
+                          </p:cTn>
+                        </p:par>
+                      </p:childTnLst>
+                    </p:cTn>
+                  </p:par>
+                </p:childTnLst>
+              </p:cTn>
+              <p:prevCondLst>
+                <p:cond evt="onPrev" delay="0">
+                  <p:tgtEl>
+                    <p:sldTgt/>
+                  </p:tgtEl>
+                </p:cond>
+              </p:prevCondLst>
+              <p:nextCondLst>
+                <p:cond evt="onNext" delay="0">
+                  <p:tgtEl>
+                    <p:sldTgt/>
+                  </p:tgtEl>
+                </p:cond>
+              </p:nextCondLst>
+            </p:seq>
+          </p:childTnLst>
+        </p:cTn>
+      </p:par>
+    </p:tnLst>
+    <p:bldLst>
+      <p:bldP spid="6" grpId="0" animBg="1"/>
+      <p:bldP spid="7" grpId="0"/>
+      <p:bldP spid="19" grpId="0"/>
+    </p:bldLst>
+  </p:timing>
+</p:sld>
+</file>
+
+<file path=ppt/slides/slide9.xml><?xml version="1.0" encoding="utf-8"?>
+<p:sld xmlns:a="http://schemas.openxmlformats.org/drawingml/2006/main" xmlns:r="http://schemas.openxmlformats.org/officeDocument/2006/relationships" xmlns:p="http://schemas.openxmlformats.org/presentationml/2006/main">
+  <p:cSld>
+    <p:spTree>
+      <p:nvGrpSpPr>
+        <p:cNvPr id="1" name=""/>
+        <p:cNvGrpSpPr/>
+        <p:nvPr/>
+      </p:nvGrpSpPr>
+      <p:grpSpPr>
+        <a:xfrm>
+          <a:off x="0" y="0"/>
+          <a:ext cx="0" cy="0"/>
+          <a:chOff x="0" y="0"/>
+          <a:chExt cx="0" cy="0"/>
+        </a:xfrm>
+      </p:grpSpPr>
+      <p:pic>
+        <p:nvPicPr>
+          <p:cNvPr id="2" name="Picture 1" descr="Mountains Snow White - Free image on Pixabay">
+            <a:extLst>
+              <a:ext uri="{FF2B5EF4-FFF2-40B4-BE49-F238E27FC236}">
+                <a16:creationId xmlns:a16="http://schemas.microsoft.com/office/drawing/2014/main" id="{2F7FBAAD-B323-C9DF-600D-FADE818D820E}"/>
+              </a:ext>
+            </a:extLst>
+          </p:cNvPr>
+          <p:cNvPicPr>
+            <a:picLocks noChangeAspect="1" noChangeArrowheads="1"/>
+          </p:cNvPicPr>
+          <p:nvPr/>
+        </p:nvPicPr>
+        <p:blipFill rotWithShape="1">
+          <a:blip r:embed="rId2">
+            <a:extLst>
+              <a:ext uri="{28A0092B-C50C-407E-A947-70E740481C1C}">
+                <a14:useLocalDpi xmlns:a14="http://schemas.microsoft.com/office/drawing/2010/main" val="0"/>
+              </a:ext>
+            </a:extLst>
+          </a:blip>
+          <a:srcRect t="15318" b="39775"/>
+          <a:stretch/>
+        </p:blipFill>
+        <p:spPr bwMode="auto">
+          <a:xfrm>
+            <a:off x="0" y="3209662"/>
+            <a:ext cx="12192000" cy="3648338"/>
+          </a:xfrm>
+          <a:prstGeom prst="rect">
+            <a:avLst/>
+          </a:prstGeom>
+          <a:noFill/>
+          <a:extLst>
+            <a:ext uri="{909E8E84-426E-40DD-AFC4-6F175D3DCCD1}">
+              <a14:hiddenFill xmlns:a14="http://schemas.microsoft.com/office/drawing/2010/main">
+                <a:solidFill>
+                  <a:srgbClr val="FFFFFF"/>
+                </a:solidFill>
+              </a14:hiddenFill>
+            </a:ext>
+          </a:extLst>
+        </p:spPr>
+      </p:pic>
+      <p:sp>
+        <p:nvSpPr>
+          <p:cNvPr id="3" name="TextBox 2">
+            <a:extLst>
+              <a:ext uri="{FF2B5EF4-FFF2-40B4-BE49-F238E27FC236}">
+                <a16:creationId xmlns:a16="http://schemas.microsoft.com/office/drawing/2014/main" id="{14E4C8A1-6E9F-CF69-07F5-920FB8F3780B}"/>
+              </a:ext>
+            </a:extLst>
+          </p:cNvPr>
+          <p:cNvSpPr txBox="1"/>
+          <p:nvPr/>
+        </p:nvSpPr>
+        <p:spPr>
+          <a:xfrm>
+            <a:off x="0" y="0"/>
+            <a:ext cx="12192000" cy="3231654"/>
+          </a:xfrm>
+          <a:prstGeom prst="rect">
+            <a:avLst/>
+          </a:prstGeom>
+          <a:noFill/>
+        </p:spPr>
+        <p:txBody>
+          <a:bodyPr wrap="square" rtlCol="0">
+            <a:spAutoFit/>
+          </a:bodyPr>
+          <a:lstStyle/>
+          <a:p>
+            <a:r>
+              <a:rPr lang="en-US" sz="2400" u="sng" dirty="0">
+                <a:solidFill>
+                  <a:schemeClr val="accent1">
+                    <a:lumMod val="75000"/>
+                  </a:schemeClr>
+                </a:solidFill>
+                <a:latin typeface="Baskerville Old Face" panose="02020602080505020303" pitchFamily="18" charset="0"/>
+                <a:cs typeface="Biome" panose="020B0502040204020203" pitchFamily="34" charset="0"/>
+              </a:rPr>
+              <a:t>Summary and Conclusion:</a:t>
+            </a:r>
+          </a:p>
+          <a:p>
+            <a:pPr algn="ctr"/>
+            <a:r>
+              <a:rPr lang="en-US" sz="7200" u="sng" dirty="0">
+                <a:solidFill>
+                  <a:schemeClr val="accent1">
+                    <a:lumMod val="40000"/>
+                    <a:lumOff val="60000"/>
+                  </a:schemeClr>
+                </a:solidFill>
+                <a:latin typeface="Baskerville Old Face" panose="02020602080505020303" pitchFamily="18" charset="0"/>
+                <a:cs typeface="Biome" panose="020B0502040204020203" pitchFamily="34" charset="0"/>
+              </a:rPr>
+              <a:t>Recommendations:</a:t>
+            </a:r>
+          </a:p>
+          <a:p>
+            <a:pPr marL="571500" indent="-571500">
+              <a:buFont typeface="Arial" panose="020B0604020202020204" pitchFamily="34" charset="0"/>
+              <a:buChar char="•"/>
+            </a:pPr>
+            <a:r>
+              <a:rPr lang="en-US" sz="3600" dirty="0">
+                <a:latin typeface="Baskerville Old Face" panose="02020602080505020303" pitchFamily="18" charset="0"/>
+                <a:cs typeface="Biome" panose="020B0502040204020203" pitchFamily="34" charset="0"/>
+              </a:rPr>
+              <a:t>Increase Base Ticket Price to $95.87</a:t>
+            </a:r>
+          </a:p>
+          <a:p>
+            <a:pPr marL="571500" indent="-571500">
+              <a:buFont typeface="Arial" panose="020B0604020202020204" pitchFamily="34" charset="0"/>
+              <a:buChar char="•"/>
+            </a:pPr>
+            <a:r>
+              <a:rPr lang="en-US" sz="3600" dirty="0">
+                <a:latin typeface="Baskerville Old Face" panose="02020602080505020303" pitchFamily="18" charset="0"/>
+                <a:cs typeface="Biome" panose="020B0502040204020203" pitchFamily="34" charset="0"/>
+              </a:rPr>
+              <a:t>Close Five of the Least Used Runs</a:t>
+            </a:r>
+          </a:p>
+          <a:p>
+            <a:pPr marL="571500" indent="-571500">
+              <a:buFont typeface="Arial" panose="020B0604020202020204" pitchFamily="34" charset="0"/>
+              <a:buChar char="•"/>
+            </a:pPr>
+            <a:r>
+              <a:rPr lang="en-US" sz="3600" dirty="0">
+                <a:latin typeface="Baskerville Old Face" panose="02020602080505020303" pitchFamily="18" charset="0"/>
+                <a:cs typeface="Biome" panose="020B0502040204020203" pitchFamily="34" charset="0"/>
+              </a:rPr>
+              <a:t>Increase Vertical Drop by 150 Feet</a:t>
+            </a:r>
+          </a:p>
+        </p:txBody>
+      </p:sp>
+      <p:grpSp>
+        <p:nvGrpSpPr>
+          <p:cNvPr id="6" name="Group 5">
+            <a:extLst>
+              <a:ext uri="{FF2B5EF4-FFF2-40B4-BE49-F238E27FC236}">
+                <a16:creationId xmlns:a16="http://schemas.microsoft.com/office/drawing/2014/main" id="{143616B5-CDE0-6900-21FA-8FBC11A3F199}"/>
+              </a:ext>
+            </a:extLst>
+          </p:cNvPr>
+          <p:cNvGrpSpPr/>
+          <p:nvPr/>
+        </p:nvGrpSpPr>
+        <p:grpSpPr>
+          <a:xfrm rot="20400000">
+            <a:off x="6981617" y="3193446"/>
+            <a:ext cx="4919912" cy="2566071"/>
+            <a:chOff x="5541263" y="1442459"/>
+            <a:chExt cx="3116524" cy="1625481"/>
+          </a:xfrm>
+        </p:grpSpPr>
+        <p:grpSp>
+          <p:nvGrpSpPr>
+            <p:cNvPr id="7" name="Group 6">
+              <a:extLst>
+                <a:ext uri="{FF2B5EF4-FFF2-40B4-BE49-F238E27FC236}">
+                  <a16:creationId xmlns:a16="http://schemas.microsoft.com/office/drawing/2014/main" id="{A482EB26-6DF8-6A1A-EE6D-F6DC88E188E0}"/>
+                </a:ext>
+              </a:extLst>
+            </p:cNvPr>
+            <p:cNvGrpSpPr/>
+            <p:nvPr/>
+          </p:nvGrpSpPr>
+          <p:grpSpPr>
+            <a:xfrm>
+              <a:off x="5541263" y="1442459"/>
+              <a:ext cx="3116524" cy="1625481"/>
+              <a:chOff x="4366901" y="587880"/>
+              <a:chExt cx="6221338" cy="3244854"/>
+            </a:xfrm>
+          </p:grpSpPr>
+          <p:pic>
+            <p:nvPicPr>
+              <p:cNvPr id="9" name="Picture 8" descr="Blank Admission Ticket Template (5) | PROFESSIONAL TEMPLATES | Raffle  tickets template, Ticket template, Raffle tickets printable">
+                <a:extLst>
+                  <a:ext uri="{FF2B5EF4-FFF2-40B4-BE49-F238E27FC236}">
+                    <a16:creationId xmlns:a16="http://schemas.microsoft.com/office/drawing/2014/main" id="{171FE9EB-9D94-073B-2667-1EDE8EBB6B4A}"/>
+                  </a:ext>
+                </a:extLst>
+              </p:cNvPr>
+              <p:cNvPicPr>
+                <a:picLocks noChangeAspect="1" noChangeArrowheads="1"/>
+              </p:cNvPicPr>
+              <p:nvPr/>
+            </p:nvPicPr>
+            <p:blipFill rotWithShape="1">
+              <a:blip r:embed="rId3">
+                <a:duotone>
+                  <a:prstClr val="black"/>
+                  <a:schemeClr val="accent4">
+                    <a:tint val="45000"/>
+                    <a:satMod val="400000"/>
+                  </a:schemeClr>
+                </a:duotone>
+                <a:extLst>
+                  <a:ext uri="{28A0092B-C50C-407E-A947-70E740481C1C}">
+                    <a14:useLocalDpi xmlns:a14="http://schemas.microsoft.com/office/drawing/2010/main" val="0"/>
+                  </a:ext>
+                </a:extLst>
+              </a:blip>
+              <a:srcRect l="3824" t="19028" r="4662" b="19144"/>
+              <a:stretch/>
+            </p:blipFill>
+            <p:spPr bwMode="auto">
+              <a:xfrm>
+                <a:off x="4366901" y="587880"/>
+                <a:ext cx="6221338" cy="3244854"/>
+              </a:xfrm>
+              <a:prstGeom prst="rect">
+                <a:avLst/>
+              </a:prstGeom>
+              <a:noFill/>
+              <a:extLst>
+                <a:ext uri="{909E8E84-426E-40DD-AFC4-6F175D3DCCD1}">
+                  <a14:hiddenFill xmlns:a14="http://schemas.microsoft.com/office/drawing/2010/main">
+                    <a:solidFill>
+                      <a:srgbClr val="FFFFFF"/>
+                    </a:solidFill>
+                  </a14:hiddenFill>
+                </a:ext>
+              </a:extLst>
+            </p:spPr>
+          </p:pic>
+          <p:pic>
+            <p:nvPicPr>
+              <p:cNvPr id="10" name="Picture 4" descr="Experience Partners — ROAM Beyond">
+                <a:extLst>
+                  <a:ext uri="{FF2B5EF4-FFF2-40B4-BE49-F238E27FC236}">
+                    <a16:creationId xmlns:a16="http://schemas.microsoft.com/office/drawing/2014/main" id="{572D22C4-8C8E-A9B4-4E2A-F46CA39B763D}"/>
+                  </a:ext>
+                </a:extLst>
+              </p:cNvPr>
+              <p:cNvPicPr>
+                <a:picLocks noChangeAspect="1" noChangeArrowheads="1"/>
+              </p:cNvPicPr>
+              <p:nvPr/>
+            </p:nvPicPr>
+            <p:blipFill rotWithShape="1">
+              <a:blip r:embed="rId4">
+                <a:extLst>
+                  <a:ext uri="{28A0092B-C50C-407E-A947-70E740481C1C}">
+                    <a14:useLocalDpi xmlns:a14="http://schemas.microsoft.com/office/drawing/2010/main" val="0"/>
+                  </a:ext>
+                </a:extLst>
+              </a:blip>
+              <a:srcRect l="6761" t="39377" r="5824" b="41184"/>
+              <a:stretch/>
+            </p:blipFill>
+            <p:spPr bwMode="auto">
+              <a:xfrm rot="5400000">
+                <a:off x="8890291" y="1965380"/>
+                <a:ext cx="2204343" cy="489854"/>
+              </a:xfrm>
+              <a:prstGeom prst="rect">
+                <a:avLst/>
+              </a:prstGeom>
+              <a:noFill/>
+              <a:extLst>
+                <a:ext uri="{909E8E84-426E-40DD-AFC4-6F175D3DCCD1}">
+                  <a14:hiddenFill xmlns:a14="http://schemas.microsoft.com/office/drawing/2010/main">
+                    <a:solidFill>
+                      <a:srgbClr val="FFFFFF"/>
+                    </a:solidFill>
+                  </a14:hiddenFill>
+                </a:ext>
+              </a:extLst>
+            </p:spPr>
+          </p:pic>
+        </p:grpSp>
+        <p:sp>
+          <p:nvSpPr>
+            <p:cNvPr id="8" name="TextBox 7">
+              <a:extLst>
+                <a:ext uri="{FF2B5EF4-FFF2-40B4-BE49-F238E27FC236}">
+                  <a16:creationId xmlns:a16="http://schemas.microsoft.com/office/drawing/2014/main" id="{2632565E-2239-A0BF-D68F-9231E0AE6C59}"/>
+                </a:ext>
+              </a:extLst>
+            </p:cNvPr>
+            <p:cNvSpPr txBox="1"/>
+            <p:nvPr/>
+          </p:nvSpPr>
+          <p:spPr>
+            <a:xfrm>
+              <a:off x="5888856" y="1879123"/>
+              <a:ext cx="2273181" cy="799342"/>
+            </a:xfrm>
+            <a:prstGeom prst="rect">
+              <a:avLst/>
+            </a:prstGeom>
+            <a:noFill/>
+          </p:spPr>
+          <p:txBody>
+            <a:bodyPr wrap="square" rtlCol="0">
+              <a:spAutoFit/>
+            </a:bodyPr>
+            <a:lstStyle/>
+            <a:p>
+              <a:pPr algn="ctr"/>
+              <a:r>
+                <a:rPr lang="en-US" b="1" dirty="0">
+                  <a:solidFill>
+                    <a:schemeClr val="bg1"/>
+                  </a:solidFill>
+                  <a:latin typeface="Courier New" panose="02070309020205020404" pitchFamily="49" charset="0"/>
+                  <a:cs typeface="Courier New" panose="02070309020205020404" pitchFamily="49" charset="0"/>
+                </a:rPr>
+                <a:t>One Day – One Adult</a:t>
+              </a:r>
+            </a:p>
+            <a:p>
+              <a:pPr algn="ctr"/>
+              <a:r>
+                <a:rPr lang="en-US" b="1" dirty="0">
+                  <a:solidFill>
+                    <a:schemeClr val="bg1"/>
+                  </a:solidFill>
+                  <a:latin typeface="Courier New" panose="02070309020205020404" pitchFamily="49" charset="0"/>
+                  <a:cs typeface="Courier New" panose="02070309020205020404" pitchFamily="49" charset="0"/>
+                </a:rPr>
+                <a:t>Admission</a:t>
+              </a:r>
+            </a:p>
+            <a:p>
+              <a:pPr algn="ctr"/>
+              <a:r>
+                <a:rPr lang="en-US" sz="4000" b="1" dirty="0">
+                  <a:solidFill>
+                    <a:schemeClr val="bg1"/>
+                  </a:solidFill>
+                  <a:latin typeface="Courier New" panose="02070309020205020404" pitchFamily="49" charset="0"/>
+                  <a:cs typeface="Courier New" panose="02070309020205020404" pitchFamily="49" charset="0"/>
+                </a:rPr>
+                <a:t>$103.73</a:t>
+              </a:r>
+            </a:p>
+          </p:txBody>
+        </p:sp>
+      </p:grpSp>
+    </p:spTree>
+    <p:extLst>
+      <p:ext uri="{BB962C8B-B14F-4D97-AF65-F5344CB8AC3E}">
+        <p14:creationId xmlns:p14="http://schemas.microsoft.com/office/powerpoint/2010/main" val="2154855332"/>
+      </p:ext>
+    </p:extLst>
+  </p:cSld>
+  <p:clrMapOvr>
+    <a:masterClrMapping/>
+  </p:clrMapOvr>
+  <p:timing>
+    <p:tnLst>
+      <p:par>
+        <p:cTn id="1" dur="indefinite" restart="never" nodeType="tmRoot">
+          <p:childTnLst>
+            <p:seq concurrent="1" nextAc="seek">
+              <p:cTn id="2" dur="indefinite" nodeType="mainSeq">
+                <p:childTnLst>
+                  <p:par>
+                    <p:cTn id="3" fill="hold">
+                      <p:stCondLst>
+                        <p:cond delay="indefinite"/>
+                      </p:stCondLst>
+                      <p:childTnLst>
+                        <p:par>
+                          <p:cTn id="4" fill="hold">
+                            <p:stCondLst>
+                              <p:cond delay="0"/>
+                            </p:stCondLst>
+                            <p:childTnLst>
+                              <p:par>
+                                <p:cTn id="5" presetID="10" presetClass="entr" presetSubtype="0" fill="hold" nodeType="clickEffect">
+                                  <p:stCondLst>
+                                    <p:cond delay="0"/>
+                                  </p:stCondLst>
+                                  <p:childTnLst>
+                                    <p:set>
+                                      <p:cBhvr>
+                                        <p:cTn id="6" dur="1" fill="hold">
+                                          <p:stCondLst>
+                                            <p:cond delay="0"/>
+                                          </p:stCondLst>
+                                        </p:cTn>
+                                        <p:tgtEl>
+                                          <p:spTgt spid="6"/>
+                                        </p:tgtEl>
+                                        <p:attrNameLst>
+                                          <p:attrName>style.visibility</p:attrName>
+                                        </p:attrNameLst>
+                                      </p:cBhvr>
+                                      <p:to>
+                                        <p:strVal val="visible"/>
+                                      </p:to>
+                                    </p:set>
+                                    <p:animEffect transition="in" filter="fade">
+                                      <p:cBhvr>
+                                        <p:cTn id="7" dur="500"/>
+                                        <p:tgtEl>
+                                          <p:spTgt spid="6"/>
+                                        </p:tgtEl>
+                                      </p:cBhvr>
+                                    </p:animEffect>
+                                  </p:childTnLst>
+                                </p:cTn>
+                              </p:par>
+                            </p:childTnLst>
+                          </p:cTn>
+                        </p:par>
+                      </p:childTnLst>
+                    </p:cTn>
+                  </p:par>
+                </p:childTnLst>
+              </p:cTn>
+              <p:prevCondLst>
+                <p:cond evt="onPrev" delay="0">
+                  <p:tgtEl>
+                    <p:sldTgt/>
+                  </p:tgtEl>
+                </p:cond>
+              </p:prevCondLst>
+              <p:nextCondLst>
+                <p:cond evt="onNext" delay="0">
+                  <p:tgtEl>
+                    <p:sldTgt/>
+                  </p:tgtEl>
+                </p:cond>
+              </p:nextCondLst>
+            </p:seq>
+          </p:childTnLst>
+        </p:cTn>
+      </p:par>
+    </p:tnLst>
+  </p:timing>
 </p:sld>
 </file>
 
